--- a/Présentation file Rouge.pptx
+++ b/Présentation file Rouge.pptx
@@ -27,49 +27,51 @@
     <p:sldId id="272" r:id="rId22"/>
     <p:sldId id="273" r:id="rId23"/>
     <p:sldId id="274" r:id="rId24"/>
+    <p:sldId id="275" r:id="rId25"/>
+    <p:sldId id="276" r:id="rId26"/>
   </p:sldIdLst>
   <p:sldSz cy="5143500" cx="9144000"/>
   <p:notesSz cx="6858000" cy="9144000"/>
   <p:embeddedFontLst>
     <p:embeddedFont>
       <p:font typeface="Roboto"/>
-      <p:regular r:id="rId25"/>
-      <p:bold r:id="rId26"/>
-      <p:italic r:id="rId27"/>
-      <p:boldItalic r:id="rId28"/>
+      <p:regular r:id="rId27"/>
+      <p:bold r:id="rId28"/>
+      <p:italic r:id="rId29"/>
+      <p:boldItalic r:id="rId30"/>
     </p:embeddedFont>
     <p:embeddedFont>
       <p:font typeface="Source Code Pro"/>
-      <p:regular r:id="rId29"/>
-      <p:bold r:id="rId30"/>
-      <p:italic r:id="rId31"/>
-      <p:boldItalic r:id="rId32"/>
+      <p:regular r:id="rId31"/>
+      <p:bold r:id="rId32"/>
+      <p:italic r:id="rId33"/>
+      <p:boldItalic r:id="rId34"/>
     </p:embeddedFont>
     <p:embeddedFont>
       <p:font typeface="Fira Sans Extra Condensed Medium"/>
-      <p:regular r:id="rId33"/>
-      <p:bold r:id="rId34"/>
-      <p:italic r:id="rId35"/>
-      <p:boldItalic r:id="rId36"/>
+      <p:regular r:id="rId35"/>
+      <p:bold r:id="rId36"/>
+      <p:italic r:id="rId37"/>
+      <p:boldItalic r:id="rId38"/>
     </p:embeddedFont>
     <p:embeddedFont>
       <p:font typeface="Oswald"/>
-      <p:regular r:id="rId37"/>
-      <p:bold r:id="rId38"/>
+      <p:regular r:id="rId39"/>
+      <p:bold r:id="rId40"/>
     </p:embeddedFont>
     <p:embeddedFont>
       <p:font typeface="Fira Sans Extra Condensed"/>
-      <p:regular r:id="rId39"/>
-      <p:bold r:id="rId40"/>
-      <p:italic r:id="rId41"/>
-      <p:boldItalic r:id="rId42"/>
+      <p:regular r:id="rId41"/>
+      <p:bold r:id="rId42"/>
+      <p:italic r:id="rId43"/>
+      <p:boldItalic r:id="rId44"/>
     </p:embeddedFont>
     <p:embeddedFont>
       <p:font typeface="Fira Sans Extra Condensed SemiBold"/>
-      <p:regular r:id="rId43"/>
-      <p:bold r:id="rId44"/>
-      <p:italic r:id="rId45"/>
-      <p:boldItalic r:id="rId46"/>
+      <p:regular r:id="rId45"/>
+      <p:bold r:id="rId46"/>
+      <p:italic r:id="rId47"/>
+      <p:boldItalic r:id="rId48"/>
     </p:embeddedFont>
   </p:embeddedFontLst>
   <p:defaultTextStyle>
@@ -850,7 +852,7 @@
   <p:cSld>
     <p:spTree>
       <p:nvGrpSpPr>
-        <p:cNvPr id="131" name="Shape 131"/>
+        <p:cNvPr id="133" name="Shape 133"/>
         <p:cNvGrpSpPr/>
         <p:nvPr/>
       </p:nvGrpSpPr>
@@ -864,7 +866,7 @@
       </p:grpSpPr>
       <p:sp>
         <p:nvSpPr>
-          <p:cNvPr id="132" name="Google Shape;132;g28eaf715cba_0_111:notes"/>
+          <p:cNvPr id="134" name="Google Shape;134;g2b495975fa6_1_8:notes"/>
           <p:cNvSpPr/>
           <p:nvPr>
             <p:ph idx="2" type="sldImg"/>
@@ -899,7 +901,7 @@
       </p:sp>
       <p:sp>
         <p:nvSpPr>
-          <p:cNvPr id="133" name="Google Shape;133;g28eaf715cba_0_111:notes"/>
+          <p:cNvPr id="135" name="Google Shape;135;g2b495975fa6_1_8:notes"/>
           <p:cNvSpPr txBox="1"/>
           <p:nvPr>
             <p:ph idx="1" type="body"/>
@@ -949,7 +951,7 @@
   <p:cSld>
     <p:spTree>
       <p:nvGrpSpPr>
-        <p:cNvPr id="138" name="Shape 138"/>
+        <p:cNvPr id="141" name="Shape 141"/>
         <p:cNvGrpSpPr/>
         <p:nvPr/>
       </p:nvGrpSpPr>
@@ -963,7 +965,7 @@
       </p:grpSpPr>
       <p:sp>
         <p:nvSpPr>
-          <p:cNvPr id="139" name="Google Shape;139;g1e33c64c1bd_3_12:notes"/>
+          <p:cNvPr id="142" name="Google Shape;142;g1e33c64c1bd_2_40:notes"/>
           <p:cNvSpPr/>
           <p:nvPr>
             <p:ph idx="2" type="sldImg"/>
@@ -998,7 +1000,7 @@
       </p:sp>
       <p:sp>
         <p:nvSpPr>
-          <p:cNvPr id="140" name="Google Shape;140;g1e33c64c1bd_3_12:notes"/>
+          <p:cNvPr id="143" name="Google Shape;143;g1e33c64c1bd_2_40:notes"/>
           <p:cNvSpPr txBox="1"/>
           <p:nvPr>
             <p:ph idx="1" type="body"/>
@@ -1048,7 +1050,7 @@
   <p:cSld>
     <p:spTree>
       <p:nvGrpSpPr>
-        <p:cNvPr id="144" name="Shape 144"/>
+        <p:cNvPr id="147" name="Shape 147"/>
         <p:cNvGrpSpPr/>
         <p:nvPr/>
       </p:nvGrpSpPr>
@@ -1062,7 +1064,7 @@
       </p:grpSpPr>
       <p:sp>
         <p:nvSpPr>
-          <p:cNvPr id="145" name="Google Shape;145;g28e706656c0_0_18:notes"/>
+          <p:cNvPr id="148" name="Google Shape;148;g28eaf715cba_0_111:notes"/>
           <p:cNvSpPr/>
           <p:nvPr>
             <p:ph idx="2" type="sldImg"/>
@@ -1097,7 +1099,7 @@
       </p:sp>
       <p:sp>
         <p:nvSpPr>
-          <p:cNvPr id="146" name="Google Shape;146;g28e706656c0_0_18:notes"/>
+          <p:cNvPr id="149" name="Google Shape;149;g28eaf715cba_0_111:notes"/>
           <p:cNvSpPr txBox="1"/>
           <p:nvPr>
             <p:ph idx="1" type="body"/>
@@ -1147,7 +1149,7 @@
   <p:cSld>
     <p:spTree>
       <p:nvGrpSpPr>
-        <p:cNvPr id="157" name="Shape 157"/>
+        <p:cNvPr id="154" name="Shape 154"/>
         <p:cNvGrpSpPr/>
         <p:nvPr/>
       </p:nvGrpSpPr>
@@ -1161,7 +1163,7 @@
       </p:grpSpPr>
       <p:sp>
         <p:nvSpPr>
-          <p:cNvPr id="158" name="Google Shape;158;g28e706656c0_0_207:notes"/>
+          <p:cNvPr id="155" name="Google Shape;155;g1e33c64c1bd_3_12:notes"/>
           <p:cNvSpPr/>
           <p:nvPr>
             <p:ph idx="2" type="sldImg"/>
@@ -1196,7 +1198,7 @@
       </p:sp>
       <p:sp>
         <p:nvSpPr>
-          <p:cNvPr id="159" name="Google Shape;159;g28e706656c0_0_207:notes"/>
+          <p:cNvPr id="156" name="Google Shape;156;g1e33c64c1bd_3_12:notes"/>
           <p:cNvSpPr txBox="1"/>
           <p:nvPr>
             <p:ph idx="1" type="body"/>
@@ -1246,7 +1248,7 @@
   <p:cSld>
     <p:spTree>
       <p:nvGrpSpPr>
-        <p:cNvPr id="163" name="Shape 163"/>
+        <p:cNvPr id="160" name="Shape 160"/>
         <p:cNvGrpSpPr/>
         <p:nvPr/>
       </p:nvGrpSpPr>
@@ -1260,7 +1262,7 @@
       </p:grpSpPr>
       <p:sp>
         <p:nvSpPr>
-          <p:cNvPr id="164" name="Google Shape;164;g28eaf715cba_0_119:notes"/>
+          <p:cNvPr id="161" name="Google Shape;161;g28e706656c0_0_18:notes"/>
           <p:cNvSpPr/>
           <p:nvPr>
             <p:ph idx="2" type="sldImg"/>
@@ -1295,7 +1297,7 @@
       </p:sp>
       <p:sp>
         <p:nvSpPr>
-          <p:cNvPr id="165" name="Google Shape;165;g28eaf715cba_0_119:notes"/>
+          <p:cNvPr id="162" name="Google Shape;162;g28e706656c0_0_18:notes"/>
           <p:cNvSpPr txBox="1"/>
           <p:nvPr>
             <p:ph idx="1" type="body"/>
@@ -1345,7 +1347,7 @@
   <p:cSld>
     <p:spTree>
       <p:nvGrpSpPr>
-        <p:cNvPr id="170" name="Shape 170"/>
+        <p:cNvPr id="173" name="Shape 173"/>
         <p:cNvGrpSpPr/>
         <p:nvPr/>
       </p:nvGrpSpPr>
@@ -1359,7 +1361,7 @@
       </p:grpSpPr>
       <p:sp>
         <p:nvSpPr>
-          <p:cNvPr id="171" name="Google Shape;171;g2b3cebae452_0_10:notes"/>
+          <p:cNvPr id="174" name="Google Shape;174;g28e706656c0_0_207:notes"/>
           <p:cNvSpPr/>
           <p:nvPr>
             <p:ph idx="2" type="sldImg"/>
@@ -1394,7 +1396,7 @@
       </p:sp>
       <p:sp>
         <p:nvSpPr>
-          <p:cNvPr id="172" name="Google Shape;172;g2b3cebae452_0_10:notes"/>
+          <p:cNvPr id="175" name="Google Shape;175;g28e706656c0_0_207:notes"/>
           <p:cNvSpPr txBox="1"/>
           <p:nvPr>
             <p:ph idx="1" type="body"/>
@@ -1444,7 +1446,7 @@
   <p:cSld>
     <p:spTree>
       <p:nvGrpSpPr>
-        <p:cNvPr id="177" name="Shape 177"/>
+        <p:cNvPr id="179" name="Shape 179"/>
         <p:cNvGrpSpPr/>
         <p:nvPr/>
       </p:nvGrpSpPr>
@@ -1458,7 +1460,7 @@
       </p:grpSpPr>
       <p:sp>
         <p:nvSpPr>
-          <p:cNvPr id="178" name="Google Shape;178;g2b3cebae452_0_18:notes"/>
+          <p:cNvPr id="180" name="Google Shape;180;g28eaf715cba_0_119:notes"/>
           <p:cNvSpPr/>
           <p:nvPr>
             <p:ph idx="2" type="sldImg"/>
@@ -1493,7 +1495,7 @@
       </p:sp>
       <p:sp>
         <p:nvSpPr>
-          <p:cNvPr id="179" name="Google Shape;179;g2b3cebae452_0_18:notes"/>
+          <p:cNvPr id="181" name="Google Shape;181;g28eaf715cba_0_119:notes"/>
           <p:cNvSpPr txBox="1"/>
           <p:nvPr>
             <p:ph idx="1" type="body"/>
@@ -1543,7 +1545,7 @@
   <p:cSld>
     <p:spTree>
       <p:nvGrpSpPr>
-        <p:cNvPr id="184" name="Shape 184"/>
+        <p:cNvPr id="186" name="Shape 186"/>
         <p:cNvGrpSpPr/>
         <p:nvPr/>
       </p:nvGrpSpPr>
@@ -1557,7 +1559,7 @@
       </p:grpSpPr>
       <p:sp>
         <p:nvSpPr>
-          <p:cNvPr id="185" name="Google Shape;185;g2b3f54f0998_0_1:notes"/>
+          <p:cNvPr id="187" name="Google Shape;187;g2b3cebae452_0_10:notes"/>
           <p:cNvSpPr/>
           <p:nvPr>
             <p:ph idx="2" type="sldImg"/>
@@ -1592,7 +1594,7 @@
       </p:sp>
       <p:sp>
         <p:nvSpPr>
-          <p:cNvPr id="186" name="Google Shape;186;g2b3f54f0998_0_1:notes"/>
+          <p:cNvPr id="188" name="Google Shape;188;g2b3cebae452_0_10:notes"/>
           <p:cNvSpPr txBox="1"/>
           <p:nvPr>
             <p:ph idx="1" type="body"/>
@@ -1642,7 +1644,7 @@
   <p:cSld>
     <p:spTree>
       <p:nvGrpSpPr>
-        <p:cNvPr id="191" name="Shape 191"/>
+        <p:cNvPr id="193" name="Shape 193"/>
         <p:cNvGrpSpPr/>
         <p:nvPr/>
       </p:nvGrpSpPr>
@@ -1656,7 +1658,7 @@
       </p:grpSpPr>
       <p:sp>
         <p:nvSpPr>
-          <p:cNvPr id="192" name="Google Shape;192;g1e33c64c1bd_3_20:notes"/>
+          <p:cNvPr id="194" name="Google Shape;194;g2b3cebae452_0_18:notes"/>
           <p:cNvSpPr/>
           <p:nvPr>
             <p:ph idx="2" type="sldImg"/>
@@ -1691,7 +1693,7 @@
       </p:sp>
       <p:sp>
         <p:nvSpPr>
-          <p:cNvPr id="193" name="Google Shape;193;g1e33c64c1bd_3_20:notes"/>
+          <p:cNvPr id="195" name="Google Shape;195;g2b3cebae452_0_18:notes"/>
           <p:cNvSpPr txBox="1"/>
           <p:nvPr>
             <p:ph idx="1" type="body"/>
@@ -1741,7 +1743,7 @@
   <p:cSld>
     <p:spTree>
       <p:nvGrpSpPr>
-        <p:cNvPr id="197" name="Shape 197"/>
+        <p:cNvPr id="200" name="Shape 200"/>
         <p:cNvGrpSpPr/>
         <p:nvPr/>
       </p:nvGrpSpPr>
@@ -1755,7 +1757,7 @@
       </p:grpSpPr>
       <p:sp>
         <p:nvSpPr>
-          <p:cNvPr id="198" name="Google Shape;198;g1e33c64c1bd_2_108:notes"/>
+          <p:cNvPr id="201" name="Google Shape;201;g2b3f54f0998_0_1:notes"/>
           <p:cNvSpPr/>
           <p:nvPr>
             <p:ph idx="2" type="sldImg"/>
@@ -1790,7 +1792,7 @@
       </p:sp>
       <p:sp>
         <p:nvSpPr>
-          <p:cNvPr id="199" name="Google Shape;199;g1e33c64c1bd_2_108:notes"/>
+          <p:cNvPr id="202" name="Google Shape;202;g2b3f54f0998_0_1:notes"/>
           <p:cNvSpPr txBox="1"/>
           <p:nvPr>
             <p:ph idx="1" type="body"/>
@@ -1931,6 +1933,204 @@
                 </a:solidFill>
               </a:rPr>
               <a:t>Bienvenue dans Discussion, Imaginez un Web où chaque page est un lieu de discussion. Où le texte statique se transforme en communautés dynamiques, animées par des conversations et de la collaboration.C'est le pouvoir de la discussion.</a:t>
+            </a:r>
+            <a:endParaRPr/>
+          </a:p>
+        </p:txBody>
+      </p:sp>
+    </p:spTree>
+  </p:cSld>
+  <p:clrMapOvr>
+    <a:masterClrMapping/>
+  </p:clrMapOvr>
+</p:notes>
+</file>
+
+<file path=ppt/notesSlides/notesSlide20.xml><?xml version="1.0" encoding="utf-8"?>
+<p:notes xmlns:a="http://schemas.openxmlformats.org/drawingml/2006/main" xmlns:r="http://schemas.openxmlformats.org/officeDocument/2006/relationships" xmlns:mc="http://schemas.openxmlformats.org/markup-compatibility/2006" xmlns:mv="urn:schemas-microsoft-com:mac:vml" xmlns:p="http://schemas.openxmlformats.org/presentationml/2006/main" xmlns:c="http://schemas.openxmlformats.org/drawingml/2006/chart" xmlns:dgm="http://schemas.openxmlformats.org/drawingml/2006/diagram" xmlns:o="urn:schemas-microsoft-com:office:office" xmlns:v="urn:schemas-microsoft-com:vml" xmlns:pvml="urn:schemas-microsoft-com:office:powerpoint" xmlns:com="http://schemas.openxmlformats.org/drawingml/2006/compatibility" xmlns:p14="http://schemas.microsoft.com/office/powerpoint/2010/main" xmlns:p15="http://schemas.microsoft.com/office/powerpoint/2012/main" xmlns:ahyp="http://schemas.microsoft.com/office/drawing/2018/hyperlinkcolor" showMasterPhAnim="0" showMasterSp="0">
+  <p:cSld>
+    <p:spTree>
+      <p:nvGrpSpPr>
+        <p:cNvPr id="207" name="Shape 207"/>
+        <p:cNvGrpSpPr/>
+        <p:nvPr/>
+      </p:nvGrpSpPr>
+      <p:grpSpPr>
+        <a:xfrm>
+          <a:off x="0" y="0"/>
+          <a:ext cx="0" cy="0"/>
+          <a:chOff x="0" y="0"/>
+          <a:chExt cx="0" cy="0"/>
+        </a:xfrm>
+      </p:grpSpPr>
+      <p:sp>
+        <p:nvSpPr>
+          <p:cNvPr id="208" name="Google Shape;208;g1e33c64c1bd_3_20:notes"/>
+          <p:cNvSpPr/>
+          <p:nvPr>
+            <p:ph idx="2" type="sldImg"/>
+          </p:nvPr>
+        </p:nvSpPr>
+        <p:spPr>
+          <a:xfrm>
+            <a:off x="381300" y="685800"/>
+            <a:ext cx="6096000" cy="3429000"/>
+          </a:xfrm>
+          <a:custGeom>
+            <a:rect b="b" l="l" r="r" t="t"/>
+            <a:pathLst>
+              <a:path extrusionOk="0" h="120000" w="120000">
+                <a:moveTo>
+                  <a:pt x="0" y="0"/>
+                </a:moveTo>
+                <a:lnTo>
+                  <a:pt x="120000" y="0"/>
+                </a:lnTo>
+                <a:lnTo>
+                  <a:pt x="120000" y="120000"/>
+                </a:lnTo>
+                <a:lnTo>
+                  <a:pt x="0" y="120000"/>
+                </a:lnTo>
+                <a:close/>
+              </a:path>
+            </a:pathLst>
+          </a:custGeom>
+        </p:spPr>
+      </p:sp>
+      <p:sp>
+        <p:nvSpPr>
+          <p:cNvPr id="209" name="Google Shape;209;g1e33c64c1bd_3_20:notes"/>
+          <p:cNvSpPr txBox="1"/>
+          <p:nvPr>
+            <p:ph idx="1" type="body"/>
+          </p:nvPr>
+        </p:nvSpPr>
+        <p:spPr>
+          <a:xfrm>
+            <a:off x="685800" y="4343400"/>
+            <a:ext cx="5486400" cy="4114800"/>
+          </a:xfrm>
+          <a:prstGeom prst="rect">
+            <a:avLst/>
+          </a:prstGeom>
+        </p:spPr>
+        <p:txBody>
+          <a:bodyPr anchorCtr="0" anchor="t" bIns="91425" lIns="91425" spcFirstLastPara="1" rIns="91425" wrap="square" tIns="91425">
+            <a:noAutofit/>
+          </a:bodyPr>
+          <a:lstStyle/>
+          <a:p>
+            <a:pPr indent="0" lvl="0" marL="0" rtl="0" algn="l">
+              <a:spcBef>
+                <a:spcPts val="0"/>
+              </a:spcBef>
+              <a:spcAft>
+                <a:spcPts val="0"/>
+              </a:spcAft>
+              <a:buNone/>
+            </a:pPr>
+            <a:r>
+              <a:t/>
+            </a:r>
+            <a:endParaRPr/>
+          </a:p>
+        </p:txBody>
+      </p:sp>
+    </p:spTree>
+  </p:cSld>
+  <p:clrMapOvr>
+    <a:masterClrMapping/>
+  </p:clrMapOvr>
+</p:notes>
+</file>
+
+<file path=ppt/notesSlides/notesSlide21.xml><?xml version="1.0" encoding="utf-8"?>
+<p:notes xmlns:a="http://schemas.openxmlformats.org/drawingml/2006/main" xmlns:r="http://schemas.openxmlformats.org/officeDocument/2006/relationships" xmlns:mc="http://schemas.openxmlformats.org/markup-compatibility/2006" xmlns:mv="urn:schemas-microsoft-com:mac:vml" xmlns:p="http://schemas.openxmlformats.org/presentationml/2006/main" xmlns:c="http://schemas.openxmlformats.org/drawingml/2006/chart" xmlns:dgm="http://schemas.openxmlformats.org/drawingml/2006/diagram" xmlns:o="urn:schemas-microsoft-com:office:office" xmlns:v="urn:schemas-microsoft-com:vml" xmlns:pvml="urn:schemas-microsoft-com:office:powerpoint" xmlns:com="http://schemas.openxmlformats.org/drawingml/2006/compatibility" xmlns:p14="http://schemas.microsoft.com/office/powerpoint/2010/main" xmlns:p15="http://schemas.microsoft.com/office/powerpoint/2012/main" xmlns:ahyp="http://schemas.microsoft.com/office/drawing/2018/hyperlinkcolor" showMasterPhAnim="0" showMasterSp="0">
+  <p:cSld>
+    <p:spTree>
+      <p:nvGrpSpPr>
+        <p:cNvPr id="213" name="Shape 213"/>
+        <p:cNvGrpSpPr/>
+        <p:nvPr/>
+      </p:nvGrpSpPr>
+      <p:grpSpPr>
+        <a:xfrm>
+          <a:off x="0" y="0"/>
+          <a:ext cx="0" cy="0"/>
+          <a:chOff x="0" y="0"/>
+          <a:chExt cx="0" cy="0"/>
+        </a:xfrm>
+      </p:grpSpPr>
+      <p:sp>
+        <p:nvSpPr>
+          <p:cNvPr id="214" name="Google Shape;214;g1e33c64c1bd_2_108:notes"/>
+          <p:cNvSpPr/>
+          <p:nvPr>
+            <p:ph idx="2" type="sldImg"/>
+          </p:nvPr>
+        </p:nvSpPr>
+        <p:spPr>
+          <a:xfrm>
+            <a:off x="381300" y="685800"/>
+            <a:ext cx="6096000" cy="3429000"/>
+          </a:xfrm>
+          <a:custGeom>
+            <a:rect b="b" l="l" r="r" t="t"/>
+            <a:pathLst>
+              <a:path extrusionOk="0" h="120000" w="120000">
+                <a:moveTo>
+                  <a:pt x="0" y="0"/>
+                </a:moveTo>
+                <a:lnTo>
+                  <a:pt x="120000" y="0"/>
+                </a:lnTo>
+                <a:lnTo>
+                  <a:pt x="120000" y="120000"/>
+                </a:lnTo>
+                <a:lnTo>
+                  <a:pt x="0" y="120000"/>
+                </a:lnTo>
+                <a:close/>
+              </a:path>
+            </a:pathLst>
+          </a:custGeom>
+        </p:spPr>
+      </p:sp>
+      <p:sp>
+        <p:nvSpPr>
+          <p:cNvPr id="215" name="Google Shape;215;g1e33c64c1bd_2_108:notes"/>
+          <p:cNvSpPr txBox="1"/>
+          <p:nvPr>
+            <p:ph idx="1" type="body"/>
+          </p:nvPr>
+        </p:nvSpPr>
+        <p:spPr>
+          <a:xfrm>
+            <a:off x="685800" y="4343400"/>
+            <a:ext cx="5486400" cy="4114800"/>
+          </a:xfrm>
+          <a:prstGeom prst="rect">
+            <a:avLst/>
+          </a:prstGeom>
+        </p:spPr>
+        <p:txBody>
+          <a:bodyPr anchorCtr="0" anchor="t" bIns="91425" lIns="91425" spcFirstLastPara="1" rIns="91425" wrap="square" tIns="91425">
+            <a:noAutofit/>
+          </a:bodyPr>
+          <a:lstStyle/>
+          <a:p>
+            <a:pPr indent="0" lvl="0" marL="0" rtl="0" algn="l">
+              <a:spcBef>
+                <a:spcPts val="0"/>
+              </a:spcBef>
+              <a:spcAft>
+                <a:spcPts val="0"/>
+              </a:spcAft>
+              <a:buNone/>
+            </a:pPr>
+            <a:r>
+              <a:t/>
             </a:r>
             <a:endParaRPr/>
           </a:p>
@@ -2865,7 +3065,7 @@
       </p:grpSpPr>
       <p:sp>
         <p:nvSpPr>
-          <p:cNvPr id="126" name="Google Shape;126;g1e33c64c1bd_2_40:notes"/>
+          <p:cNvPr id="126" name="Google Shape;126;g2b495975fa6_1_0:notes"/>
           <p:cNvSpPr/>
           <p:nvPr>
             <p:ph idx="2" type="sldImg"/>
@@ -2900,7 +3100,7 @@
       </p:sp>
       <p:sp>
         <p:nvSpPr>
-          <p:cNvPr id="127" name="Google Shape;127;g1e33c64c1bd_2_40:notes"/>
+          <p:cNvPr id="127" name="Google Shape;127;g2b495975fa6_1_0:notes"/>
           <p:cNvSpPr txBox="1"/>
           <p:nvPr>
             <p:ph idx="1" type="body"/>
@@ -2921,19 +3121,35 @@
           </a:bodyPr>
           <a:lstStyle/>
           <a:p>
-            <a:pPr indent="0" lvl="0" marL="0" rtl="0" algn="l">
-              <a:spcBef>
-                <a:spcPts val="0"/>
-              </a:spcBef>
-              <a:spcAft>
-                <a:spcPts val="0"/>
-              </a:spcAft>
+            <a:pPr indent="0" lvl="0" marL="0" marR="292100" rtl="0" algn="l">
+              <a:lnSpc>
+                <a:spcPct val="115000"/>
+              </a:lnSpc>
+              <a:spcBef>
+                <a:spcPts val="0"/>
+              </a:spcBef>
+              <a:spcAft>
+                <a:spcPts val="0"/>
+              </a:spcAft>
+              <a:buClr>
+                <a:schemeClr val="dk1"/>
+              </a:buClr>
+              <a:buSzPts val="1100"/>
+              <a:buFont typeface="Arial"/>
               <a:buNone/>
             </a:pPr>
             <a:r>
               <a:t/>
             </a:r>
-            <a:endParaRPr/>
+            <a:endParaRPr sz="1200">
+              <a:solidFill>
+                <a:schemeClr val="dk1"/>
+              </a:solidFill>
+              <a:latin typeface="Oswald"/>
+              <a:ea typeface="Oswald"/>
+              <a:cs typeface="Oswald"/>
+              <a:sym typeface="Oswald"/>
+            </a:endParaRPr>
           </a:p>
         </p:txBody>
       </p:sp>
@@ -8303,7 +8519,7 @@
   <p:cSld>
     <p:spTree>
       <p:nvGrpSpPr>
-        <p:cNvPr id="134" name="Shape 134"/>
+        <p:cNvPr id="136" name="Shape 136"/>
         <p:cNvGrpSpPr/>
         <p:nvPr/>
       </p:nvGrpSpPr>
@@ -8317,7 +8533,7 @@
       </p:grpSpPr>
       <p:sp>
         <p:nvSpPr>
-          <p:cNvPr id="135" name="Google Shape;135;p22"/>
+          <p:cNvPr id="137" name="Google Shape;137;p22"/>
           <p:cNvSpPr txBox="1"/>
           <p:nvPr>
             <p:ph idx="12" type="sldNum"/>
@@ -8357,7 +8573,7 @@
       </p:sp>
       <p:sp>
         <p:nvSpPr>
-          <p:cNvPr id="136" name="Google Shape;136;p22"/>
+          <p:cNvPr id="138" name="Google Shape;138;p22"/>
           <p:cNvSpPr txBox="1"/>
           <p:nvPr>
             <p:ph type="title"/>
@@ -8388,16 +8604,72 @@
               <a:buNone/>
             </a:pPr>
             <a:r>
-              <a:rPr lang="fr"/>
-              <a:t>Diagramme de cas d’utilisation</a:t>
+              <a:rPr lang="fr">
+                <a:solidFill>
+                  <a:schemeClr val="lt1"/>
+                </a:solidFill>
+              </a:rPr>
+              <a:t>Ideation</a:t>
             </a:r>
-            <a:endParaRPr/>
+            <a:endParaRPr>
+              <a:solidFill>
+                <a:schemeClr val="lt1"/>
+              </a:solidFill>
+            </a:endParaRPr>
           </a:p>
         </p:txBody>
       </p:sp>
+      <p:sp>
+        <p:nvSpPr>
+          <p:cNvPr id="139" name="Google Shape;139;p22"/>
+          <p:cNvSpPr/>
+          <p:nvPr/>
+        </p:nvSpPr>
+        <p:spPr>
+          <a:xfrm>
+            <a:off x="2963525" y="3780675"/>
+            <a:ext cx="3258000" cy="190500"/>
+          </a:xfrm>
+          <a:prstGeom prst="rect">
+            <a:avLst/>
+          </a:prstGeom>
+          <a:solidFill>
+            <a:schemeClr val="accent1"/>
+          </a:solidFill>
+          <a:ln>
+            <a:noFill/>
+          </a:ln>
+        </p:spPr>
+        <p:txBody>
+          <a:bodyPr anchorCtr="0" anchor="ctr" bIns="91425" lIns="91425" spcFirstLastPara="1" rIns="91425" wrap="square" tIns="91425">
+            <a:noAutofit/>
+          </a:bodyPr>
+          <a:lstStyle/>
+          <a:p>
+            <a:pPr indent="0" lvl="0" marL="0" rtl="0" algn="ctr">
+              <a:spcBef>
+                <a:spcPts val="0"/>
+              </a:spcBef>
+              <a:spcAft>
+                <a:spcPts val="0"/>
+              </a:spcAft>
+              <a:buNone/>
+            </a:pPr>
+            <a:r>
+              <a:t/>
+            </a:r>
+            <a:endParaRPr>
+              <a:latin typeface="Roboto"/>
+              <a:ea typeface="Roboto"/>
+              <a:cs typeface="Roboto"/>
+              <a:sym typeface="Roboto"/>
+            </a:endParaRPr>
+          </a:p>
+        </p:txBody>
+      </p:sp>
       <p:pic>
         <p:nvPicPr>
-          <p:cNvPr id="137" name="Google Shape;137;p22"/>
+          <p:cNvPr id="140" name="Google Shape;140;p22"/>
           <p:cNvPicPr preferRelativeResize="0"/>
           <p:nvPr/>
         </p:nvPicPr>
@@ -8411,8 +8683,8 @@
         </p:blipFill>
         <p:spPr>
           <a:xfrm>
-            <a:off x="439625" y="909325"/>
-            <a:ext cx="7807555" cy="3918900"/>
+            <a:off x="3249275" y="1121950"/>
+            <a:ext cx="2658725" cy="2658725"/>
           </a:xfrm>
           <a:prstGeom prst="rect">
             <a:avLst/>
@@ -8436,7 +8708,7 @@
   <p:cSld>
     <p:spTree>
       <p:nvGrpSpPr>
-        <p:cNvPr id="141" name="Shape 141"/>
+        <p:cNvPr id="144" name="Shape 144"/>
         <p:cNvGrpSpPr/>
         <p:nvPr/>
       </p:nvGrpSpPr>
@@ -8450,7 +8722,47 @@
       </p:grpSpPr>
       <p:sp>
         <p:nvSpPr>
-          <p:cNvPr id="142" name="Google Shape;142;p23"/>
+          <p:cNvPr id="145" name="Google Shape;145;p23"/>
+          <p:cNvSpPr txBox="1"/>
+          <p:nvPr>
+            <p:ph type="title"/>
+          </p:nvPr>
+        </p:nvSpPr>
+        <p:spPr>
+          <a:xfrm>
+            <a:off x="347750" y="1948550"/>
+            <a:ext cx="8673300" cy="667200"/>
+          </a:xfrm>
+          <a:prstGeom prst="rect">
+            <a:avLst/>
+          </a:prstGeom>
+        </p:spPr>
+        <p:txBody>
+          <a:bodyPr anchorCtr="0" anchor="ctr" bIns="91425" lIns="91425" spcFirstLastPara="1" rIns="91425" wrap="square" tIns="91425">
+            <a:normAutofit/>
+          </a:bodyPr>
+          <a:lstStyle/>
+          <a:p>
+            <a:pPr indent="0" lvl="0" marL="0" rtl="0" algn="ctr">
+              <a:spcBef>
+                <a:spcPts val="0"/>
+              </a:spcBef>
+              <a:spcAft>
+                <a:spcPts val="0"/>
+              </a:spcAft>
+              <a:buNone/>
+            </a:pPr>
+            <a:r>
+              <a:rPr lang="fr"/>
+              <a:t>04- Planification</a:t>
+            </a:r>
+            <a:endParaRPr/>
+          </a:p>
+        </p:txBody>
+      </p:sp>
+      <p:sp>
+        <p:nvSpPr>
+          <p:cNvPr id="146" name="Google Shape;146;p23"/>
           <p:cNvSpPr txBox="1"/>
           <p:nvPr>
             <p:ph idx="12" type="sldNum"/>
@@ -8484,46 +8796,6 @@
               <a:rPr lang="fr"/>
               <a:t>‹#›</a:t>
             </a:fld>
-            <a:endParaRPr/>
-          </a:p>
-        </p:txBody>
-      </p:sp>
-      <p:sp>
-        <p:nvSpPr>
-          <p:cNvPr id="143" name="Google Shape;143;p23"/>
-          <p:cNvSpPr txBox="1"/>
-          <p:nvPr>
-            <p:ph type="title"/>
-          </p:nvPr>
-        </p:nvSpPr>
-        <p:spPr>
-          <a:xfrm>
-            <a:off x="347750" y="1948550"/>
-            <a:ext cx="8673300" cy="667200"/>
-          </a:xfrm>
-          <a:prstGeom prst="rect">
-            <a:avLst/>
-          </a:prstGeom>
-        </p:spPr>
-        <p:txBody>
-          <a:bodyPr anchorCtr="0" anchor="ctr" bIns="91425" lIns="91425" spcFirstLastPara="1" rIns="91425" wrap="square" tIns="91425">
-            <a:normAutofit/>
-          </a:bodyPr>
-          <a:lstStyle/>
-          <a:p>
-            <a:pPr indent="0" lvl="0" marL="0" rtl="0" algn="ctr">
-              <a:spcBef>
-                <a:spcPts val="0"/>
-              </a:spcBef>
-              <a:spcAft>
-                <a:spcPts val="0"/>
-              </a:spcAft>
-              <a:buNone/>
-            </a:pPr>
-            <a:r>
-              <a:rPr lang="fr"/>
-              <a:t>05- Branche technique </a:t>
-            </a:r>
             <a:endParaRPr/>
           </a:p>
         </p:txBody>
@@ -8541,7 +8813,7 @@
   <p:cSld>
     <p:spTree>
       <p:nvGrpSpPr>
-        <p:cNvPr id="147" name="Shape 147"/>
+        <p:cNvPr id="150" name="Shape 150"/>
         <p:cNvGrpSpPr/>
         <p:nvPr/>
       </p:nvGrpSpPr>
@@ -8555,47 +8827,7 @@
       </p:grpSpPr>
       <p:sp>
         <p:nvSpPr>
-          <p:cNvPr id="148" name="Google Shape;148;p24"/>
-          <p:cNvSpPr txBox="1"/>
-          <p:nvPr>
-            <p:ph type="title"/>
-          </p:nvPr>
-        </p:nvSpPr>
-        <p:spPr>
-          <a:xfrm>
-            <a:off x="235500" y="29600"/>
-            <a:ext cx="7485000" cy="523500"/>
-          </a:xfrm>
-          <a:prstGeom prst="rect">
-            <a:avLst/>
-          </a:prstGeom>
-        </p:spPr>
-        <p:txBody>
-          <a:bodyPr anchorCtr="0" anchor="b" bIns="91425" lIns="91425" spcFirstLastPara="1" rIns="91425" wrap="square" tIns="91425">
-            <a:normAutofit/>
-          </a:bodyPr>
-          <a:lstStyle/>
-          <a:p>
-            <a:pPr indent="0" lvl="0" marL="0" rtl="0" algn="l">
-              <a:spcBef>
-                <a:spcPts val="0"/>
-              </a:spcBef>
-              <a:spcAft>
-                <a:spcPts val="0"/>
-              </a:spcAft>
-              <a:buNone/>
-            </a:pPr>
-            <a:r>
-              <a:rPr lang="fr"/>
-              <a:t>Analyse Technique</a:t>
-            </a:r>
-            <a:endParaRPr/>
-          </a:p>
-        </p:txBody>
-      </p:sp>
-      <p:sp>
-        <p:nvSpPr>
-          <p:cNvPr id="149" name="Google Shape;149;p24"/>
+          <p:cNvPr id="151" name="Google Shape;151;p24"/>
           <p:cNvSpPr txBox="1"/>
           <p:nvPr>
             <p:ph idx="12" type="sldNum"/>
@@ -8633,9 +8865,49 @@
           </a:p>
         </p:txBody>
       </p:sp>
+      <p:sp>
+        <p:nvSpPr>
+          <p:cNvPr id="152" name="Google Shape;152;p24"/>
+          <p:cNvSpPr txBox="1"/>
+          <p:nvPr>
+            <p:ph type="title"/>
+          </p:nvPr>
+        </p:nvSpPr>
+        <p:spPr>
+          <a:xfrm>
+            <a:off x="235500" y="29600"/>
+            <a:ext cx="7485000" cy="523500"/>
+          </a:xfrm>
+          <a:prstGeom prst="rect">
+            <a:avLst/>
+          </a:prstGeom>
+        </p:spPr>
+        <p:txBody>
+          <a:bodyPr anchorCtr="0" anchor="b" bIns="91425" lIns="91425" spcFirstLastPara="1" rIns="91425" wrap="square" tIns="91425">
+            <a:normAutofit/>
+          </a:bodyPr>
+          <a:lstStyle/>
+          <a:p>
+            <a:pPr indent="0" lvl="0" marL="0" rtl="0" algn="l">
+              <a:spcBef>
+                <a:spcPts val="0"/>
+              </a:spcBef>
+              <a:spcAft>
+                <a:spcPts val="0"/>
+              </a:spcAft>
+              <a:buNone/>
+            </a:pPr>
+            <a:r>
+              <a:rPr lang="fr"/>
+              <a:t>Diagramme de cas d’utilisation</a:t>
+            </a:r>
+            <a:endParaRPr/>
+          </a:p>
+        </p:txBody>
+      </p:sp>
       <p:pic>
         <p:nvPicPr>
-          <p:cNvPr id="150" name="Google Shape;150;p24"/>
+          <p:cNvPr id="153" name="Google Shape;153;p24"/>
           <p:cNvPicPr preferRelativeResize="0"/>
           <p:nvPr/>
         </p:nvPicPr>
@@ -8649,8 +8921,8 @@
         </p:blipFill>
         <p:spPr>
           <a:xfrm>
-            <a:off x="1425988" y="1450275"/>
-            <a:ext cx="1508424" cy="814551"/>
+            <a:off x="439625" y="909325"/>
+            <a:ext cx="7807555" cy="3918900"/>
           </a:xfrm>
           <a:prstGeom prst="rect">
             <a:avLst/>
@@ -8661,9 +8933,247 @@
           </a:ln>
         </p:spPr>
       </p:pic>
+    </p:spTree>
+  </p:cSld>
+  <p:clrMapOvr>
+    <a:masterClrMapping/>
+  </p:clrMapOvr>
+</p:sld>
+</file>
+
+<file path=ppt/slides/slide13.xml><?xml version="1.0" encoding="utf-8"?>
+<p:sld xmlns:a="http://schemas.openxmlformats.org/drawingml/2006/main" xmlns:r="http://schemas.openxmlformats.org/officeDocument/2006/relationships" xmlns:mc="http://schemas.openxmlformats.org/markup-compatibility/2006" xmlns:mv="urn:schemas-microsoft-com:mac:vml" xmlns:p="http://schemas.openxmlformats.org/presentationml/2006/main" xmlns:c="http://schemas.openxmlformats.org/drawingml/2006/chart" xmlns:dgm="http://schemas.openxmlformats.org/drawingml/2006/diagram" xmlns:o="urn:schemas-microsoft-com:office:office" xmlns:v="urn:schemas-microsoft-com:vml" xmlns:pvml="urn:schemas-microsoft-com:office:powerpoint" xmlns:com="http://schemas.openxmlformats.org/drawingml/2006/compatibility" xmlns:p14="http://schemas.microsoft.com/office/powerpoint/2010/main" xmlns:p15="http://schemas.microsoft.com/office/powerpoint/2012/main" xmlns:ahyp="http://schemas.microsoft.com/office/drawing/2018/hyperlinkcolor">
+  <p:cSld>
+    <p:spTree>
+      <p:nvGrpSpPr>
+        <p:cNvPr id="157" name="Shape 157"/>
+        <p:cNvGrpSpPr/>
+        <p:nvPr/>
+      </p:nvGrpSpPr>
+      <p:grpSpPr>
+        <a:xfrm>
+          <a:off x="0" y="0"/>
+          <a:ext cx="0" cy="0"/>
+          <a:chOff x="0" y="0"/>
+          <a:chExt cx="0" cy="0"/>
+        </a:xfrm>
+      </p:grpSpPr>
+      <p:sp>
+        <p:nvSpPr>
+          <p:cNvPr id="158" name="Google Shape;158;p25"/>
+          <p:cNvSpPr txBox="1"/>
+          <p:nvPr>
+            <p:ph idx="12" type="sldNum"/>
+          </p:nvPr>
+        </p:nvSpPr>
+        <p:spPr>
+          <a:xfrm>
+            <a:off x="8472458" y="4663217"/>
+            <a:ext cx="548700" cy="393600"/>
+          </a:xfrm>
+          <a:prstGeom prst="rect">
+            <a:avLst/>
+          </a:prstGeom>
+        </p:spPr>
+        <p:txBody>
+          <a:bodyPr anchorCtr="0" anchor="ctr" bIns="91425" lIns="91425" spcFirstLastPara="1" rIns="91425" wrap="square" tIns="91425">
+            <a:normAutofit/>
+          </a:bodyPr>
+          <a:lstStyle/>
+          <a:p>
+            <a:pPr indent="0" lvl="0" marL="0" rtl="0" algn="r">
+              <a:spcBef>
+                <a:spcPts val="0"/>
+              </a:spcBef>
+              <a:spcAft>
+                <a:spcPts val="0"/>
+              </a:spcAft>
+              <a:buNone/>
+            </a:pPr>
+            <a:fld id="{00000000-1234-1234-1234-123412341234}" type="slidenum">
+              <a:rPr lang="fr"/>
+              <a:t>‹#›</a:t>
+            </a:fld>
+            <a:endParaRPr/>
+          </a:p>
+        </p:txBody>
+      </p:sp>
+      <p:sp>
+        <p:nvSpPr>
+          <p:cNvPr id="159" name="Google Shape;159;p25"/>
+          <p:cNvSpPr txBox="1"/>
+          <p:nvPr>
+            <p:ph type="title"/>
+          </p:nvPr>
+        </p:nvSpPr>
+        <p:spPr>
+          <a:xfrm>
+            <a:off x="347750" y="1948550"/>
+            <a:ext cx="8673300" cy="667200"/>
+          </a:xfrm>
+          <a:prstGeom prst="rect">
+            <a:avLst/>
+          </a:prstGeom>
+        </p:spPr>
+        <p:txBody>
+          <a:bodyPr anchorCtr="0" anchor="ctr" bIns="91425" lIns="91425" spcFirstLastPara="1" rIns="91425" wrap="square" tIns="91425">
+            <a:normAutofit/>
+          </a:bodyPr>
+          <a:lstStyle/>
+          <a:p>
+            <a:pPr indent="0" lvl="0" marL="0" rtl="0" algn="ctr">
+              <a:spcBef>
+                <a:spcPts val="0"/>
+              </a:spcBef>
+              <a:spcAft>
+                <a:spcPts val="0"/>
+              </a:spcAft>
+              <a:buNone/>
+            </a:pPr>
+            <a:r>
+              <a:rPr lang="fr"/>
+              <a:t>05- Branche technique </a:t>
+            </a:r>
+            <a:endParaRPr/>
+          </a:p>
+        </p:txBody>
+      </p:sp>
+    </p:spTree>
+  </p:cSld>
+  <p:clrMapOvr>
+    <a:masterClrMapping/>
+  </p:clrMapOvr>
+</p:sld>
+</file>
+
+<file path=ppt/slides/slide14.xml><?xml version="1.0" encoding="utf-8"?>
+<p:sld xmlns:a="http://schemas.openxmlformats.org/drawingml/2006/main" xmlns:r="http://schemas.openxmlformats.org/officeDocument/2006/relationships" xmlns:mc="http://schemas.openxmlformats.org/markup-compatibility/2006" xmlns:mv="urn:schemas-microsoft-com:mac:vml" xmlns:p="http://schemas.openxmlformats.org/presentationml/2006/main" xmlns:c="http://schemas.openxmlformats.org/drawingml/2006/chart" xmlns:dgm="http://schemas.openxmlformats.org/drawingml/2006/diagram" xmlns:o="urn:schemas-microsoft-com:office:office" xmlns:v="urn:schemas-microsoft-com:vml" xmlns:pvml="urn:schemas-microsoft-com:office:powerpoint" xmlns:com="http://schemas.openxmlformats.org/drawingml/2006/compatibility" xmlns:p14="http://schemas.microsoft.com/office/powerpoint/2010/main" xmlns:p15="http://schemas.microsoft.com/office/powerpoint/2012/main" xmlns:ahyp="http://schemas.microsoft.com/office/drawing/2018/hyperlinkcolor">
+  <p:cSld>
+    <p:spTree>
+      <p:nvGrpSpPr>
+        <p:cNvPr id="163" name="Shape 163"/>
+        <p:cNvGrpSpPr/>
+        <p:nvPr/>
+      </p:nvGrpSpPr>
+      <p:grpSpPr>
+        <a:xfrm>
+          <a:off x="0" y="0"/>
+          <a:ext cx="0" cy="0"/>
+          <a:chOff x="0" y="0"/>
+          <a:chExt cx="0" cy="0"/>
+        </a:xfrm>
+      </p:grpSpPr>
+      <p:sp>
+        <p:nvSpPr>
+          <p:cNvPr id="164" name="Google Shape;164;p26"/>
+          <p:cNvSpPr txBox="1"/>
+          <p:nvPr>
+            <p:ph type="title"/>
+          </p:nvPr>
+        </p:nvSpPr>
+        <p:spPr>
+          <a:xfrm>
+            <a:off x="235500" y="29600"/>
+            <a:ext cx="7485000" cy="523500"/>
+          </a:xfrm>
+          <a:prstGeom prst="rect">
+            <a:avLst/>
+          </a:prstGeom>
+        </p:spPr>
+        <p:txBody>
+          <a:bodyPr anchorCtr="0" anchor="b" bIns="91425" lIns="91425" spcFirstLastPara="1" rIns="91425" wrap="square" tIns="91425">
+            <a:normAutofit/>
+          </a:bodyPr>
+          <a:lstStyle/>
+          <a:p>
+            <a:pPr indent="0" lvl="0" marL="0" rtl="0" algn="l">
+              <a:spcBef>
+                <a:spcPts val="0"/>
+              </a:spcBef>
+              <a:spcAft>
+                <a:spcPts val="0"/>
+              </a:spcAft>
+              <a:buNone/>
+            </a:pPr>
+            <a:r>
+              <a:rPr lang="fr"/>
+              <a:t>Analyse Technique</a:t>
+            </a:r>
+            <a:endParaRPr/>
+          </a:p>
+        </p:txBody>
+      </p:sp>
+      <p:sp>
+        <p:nvSpPr>
+          <p:cNvPr id="165" name="Google Shape;165;p26"/>
+          <p:cNvSpPr txBox="1"/>
+          <p:nvPr>
+            <p:ph idx="12" type="sldNum"/>
+          </p:nvPr>
+        </p:nvSpPr>
+        <p:spPr>
+          <a:xfrm>
+            <a:off x="8472458" y="4663217"/>
+            <a:ext cx="548700" cy="393600"/>
+          </a:xfrm>
+          <a:prstGeom prst="rect">
+            <a:avLst/>
+          </a:prstGeom>
+        </p:spPr>
+        <p:txBody>
+          <a:bodyPr anchorCtr="0" anchor="ctr" bIns="91425" lIns="91425" spcFirstLastPara="1" rIns="91425" wrap="square" tIns="91425">
+            <a:normAutofit/>
+          </a:bodyPr>
+          <a:lstStyle/>
+          <a:p>
+            <a:pPr indent="0" lvl="0" marL="0" rtl="0" algn="r">
+              <a:spcBef>
+                <a:spcPts val="0"/>
+              </a:spcBef>
+              <a:spcAft>
+                <a:spcPts val="0"/>
+              </a:spcAft>
+              <a:buNone/>
+            </a:pPr>
+            <a:fld id="{00000000-1234-1234-1234-123412341234}" type="slidenum">
+              <a:rPr lang="fr"/>
+              <a:t>‹#›</a:t>
+            </a:fld>
+            <a:endParaRPr/>
+          </a:p>
+        </p:txBody>
+      </p:sp>
       <p:pic>
         <p:nvPicPr>
-          <p:cNvPr id="151" name="Google Shape;151;p24"/>
+          <p:cNvPr id="166" name="Google Shape;166;p26"/>
+          <p:cNvPicPr preferRelativeResize="0"/>
+          <p:nvPr/>
+        </p:nvPicPr>
+        <p:blipFill>
+          <a:blip r:embed="rId3">
+            <a:alphaModFix/>
+          </a:blip>
+          <a:stretch>
+            <a:fillRect/>
+          </a:stretch>
+        </p:blipFill>
+        <p:spPr>
+          <a:xfrm>
+            <a:off x="1425988" y="1450275"/>
+            <a:ext cx="1508424" cy="814551"/>
+          </a:xfrm>
+          <a:prstGeom prst="rect">
+            <a:avLst/>
+          </a:prstGeom>
+          <a:noFill/>
+          <a:ln>
+            <a:noFill/>
+          </a:ln>
+        </p:spPr>
+      </p:pic>
+      <p:pic>
+        <p:nvPicPr>
+          <p:cNvPr id="167" name="Google Shape;167;p26"/>
           <p:cNvPicPr preferRelativeResize="0"/>
           <p:nvPr/>
         </p:nvPicPr>
@@ -8691,7 +9201,7 @@
       </p:pic>
       <p:pic>
         <p:nvPicPr>
-          <p:cNvPr id="152" name="Google Shape;152;p24"/>
+          <p:cNvPr id="168" name="Google Shape;168;p26"/>
           <p:cNvPicPr preferRelativeResize="0"/>
           <p:nvPr/>
         </p:nvPicPr>
@@ -8719,7 +9229,7 @@
       </p:pic>
       <p:sp>
         <p:nvSpPr>
-          <p:cNvPr id="153" name="Google Shape;153;p24"/>
+          <p:cNvPr id="169" name="Google Shape;169;p26"/>
           <p:cNvSpPr txBox="1"/>
           <p:nvPr/>
         </p:nvSpPr>
@@ -8777,7 +9287,7 @@
       </p:sp>
       <p:pic>
         <p:nvPicPr>
-          <p:cNvPr id="154" name="Google Shape;154;p24"/>
+          <p:cNvPr id="170" name="Google Shape;170;p26"/>
           <p:cNvPicPr preferRelativeResize="0"/>
           <p:nvPr/>
         </p:nvPicPr>
@@ -8804,7 +9314,7 @@
       </p:pic>
       <p:pic>
         <p:nvPicPr>
-          <p:cNvPr id="155" name="Google Shape;155;p24"/>
+          <p:cNvPr id="171" name="Google Shape;171;p26"/>
           <p:cNvPicPr preferRelativeResize="0"/>
           <p:nvPr/>
         </p:nvPicPr>
@@ -8831,7 +9341,7 @@
       </p:pic>
       <p:pic>
         <p:nvPicPr>
-          <p:cNvPr id="156" name="Google Shape;156;p24"/>
+          <p:cNvPr id="172" name="Google Shape;172;p26"/>
           <p:cNvPicPr preferRelativeResize="0"/>
           <p:nvPr/>
         </p:nvPicPr>
@@ -8846,243 +9356,6 @@
           <a:xfrm>
             <a:off x="3474625" y="2813400"/>
             <a:ext cx="1607449" cy="733500"/>
-          </a:xfrm>
-          <a:prstGeom prst="rect">
-            <a:avLst/>
-          </a:prstGeom>
-          <a:noFill/>
-          <a:ln>
-            <a:noFill/>
-          </a:ln>
-        </p:spPr>
-      </p:pic>
-    </p:spTree>
-  </p:cSld>
-  <p:clrMapOvr>
-    <a:masterClrMapping/>
-  </p:clrMapOvr>
-</p:sld>
-</file>
-
-<file path=ppt/slides/slide13.xml><?xml version="1.0" encoding="utf-8"?>
-<p:sld xmlns:a="http://schemas.openxmlformats.org/drawingml/2006/main" xmlns:r="http://schemas.openxmlformats.org/officeDocument/2006/relationships" xmlns:mc="http://schemas.openxmlformats.org/markup-compatibility/2006" xmlns:mv="urn:schemas-microsoft-com:mac:vml" xmlns:p="http://schemas.openxmlformats.org/presentationml/2006/main" xmlns:c="http://schemas.openxmlformats.org/drawingml/2006/chart" xmlns:dgm="http://schemas.openxmlformats.org/drawingml/2006/diagram" xmlns:o="urn:schemas-microsoft-com:office:office" xmlns:v="urn:schemas-microsoft-com:vml" xmlns:pvml="urn:schemas-microsoft-com:office:powerpoint" xmlns:com="http://schemas.openxmlformats.org/drawingml/2006/compatibility" xmlns:p14="http://schemas.microsoft.com/office/powerpoint/2010/main" xmlns:p15="http://schemas.microsoft.com/office/powerpoint/2012/main" xmlns:ahyp="http://schemas.microsoft.com/office/drawing/2018/hyperlinkcolor">
-  <p:cSld>
-    <p:spTree>
-      <p:nvGrpSpPr>
-        <p:cNvPr id="160" name="Shape 160"/>
-        <p:cNvGrpSpPr/>
-        <p:nvPr/>
-      </p:nvGrpSpPr>
-      <p:grpSpPr>
-        <a:xfrm>
-          <a:off x="0" y="0"/>
-          <a:ext cx="0" cy="0"/>
-          <a:chOff x="0" y="0"/>
-          <a:chExt cx="0" cy="0"/>
-        </a:xfrm>
-      </p:grpSpPr>
-      <p:sp>
-        <p:nvSpPr>
-          <p:cNvPr id="161" name="Google Shape;161;p25"/>
-          <p:cNvSpPr txBox="1"/>
-          <p:nvPr>
-            <p:ph type="title"/>
-          </p:nvPr>
-        </p:nvSpPr>
-        <p:spPr>
-          <a:xfrm>
-            <a:off x="347750" y="1948550"/>
-            <a:ext cx="8673300" cy="667200"/>
-          </a:xfrm>
-          <a:prstGeom prst="rect">
-            <a:avLst/>
-          </a:prstGeom>
-        </p:spPr>
-        <p:txBody>
-          <a:bodyPr anchorCtr="0" anchor="ctr" bIns="91425" lIns="91425" spcFirstLastPara="1" rIns="91425" wrap="square" tIns="91425">
-            <a:normAutofit/>
-          </a:bodyPr>
-          <a:lstStyle/>
-          <a:p>
-            <a:pPr indent="0" lvl="0" marL="0" rtl="0" algn="ctr">
-              <a:spcBef>
-                <a:spcPts val="0"/>
-              </a:spcBef>
-              <a:spcAft>
-                <a:spcPts val="0"/>
-              </a:spcAft>
-              <a:buNone/>
-            </a:pPr>
-            <a:r>
-              <a:rPr lang="fr"/>
-              <a:t>06- Conception</a:t>
-            </a:r>
-            <a:endParaRPr/>
-          </a:p>
-        </p:txBody>
-      </p:sp>
-      <p:sp>
-        <p:nvSpPr>
-          <p:cNvPr id="162" name="Google Shape;162;p25"/>
-          <p:cNvSpPr txBox="1"/>
-          <p:nvPr>
-            <p:ph idx="12" type="sldNum"/>
-          </p:nvPr>
-        </p:nvSpPr>
-        <p:spPr>
-          <a:xfrm>
-            <a:off x="8472458" y="4663217"/>
-            <a:ext cx="548700" cy="393600"/>
-          </a:xfrm>
-          <a:prstGeom prst="rect">
-            <a:avLst/>
-          </a:prstGeom>
-        </p:spPr>
-        <p:txBody>
-          <a:bodyPr anchorCtr="0" anchor="ctr" bIns="91425" lIns="91425" spcFirstLastPara="1" rIns="91425" wrap="square" tIns="91425">
-            <a:normAutofit/>
-          </a:bodyPr>
-          <a:lstStyle/>
-          <a:p>
-            <a:pPr indent="0" lvl="0" marL="0" rtl="0" algn="r">
-              <a:spcBef>
-                <a:spcPts val="0"/>
-              </a:spcBef>
-              <a:spcAft>
-                <a:spcPts val="0"/>
-              </a:spcAft>
-              <a:buNone/>
-            </a:pPr>
-            <a:fld id="{00000000-1234-1234-1234-123412341234}" type="slidenum">
-              <a:rPr lang="fr"/>
-              <a:t>‹#›</a:t>
-            </a:fld>
-            <a:endParaRPr/>
-          </a:p>
-        </p:txBody>
-      </p:sp>
-    </p:spTree>
-  </p:cSld>
-  <p:clrMapOvr>
-    <a:masterClrMapping/>
-  </p:clrMapOvr>
-</p:sld>
-</file>
-
-<file path=ppt/slides/slide14.xml><?xml version="1.0" encoding="utf-8"?>
-<p:sld xmlns:a="http://schemas.openxmlformats.org/drawingml/2006/main" xmlns:r="http://schemas.openxmlformats.org/officeDocument/2006/relationships" xmlns:mc="http://schemas.openxmlformats.org/markup-compatibility/2006" xmlns:mv="urn:schemas-microsoft-com:mac:vml" xmlns:p="http://schemas.openxmlformats.org/presentationml/2006/main" xmlns:c="http://schemas.openxmlformats.org/drawingml/2006/chart" xmlns:dgm="http://schemas.openxmlformats.org/drawingml/2006/diagram" xmlns:o="urn:schemas-microsoft-com:office:office" xmlns:v="urn:schemas-microsoft-com:vml" xmlns:pvml="urn:schemas-microsoft-com:office:powerpoint" xmlns:com="http://schemas.openxmlformats.org/drawingml/2006/compatibility" xmlns:p14="http://schemas.microsoft.com/office/powerpoint/2010/main" xmlns:p15="http://schemas.microsoft.com/office/powerpoint/2012/main" xmlns:ahyp="http://schemas.microsoft.com/office/drawing/2018/hyperlinkcolor">
-  <p:cSld>
-    <p:spTree>
-      <p:nvGrpSpPr>
-        <p:cNvPr id="166" name="Shape 166"/>
-        <p:cNvGrpSpPr/>
-        <p:nvPr/>
-      </p:nvGrpSpPr>
-      <p:grpSpPr>
-        <a:xfrm>
-          <a:off x="0" y="0"/>
-          <a:ext cx="0" cy="0"/>
-          <a:chOff x="0" y="0"/>
-          <a:chExt cx="0" cy="0"/>
-        </a:xfrm>
-      </p:grpSpPr>
-      <p:sp>
-        <p:nvSpPr>
-          <p:cNvPr id="167" name="Google Shape;167;p26"/>
-          <p:cNvSpPr txBox="1"/>
-          <p:nvPr>
-            <p:ph idx="12" type="sldNum"/>
-          </p:nvPr>
-        </p:nvSpPr>
-        <p:spPr>
-          <a:xfrm>
-            <a:off x="8472458" y="4663217"/>
-            <a:ext cx="548700" cy="393600"/>
-          </a:xfrm>
-          <a:prstGeom prst="rect">
-            <a:avLst/>
-          </a:prstGeom>
-        </p:spPr>
-        <p:txBody>
-          <a:bodyPr anchorCtr="0" anchor="ctr" bIns="91425" lIns="91425" spcFirstLastPara="1" rIns="91425" wrap="square" tIns="91425">
-            <a:normAutofit/>
-          </a:bodyPr>
-          <a:lstStyle/>
-          <a:p>
-            <a:pPr indent="0" lvl="0" marL="0" rtl="0" algn="r">
-              <a:spcBef>
-                <a:spcPts val="0"/>
-              </a:spcBef>
-              <a:spcAft>
-                <a:spcPts val="0"/>
-              </a:spcAft>
-              <a:buNone/>
-            </a:pPr>
-            <a:fld id="{00000000-1234-1234-1234-123412341234}" type="slidenum">
-              <a:rPr lang="fr"/>
-              <a:t>‹#›</a:t>
-            </a:fld>
-            <a:endParaRPr/>
-          </a:p>
-        </p:txBody>
-      </p:sp>
-      <p:sp>
-        <p:nvSpPr>
-          <p:cNvPr id="168" name="Google Shape;168;p26"/>
-          <p:cNvSpPr txBox="1"/>
-          <p:nvPr>
-            <p:ph type="title"/>
-          </p:nvPr>
-        </p:nvSpPr>
-        <p:spPr>
-          <a:xfrm>
-            <a:off x="235500" y="29600"/>
-            <a:ext cx="7485000" cy="523500"/>
-          </a:xfrm>
-          <a:prstGeom prst="rect">
-            <a:avLst/>
-          </a:prstGeom>
-        </p:spPr>
-        <p:txBody>
-          <a:bodyPr anchorCtr="0" anchor="b" bIns="91425" lIns="91425" spcFirstLastPara="1" rIns="91425" wrap="square" tIns="91425">
-            <a:normAutofit/>
-          </a:bodyPr>
-          <a:lstStyle/>
-          <a:p>
-            <a:pPr indent="0" lvl="0" marL="0" rtl="0" algn="l">
-              <a:spcBef>
-                <a:spcPts val="0"/>
-              </a:spcBef>
-              <a:spcAft>
-                <a:spcPts val="0"/>
-              </a:spcAft>
-              <a:buNone/>
-            </a:pPr>
-            <a:r>
-              <a:rPr lang="fr"/>
-              <a:t>Diagramme de class</a:t>
-            </a:r>
-            <a:endParaRPr/>
-          </a:p>
-        </p:txBody>
-      </p:sp>
-      <p:pic>
-        <p:nvPicPr>
-          <p:cNvPr id="169" name="Google Shape;169;p26"/>
-          <p:cNvPicPr preferRelativeResize="0"/>
-          <p:nvPr/>
-        </p:nvPicPr>
-        <p:blipFill rotWithShape="1">
-          <a:blip r:embed="rId3">
-            <a:alphaModFix/>
-          </a:blip>
-          <a:srcRect b="641" l="0" r="0" t="641"/>
-          <a:stretch/>
-        </p:blipFill>
-        <p:spPr>
-          <a:xfrm>
-            <a:off x="1295400" y="709900"/>
-            <a:ext cx="6198101" cy="4281200"/>
           </a:xfrm>
           <a:prstGeom prst="rect">
             <a:avLst/>
@@ -9106,7 +9379,7 @@
   <p:cSld>
     <p:spTree>
       <p:nvGrpSpPr>
-        <p:cNvPr id="173" name="Shape 173"/>
+        <p:cNvPr id="176" name="Shape 176"/>
         <p:cNvGrpSpPr/>
         <p:nvPr/>
       </p:nvGrpSpPr>
@@ -9120,7 +9393,47 @@
       </p:grpSpPr>
       <p:sp>
         <p:nvSpPr>
-          <p:cNvPr id="174" name="Google Shape;174;p27"/>
+          <p:cNvPr id="177" name="Google Shape;177;p27"/>
+          <p:cNvSpPr txBox="1"/>
+          <p:nvPr>
+            <p:ph type="title"/>
+          </p:nvPr>
+        </p:nvSpPr>
+        <p:spPr>
+          <a:xfrm>
+            <a:off x="347750" y="1948550"/>
+            <a:ext cx="8673300" cy="667200"/>
+          </a:xfrm>
+          <a:prstGeom prst="rect">
+            <a:avLst/>
+          </a:prstGeom>
+        </p:spPr>
+        <p:txBody>
+          <a:bodyPr anchorCtr="0" anchor="ctr" bIns="91425" lIns="91425" spcFirstLastPara="1" rIns="91425" wrap="square" tIns="91425">
+            <a:normAutofit/>
+          </a:bodyPr>
+          <a:lstStyle/>
+          <a:p>
+            <a:pPr indent="0" lvl="0" marL="0" rtl="0" algn="ctr">
+              <a:spcBef>
+                <a:spcPts val="0"/>
+              </a:spcBef>
+              <a:spcAft>
+                <a:spcPts val="0"/>
+              </a:spcAft>
+              <a:buNone/>
+            </a:pPr>
+            <a:r>
+              <a:rPr lang="fr"/>
+              <a:t>06- Conception</a:t>
+            </a:r>
+            <a:endParaRPr/>
+          </a:p>
+        </p:txBody>
+      </p:sp>
+      <p:sp>
+        <p:nvSpPr>
+          <p:cNvPr id="178" name="Google Shape;178;p27"/>
           <p:cNvSpPr txBox="1"/>
           <p:nvPr>
             <p:ph idx="12" type="sldNum"/>
@@ -9158,73 +9471,6 @@
           </a:p>
         </p:txBody>
       </p:sp>
-      <p:sp>
-        <p:nvSpPr>
-          <p:cNvPr id="175" name="Google Shape;175;p27"/>
-          <p:cNvSpPr txBox="1"/>
-          <p:nvPr>
-            <p:ph type="title"/>
-          </p:nvPr>
-        </p:nvSpPr>
-        <p:spPr>
-          <a:xfrm>
-            <a:off x="235500" y="29600"/>
-            <a:ext cx="7485000" cy="523500"/>
-          </a:xfrm>
-          <a:prstGeom prst="rect">
-            <a:avLst/>
-          </a:prstGeom>
-        </p:spPr>
-        <p:txBody>
-          <a:bodyPr anchorCtr="0" anchor="b" bIns="91425" lIns="91425" spcFirstLastPara="1" rIns="91425" wrap="square" tIns="91425">
-            <a:normAutofit/>
-          </a:bodyPr>
-          <a:lstStyle/>
-          <a:p>
-            <a:pPr indent="0" lvl="0" marL="0" rtl="0" algn="l">
-              <a:spcBef>
-                <a:spcPts val="0"/>
-              </a:spcBef>
-              <a:spcAft>
-                <a:spcPts val="0"/>
-              </a:spcAft>
-              <a:buNone/>
-            </a:pPr>
-            <a:r>
-              <a:rPr lang="fr"/>
-              <a:t>Maquette</a:t>
-            </a:r>
-            <a:endParaRPr/>
-          </a:p>
-        </p:txBody>
-      </p:sp>
-      <p:pic>
-        <p:nvPicPr>
-          <p:cNvPr id="176" name="Google Shape;176;p27"/>
-          <p:cNvPicPr preferRelativeResize="0"/>
-          <p:nvPr/>
-        </p:nvPicPr>
-        <p:blipFill rotWithShape="1">
-          <a:blip r:embed="rId3">
-            <a:alphaModFix/>
-          </a:blip>
-          <a:srcRect b="0" l="0" r="0" t="0"/>
-          <a:stretch/>
-        </p:blipFill>
-        <p:spPr>
-          <a:xfrm>
-            <a:off x="1245379" y="1120300"/>
-            <a:ext cx="6166995" cy="2902912"/>
-          </a:xfrm>
-          <a:prstGeom prst="rect">
-            <a:avLst/>
-          </a:prstGeom>
-          <a:noFill/>
-          <a:ln>
-            <a:noFill/>
-          </a:ln>
-        </p:spPr>
-      </p:pic>
     </p:spTree>
   </p:cSld>
   <p:clrMapOvr>
@@ -9238,7 +9484,7 @@
   <p:cSld>
     <p:spTree>
       <p:nvGrpSpPr>
-        <p:cNvPr id="180" name="Shape 180"/>
+        <p:cNvPr id="182" name="Shape 182"/>
         <p:cNvGrpSpPr/>
         <p:nvPr/>
       </p:nvGrpSpPr>
@@ -9252,7 +9498,7 @@
       </p:grpSpPr>
       <p:sp>
         <p:nvSpPr>
-          <p:cNvPr id="181" name="Google Shape;181;p28"/>
+          <p:cNvPr id="183" name="Google Shape;183;p28"/>
           <p:cNvSpPr txBox="1"/>
           <p:nvPr>
             <p:ph idx="12" type="sldNum"/>
@@ -9292,7 +9538,7 @@
       </p:sp>
       <p:sp>
         <p:nvSpPr>
-          <p:cNvPr id="182" name="Google Shape;182;p28"/>
+          <p:cNvPr id="184" name="Google Shape;184;p28"/>
           <p:cNvSpPr txBox="1"/>
           <p:nvPr>
             <p:ph type="title"/>
@@ -9324,7 +9570,7 @@
             </a:pPr>
             <a:r>
               <a:rPr lang="fr"/>
-              <a:t>Maquette</a:t>
+              <a:t>Diagramme de class</a:t>
             </a:r>
             <a:endParaRPr/>
           </a:p>
@@ -9332,7 +9578,7 @@
       </p:sp>
       <p:pic>
         <p:nvPicPr>
-          <p:cNvPr id="183" name="Google Shape;183;p28"/>
+          <p:cNvPr id="185" name="Google Shape;185;p28"/>
           <p:cNvPicPr preferRelativeResize="0"/>
           <p:nvPr/>
         </p:nvPicPr>
@@ -9340,13 +9586,13 @@
           <a:blip r:embed="rId3">
             <a:alphaModFix/>
           </a:blip>
-          <a:srcRect b="0" l="0" r="0" t="0"/>
+          <a:srcRect b="641" l="0" r="0" t="641"/>
           <a:stretch/>
         </p:blipFill>
         <p:spPr>
           <a:xfrm>
-            <a:off x="1212604" y="1054775"/>
-            <a:ext cx="6166995" cy="2902912"/>
+            <a:off x="1295400" y="709900"/>
+            <a:ext cx="6198101" cy="4281200"/>
           </a:xfrm>
           <a:prstGeom prst="rect">
             <a:avLst/>
@@ -9370,7 +9616,7 @@
   <p:cSld>
     <p:spTree>
       <p:nvGrpSpPr>
-        <p:cNvPr id="187" name="Shape 187"/>
+        <p:cNvPr id="189" name="Shape 189"/>
         <p:cNvGrpSpPr/>
         <p:nvPr/>
       </p:nvGrpSpPr>
@@ -9384,7 +9630,7 @@
       </p:grpSpPr>
       <p:sp>
         <p:nvSpPr>
-          <p:cNvPr id="188" name="Google Shape;188;p29"/>
+          <p:cNvPr id="190" name="Google Shape;190;p29"/>
           <p:cNvSpPr txBox="1"/>
           <p:nvPr>
             <p:ph idx="12" type="sldNum"/>
@@ -9424,7 +9670,7 @@
       </p:sp>
       <p:sp>
         <p:nvSpPr>
-          <p:cNvPr id="189" name="Google Shape;189;p29"/>
+          <p:cNvPr id="191" name="Google Shape;191;p29"/>
           <p:cNvSpPr txBox="1"/>
           <p:nvPr>
             <p:ph type="title"/>
@@ -9464,22 +9710,21 @@
       </p:sp>
       <p:pic>
         <p:nvPicPr>
-          <p:cNvPr id="190" name="Google Shape;190;p29"/>
+          <p:cNvPr id="192" name="Google Shape;192;p29"/>
           <p:cNvPicPr preferRelativeResize="0"/>
           <p:nvPr/>
         </p:nvPicPr>
-        <p:blipFill>
+        <p:blipFill rotWithShape="1">
           <a:blip r:embed="rId3">
             <a:alphaModFix/>
           </a:blip>
-          <a:stretch>
-            <a:fillRect/>
-          </a:stretch>
+          <a:srcRect b="0" l="0" r="0" t="0"/>
+          <a:stretch/>
         </p:blipFill>
         <p:spPr>
           <a:xfrm>
-            <a:off x="2948088" y="695025"/>
-            <a:ext cx="2790624" cy="4285600"/>
+            <a:off x="1245379" y="1120300"/>
+            <a:ext cx="6166995" cy="2902912"/>
           </a:xfrm>
           <a:prstGeom prst="rect">
             <a:avLst/>
@@ -9503,7 +9748,7 @@
   <p:cSld>
     <p:spTree>
       <p:nvGrpSpPr>
-        <p:cNvPr id="194" name="Shape 194"/>
+        <p:cNvPr id="196" name="Shape 196"/>
         <p:cNvGrpSpPr/>
         <p:nvPr/>
       </p:nvGrpSpPr>
@@ -9517,47 +9762,7 @@
       </p:grpSpPr>
       <p:sp>
         <p:nvSpPr>
-          <p:cNvPr id="195" name="Google Shape;195;p30"/>
-          <p:cNvSpPr txBox="1"/>
-          <p:nvPr>
-            <p:ph type="title"/>
-          </p:nvPr>
-        </p:nvSpPr>
-        <p:spPr>
-          <a:xfrm>
-            <a:off x="347750" y="1948550"/>
-            <a:ext cx="8673300" cy="667200"/>
-          </a:xfrm>
-          <a:prstGeom prst="rect">
-            <a:avLst/>
-          </a:prstGeom>
-        </p:spPr>
-        <p:txBody>
-          <a:bodyPr anchorCtr="0" anchor="ctr" bIns="91425" lIns="91425" spcFirstLastPara="1" rIns="91425" wrap="square" tIns="91425">
-            <a:normAutofit/>
-          </a:bodyPr>
-          <a:lstStyle/>
-          <a:p>
-            <a:pPr indent="0" lvl="0" marL="0" rtl="0" algn="ctr">
-              <a:spcBef>
-                <a:spcPts val="0"/>
-              </a:spcBef>
-              <a:spcAft>
-                <a:spcPts val="0"/>
-              </a:spcAft>
-              <a:buNone/>
-            </a:pPr>
-            <a:r>
-              <a:rPr lang="fr"/>
-              <a:t>07- Réalisation</a:t>
-            </a:r>
-            <a:endParaRPr/>
-          </a:p>
-        </p:txBody>
-      </p:sp>
-      <p:sp>
-        <p:nvSpPr>
-          <p:cNvPr id="196" name="Google Shape;196;p30"/>
+          <p:cNvPr id="197" name="Google Shape;197;p30"/>
           <p:cNvSpPr txBox="1"/>
           <p:nvPr>
             <p:ph idx="12" type="sldNum"/>
@@ -9595,6 +9800,73 @@
           </a:p>
         </p:txBody>
       </p:sp>
+      <p:sp>
+        <p:nvSpPr>
+          <p:cNvPr id="198" name="Google Shape;198;p30"/>
+          <p:cNvSpPr txBox="1"/>
+          <p:nvPr>
+            <p:ph type="title"/>
+          </p:nvPr>
+        </p:nvSpPr>
+        <p:spPr>
+          <a:xfrm>
+            <a:off x="235500" y="29600"/>
+            <a:ext cx="7485000" cy="523500"/>
+          </a:xfrm>
+          <a:prstGeom prst="rect">
+            <a:avLst/>
+          </a:prstGeom>
+        </p:spPr>
+        <p:txBody>
+          <a:bodyPr anchorCtr="0" anchor="b" bIns="91425" lIns="91425" spcFirstLastPara="1" rIns="91425" wrap="square" tIns="91425">
+            <a:normAutofit/>
+          </a:bodyPr>
+          <a:lstStyle/>
+          <a:p>
+            <a:pPr indent="0" lvl="0" marL="0" rtl="0" algn="l">
+              <a:spcBef>
+                <a:spcPts val="0"/>
+              </a:spcBef>
+              <a:spcAft>
+                <a:spcPts val="0"/>
+              </a:spcAft>
+              <a:buNone/>
+            </a:pPr>
+            <a:r>
+              <a:rPr lang="fr"/>
+              <a:t>Maquette</a:t>
+            </a:r>
+            <a:endParaRPr/>
+          </a:p>
+        </p:txBody>
+      </p:sp>
+      <p:pic>
+        <p:nvPicPr>
+          <p:cNvPr id="199" name="Google Shape;199;p30"/>
+          <p:cNvPicPr preferRelativeResize="0"/>
+          <p:nvPr/>
+        </p:nvPicPr>
+        <p:blipFill rotWithShape="1">
+          <a:blip r:embed="rId3">
+            <a:alphaModFix/>
+          </a:blip>
+          <a:srcRect b="0" l="0" r="0" t="0"/>
+          <a:stretch/>
+        </p:blipFill>
+        <p:spPr>
+          <a:xfrm>
+            <a:off x="1212604" y="1054775"/>
+            <a:ext cx="6166995" cy="2902912"/>
+          </a:xfrm>
+          <a:prstGeom prst="rect">
+            <a:avLst/>
+          </a:prstGeom>
+          <a:noFill/>
+          <a:ln>
+            <a:noFill/>
+          </a:ln>
+        </p:spPr>
+      </p:pic>
     </p:spTree>
   </p:cSld>
   <p:clrMapOvr>
@@ -9608,7 +9880,7 @@
   <p:cSld>
     <p:spTree>
       <p:nvGrpSpPr>
-        <p:cNvPr id="200" name="Shape 200"/>
+        <p:cNvPr id="203" name="Shape 203"/>
         <p:cNvGrpSpPr/>
         <p:nvPr/>
       </p:nvGrpSpPr>
@@ -9622,47 +9894,7 @@
       </p:grpSpPr>
       <p:sp>
         <p:nvSpPr>
-          <p:cNvPr id="201" name="Google Shape;201;p31"/>
-          <p:cNvSpPr txBox="1"/>
-          <p:nvPr>
-            <p:ph type="title"/>
-          </p:nvPr>
-        </p:nvSpPr>
-        <p:spPr>
-          <a:xfrm>
-            <a:off x="347750" y="1948550"/>
-            <a:ext cx="8673300" cy="667200"/>
-          </a:xfrm>
-          <a:prstGeom prst="rect">
-            <a:avLst/>
-          </a:prstGeom>
-        </p:spPr>
-        <p:txBody>
-          <a:bodyPr anchorCtr="0" anchor="ctr" bIns="91425" lIns="91425" spcFirstLastPara="1" rIns="91425" wrap="square" tIns="91425">
-            <a:normAutofit/>
-          </a:bodyPr>
-          <a:lstStyle/>
-          <a:p>
-            <a:pPr indent="0" lvl="0" marL="0" rtl="0" algn="ctr">
-              <a:spcBef>
-                <a:spcPts val="0"/>
-              </a:spcBef>
-              <a:spcAft>
-                <a:spcPts val="0"/>
-              </a:spcAft>
-              <a:buNone/>
-            </a:pPr>
-            <a:r>
-              <a:rPr lang="fr"/>
-              <a:t>Conclusion </a:t>
-            </a:r>
-            <a:endParaRPr/>
-          </a:p>
-        </p:txBody>
-      </p:sp>
-      <p:sp>
-        <p:nvSpPr>
-          <p:cNvPr id="202" name="Google Shape;202;p31"/>
+          <p:cNvPr id="204" name="Google Shape;204;p31"/>
           <p:cNvSpPr txBox="1"/>
           <p:nvPr>
             <p:ph idx="12" type="sldNum"/>
@@ -9700,6 +9932,74 @@
           </a:p>
         </p:txBody>
       </p:sp>
+      <p:sp>
+        <p:nvSpPr>
+          <p:cNvPr id="205" name="Google Shape;205;p31"/>
+          <p:cNvSpPr txBox="1"/>
+          <p:nvPr>
+            <p:ph type="title"/>
+          </p:nvPr>
+        </p:nvSpPr>
+        <p:spPr>
+          <a:xfrm>
+            <a:off x="235500" y="29600"/>
+            <a:ext cx="7485000" cy="523500"/>
+          </a:xfrm>
+          <a:prstGeom prst="rect">
+            <a:avLst/>
+          </a:prstGeom>
+        </p:spPr>
+        <p:txBody>
+          <a:bodyPr anchorCtr="0" anchor="b" bIns="91425" lIns="91425" spcFirstLastPara="1" rIns="91425" wrap="square" tIns="91425">
+            <a:normAutofit/>
+          </a:bodyPr>
+          <a:lstStyle/>
+          <a:p>
+            <a:pPr indent="0" lvl="0" marL="0" rtl="0" algn="l">
+              <a:spcBef>
+                <a:spcPts val="0"/>
+              </a:spcBef>
+              <a:spcAft>
+                <a:spcPts val="0"/>
+              </a:spcAft>
+              <a:buNone/>
+            </a:pPr>
+            <a:r>
+              <a:rPr lang="fr"/>
+              <a:t>Maquette</a:t>
+            </a:r>
+            <a:endParaRPr/>
+          </a:p>
+        </p:txBody>
+      </p:sp>
+      <p:pic>
+        <p:nvPicPr>
+          <p:cNvPr id="206" name="Google Shape;206;p31"/>
+          <p:cNvPicPr preferRelativeResize="0"/>
+          <p:nvPr/>
+        </p:nvPicPr>
+        <p:blipFill>
+          <a:blip r:embed="rId3">
+            <a:alphaModFix/>
+          </a:blip>
+          <a:stretch>
+            <a:fillRect/>
+          </a:stretch>
+        </p:blipFill>
+        <p:spPr>
+          <a:xfrm>
+            <a:off x="2948088" y="695025"/>
+            <a:ext cx="2790624" cy="4285600"/>
+          </a:xfrm>
+          <a:prstGeom prst="rect">
+            <a:avLst/>
+          </a:prstGeom>
+          <a:noFill/>
+          <a:ln>
+            <a:noFill/>
+          </a:ln>
+        </p:spPr>
+      </p:pic>
     </p:spTree>
   </p:cSld>
   <p:clrMapOvr>
@@ -9833,6 +10133,216 @@
           </a:ln>
         </p:spPr>
       </p:pic>
+    </p:spTree>
+  </p:cSld>
+  <p:clrMapOvr>
+    <a:masterClrMapping/>
+  </p:clrMapOvr>
+</p:sld>
+</file>
+
+<file path=ppt/slides/slide20.xml><?xml version="1.0" encoding="utf-8"?>
+<p:sld xmlns:a="http://schemas.openxmlformats.org/drawingml/2006/main" xmlns:r="http://schemas.openxmlformats.org/officeDocument/2006/relationships" xmlns:mc="http://schemas.openxmlformats.org/markup-compatibility/2006" xmlns:mv="urn:schemas-microsoft-com:mac:vml" xmlns:p="http://schemas.openxmlformats.org/presentationml/2006/main" xmlns:c="http://schemas.openxmlformats.org/drawingml/2006/chart" xmlns:dgm="http://schemas.openxmlformats.org/drawingml/2006/diagram" xmlns:o="urn:schemas-microsoft-com:office:office" xmlns:v="urn:schemas-microsoft-com:vml" xmlns:pvml="urn:schemas-microsoft-com:office:powerpoint" xmlns:com="http://schemas.openxmlformats.org/drawingml/2006/compatibility" xmlns:p14="http://schemas.microsoft.com/office/powerpoint/2010/main" xmlns:p15="http://schemas.microsoft.com/office/powerpoint/2012/main" xmlns:ahyp="http://schemas.microsoft.com/office/drawing/2018/hyperlinkcolor">
+  <p:cSld>
+    <p:spTree>
+      <p:nvGrpSpPr>
+        <p:cNvPr id="210" name="Shape 210"/>
+        <p:cNvGrpSpPr/>
+        <p:nvPr/>
+      </p:nvGrpSpPr>
+      <p:grpSpPr>
+        <a:xfrm>
+          <a:off x="0" y="0"/>
+          <a:ext cx="0" cy="0"/>
+          <a:chOff x="0" y="0"/>
+          <a:chExt cx="0" cy="0"/>
+        </a:xfrm>
+      </p:grpSpPr>
+      <p:sp>
+        <p:nvSpPr>
+          <p:cNvPr id="211" name="Google Shape;211;p32"/>
+          <p:cNvSpPr txBox="1"/>
+          <p:nvPr>
+            <p:ph type="title"/>
+          </p:nvPr>
+        </p:nvSpPr>
+        <p:spPr>
+          <a:xfrm>
+            <a:off x="347750" y="1948550"/>
+            <a:ext cx="8673300" cy="667200"/>
+          </a:xfrm>
+          <a:prstGeom prst="rect">
+            <a:avLst/>
+          </a:prstGeom>
+        </p:spPr>
+        <p:txBody>
+          <a:bodyPr anchorCtr="0" anchor="ctr" bIns="91425" lIns="91425" spcFirstLastPara="1" rIns="91425" wrap="square" tIns="91425">
+            <a:normAutofit/>
+          </a:bodyPr>
+          <a:lstStyle/>
+          <a:p>
+            <a:pPr indent="0" lvl="0" marL="0" rtl="0" algn="ctr">
+              <a:spcBef>
+                <a:spcPts val="0"/>
+              </a:spcBef>
+              <a:spcAft>
+                <a:spcPts val="0"/>
+              </a:spcAft>
+              <a:buNone/>
+            </a:pPr>
+            <a:r>
+              <a:rPr lang="fr"/>
+              <a:t>07- Réalisation</a:t>
+            </a:r>
+            <a:endParaRPr/>
+          </a:p>
+        </p:txBody>
+      </p:sp>
+      <p:sp>
+        <p:nvSpPr>
+          <p:cNvPr id="212" name="Google Shape;212;p32"/>
+          <p:cNvSpPr txBox="1"/>
+          <p:nvPr>
+            <p:ph idx="12" type="sldNum"/>
+          </p:nvPr>
+        </p:nvSpPr>
+        <p:spPr>
+          <a:xfrm>
+            <a:off x="8472458" y="4663217"/>
+            <a:ext cx="548700" cy="393600"/>
+          </a:xfrm>
+          <a:prstGeom prst="rect">
+            <a:avLst/>
+          </a:prstGeom>
+        </p:spPr>
+        <p:txBody>
+          <a:bodyPr anchorCtr="0" anchor="ctr" bIns="91425" lIns="91425" spcFirstLastPara="1" rIns="91425" wrap="square" tIns="91425">
+            <a:normAutofit/>
+          </a:bodyPr>
+          <a:lstStyle/>
+          <a:p>
+            <a:pPr indent="0" lvl="0" marL="0" rtl="0" algn="r">
+              <a:spcBef>
+                <a:spcPts val="0"/>
+              </a:spcBef>
+              <a:spcAft>
+                <a:spcPts val="0"/>
+              </a:spcAft>
+              <a:buNone/>
+            </a:pPr>
+            <a:fld id="{00000000-1234-1234-1234-123412341234}" type="slidenum">
+              <a:rPr lang="fr"/>
+              <a:t>‹#›</a:t>
+            </a:fld>
+            <a:endParaRPr/>
+          </a:p>
+        </p:txBody>
+      </p:sp>
+    </p:spTree>
+  </p:cSld>
+  <p:clrMapOvr>
+    <a:masterClrMapping/>
+  </p:clrMapOvr>
+</p:sld>
+</file>
+
+<file path=ppt/slides/slide21.xml><?xml version="1.0" encoding="utf-8"?>
+<p:sld xmlns:a="http://schemas.openxmlformats.org/drawingml/2006/main" xmlns:r="http://schemas.openxmlformats.org/officeDocument/2006/relationships" xmlns:mc="http://schemas.openxmlformats.org/markup-compatibility/2006" xmlns:mv="urn:schemas-microsoft-com:mac:vml" xmlns:p="http://schemas.openxmlformats.org/presentationml/2006/main" xmlns:c="http://schemas.openxmlformats.org/drawingml/2006/chart" xmlns:dgm="http://schemas.openxmlformats.org/drawingml/2006/diagram" xmlns:o="urn:schemas-microsoft-com:office:office" xmlns:v="urn:schemas-microsoft-com:vml" xmlns:pvml="urn:schemas-microsoft-com:office:powerpoint" xmlns:com="http://schemas.openxmlformats.org/drawingml/2006/compatibility" xmlns:p14="http://schemas.microsoft.com/office/powerpoint/2010/main" xmlns:p15="http://schemas.microsoft.com/office/powerpoint/2012/main" xmlns:ahyp="http://schemas.microsoft.com/office/drawing/2018/hyperlinkcolor">
+  <p:cSld>
+    <p:spTree>
+      <p:nvGrpSpPr>
+        <p:cNvPr id="216" name="Shape 216"/>
+        <p:cNvGrpSpPr/>
+        <p:nvPr/>
+      </p:nvGrpSpPr>
+      <p:grpSpPr>
+        <a:xfrm>
+          <a:off x="0" y="0"/>
+          <a:ext cx="0" cy="0"/>
+          <a:chOff x="0" y="0"/>
+          <a:chExt cx="0" cy="0"/>
+        </a:xfrm>
+      </p:grpSpPr>
+      <p:sp>
+        <p:nvSpPr>
+          <p:cNvPr id="217" name="Google Shape;217;p33"/>
+          <p:cNvSpPr txBox="1"/>
+          <p:nvPr>
+            <p:ph type="title"/>
+          </p:nvPr>
+        </p:nvSpPr>
+        <p:spPr>
+          <a:xfrm>
+            <a:off x="347750" y="1948550"/>
+            <a:ext cx="8673300" cy="667200"/>
+          </a:xfrm>
+          <a:prstGeom prst="rect">
+            <a:avLst/>
+          </a:prstGeom>
+        </p:spPr>
+        <p:txBody>
+          <a:bodyPr anchorCtr="0" anchor="ctr" bIns="91425" lIns="91425" spcFirstLastPara="1" rIns="91425" wrap="square" tIns="91425">
+            <a:normAutofit/>
+          </a:bodyPr>
+          <a:lstStyle/>
+          <a:p>
+            <a:pPr indent="0" lvl="0" marL="0" rtl="0" algn="ctr">
+              <a:spcBef>
+                <a:spcPts val="0"/>
+              </a:spcBef>
+              <a:spcAft>
+                <a:spcPts val="0"/>
+              </a:spcAft>
+              <a:buNone/>
+            </a:pPr>
+            <a:r>
+              <a:rPr lang="fr"/>
+              <a:t>Conclusion </a:t>
+            </a:r>
+            <a:endParaRPr/>
+          </a:p>
+        </p:txBody>
+      </p:sp>
+      <p:sp>
+        <p:nvSpPr>
+          <p:cNvPr id="218" name="Google Shape;218;p33"/>
+          <p:cNvSpPr txBox="1"/>
+          <p:nvPr>
+            <p:ph idx="12" type="sldNum"/>
+          </p:nvPr>
+        </p:nvSpPr>
+        <p:spPr>
+          <a:xfrm>
+            <a:off x="8472458" y="4663217"/>
+            <a:ext cx="548700" cy="393600"/>
+          </a:xfrm>
+          <a:prstGeom prst="rect">
+            <a:avLst/>
+          </a:prstGeom>
+        </p:spPr>
+        <p:txBody>
+          <a:bodyPr anchorCtr="0" anchor="ctr" bIns="91425" lIns="91425" spcFirstLastPara="1" rIns="91425" wrap="square" tIns="91425">
+            <a:normAutofit/>
+          </a:bodyPr>
+          <a:lstStyle/>
+          <a:p>
+            <a:pPr indent="0" lvl="0" marL="0" rtl="0" algn="r">
+              <a:spcBef>
+                <a:spcPts val="0"/>
+              </a:spcBef>
+              <a:spcAft>
+                <a:spcPts val="0"/>
+              </a:spcAft>
+              <a:buNone/>
+            </a:pPr>
+            <a:fld id="{00000000-1234-1234-1234-123412341234}" type="slidenum">
+              <a:rPr lang="fr"/>
+              <a:t>‹#›</a:t>
+            </a:fld>
+            <a:endParaRPr/>
+          </a:p>
+        </p:txBody>
+      </p:sp>
     </p:spTree>
   </p:cSld>
   <p:clrMapOvr>
@@ -11521,46 +12031,6 @@
           <p:cNvPr id="129" name="Google Shape;129;p21"/>
           <p:cNvSpPr txBox="1"/>
           <p:nvPr>
-            <p:ph type="title"/>
-          </p:nvPr>
-        </p:nvSpPr>
-        <p:spPr>
-          <a:xfrm>
-            <a:off x="347750" y="1948550"/>
-            <a:ext cx="8673300" cy="667200"/>
-          </a:xfrm>
-          <a:prstGeom prst="rect">
-            <a:avLst/>
-          </a:prstGeom>
-        </p:spPr>
-        <p:txBody>
-          <a:bodyPr anchorCtr="0" anchor="ctr" bIns="91425" lIns="91425" spcFirstLastPara="1" rIns="91425" wrap="square" tIns="91425">
-            <a:normAutofit/>
-          </a:bodyPr>
-          <a:lstStyle/>
-          <a:p>
-            <a:pPr indent="0" lvl="0" marL="0" rtl="0" algn="ctr">
-              <a:spcBef>
-                <a:spcPts val="0"/>
-              </a:spcBef>
-              <a:spcAft>
-                <a:spcPts val="0"/>
-              </a:spcAft>
-              <a:buNone/>
-            </a:pPr>
-            <a:r>
-              <a:rPr lang="fr"/>
-              <a:t>04- Planification</a:t>
-            </a:r>
-            <a:endParaRPr/>
-          </a:p>
-        </p:txBody>
-      </p:sp>
-      <p:sp>
-        <p:nvSpPr>
-          <p:cNvPr id="130" name="Google Shape;130;p21"/>
-          <p:cNvSpPr txBox="1"/>
-          <p:nvPr>
             <p:ph idx="12" type="sldNum"/>
           </p:nvPr>
         </p:nvSpPr>
@@ -11596,6 +12066,133 @@
           </a:p>
         </p:txBody>
       </p:sp>
+      <p:sp>
+        <p:nvSpPr>
+          <p:cNvPr id="130" name="Google Shape;130;p21"/>
+          <p:cNvSpPr txBox="1"/>
+          <p:nvPr>
+            <p:ph type="title"/>
+          </p:nvPr>
+        </p:nvSpPr>
+        <p:spPr>
+          <a:xfrm>
+            <a:off x="235500" y="29600"/>
+            <a:ext cx="7485000" cy="523500"/>
+          </a:xfrm>
+          <a:prstGeom prst="rect">
+            <a:avLst/>
+          </a:prstGeom>
+        </p:spPr>
+        <p:txBody>
+          <a:bodyPr anchorCtr="0" anchor="b" bIns="91425" lIns="91425" spcFirstLastPara="1" rIns="91425" wrap="square" tIns="91425">
+            <a:normAutofit/>
+          </a:bodyPr>
+          <a:lstStyle/>
+          <a:p>
+            <a:pPr indent="0" lvl="0" marL="0" rtl="0" algn="l">
+              <a:spcBef>
+                <a:spcPts val="0"/>
+              </a:spcBef>
+              <a:spcAft>
+                <a:spcPts val="0"/>
+              </a:spcAft>
+              <a:buNone/>
+            </a:pPr>
+            <a:r>
+              <a:rPr lang="fr">
+                <a:solidFill>
+                  <a:schemeClr val="lt1"/>
+                </a:solidFill>
+              </a:rPr>
+              <a:t>Définir le problème </a:t>
+            </a:r>
+            <a:endParaRPr>
+              <a:solidFill>
+                <a:schemeClr val="lt1"/>
+              </a:solidFill>
+            </a:endParaRPr>
+          </a:p>
+        </p:txBody>
+      </p:sp>
+      <p:sp>
+        <p:nvSpPr>
+          <p:cNvPr id="131" name="Google Shape;131;p21"/>
+          <p:cNvSpPr/>
+          <p:nvPr/>
+        </p:nvSpPr>
+        <p:spPr>
+          <a:xfrm>
+            <a:off x="4838700" y="1302075"/>
+            <a:ext cx="1650300" cy="393600"/>
+          </a:xfrm>
+          <a:prstGeom prst="rect">
+            <a:avLst/>
+          </a:prstGeom>
+          <a:solidFill>
+            <a:srgbClr val="CFE2F3"/>
+          </a:solidFill>
+          <a:ln>
+            <a:noFill/>
+          </a:ln>
+        </p:spPr>
+        <p:txBody>
+          <a:bodyPr anchorCtr="0" anchor="ctr" bIns="91425" lIns="91425" spcFirstLastPara="1" rIns="91425" wrap="square" tIns="91425">
+            <a:noAutofit/>
+          </a:bodyPr>
+          <a:lstStyle/>
+          <a:p>
+            <a:pPr indent="0" lvl="0" marL="0" rtl="0" algn="ctr">
+              <a:spcBef>
+                <a:spcPts val="0"/>
+              </a:spcBef>
+              <a:spcAft>
+                <a:spcPts val="0"/>
+              </a:spcAft>
+              <a:buNone/>
+            </a:pPr>
+            <a:r>
+              <a:t/>
+            </a:r>
+            <a:endParaRPr>
+              <a:solidFill>
+                <a:schemeClr val="accent1"/>
+              </a:solidFill>
+              <a:latin typeface="Roboto"/>
+              <a:ea typeface="Roboto"/>
+              <a:cs typeface="Roboto"/>
+              <a:sym typeface="Roboto"/>
+            </a:endParaRPr>
+          </a:p>
+        </p:txBody>
+      </p:sp>
+      <p:pic>
+        <p:nvPicPr>
+          <p:cNvPr id="132" name="Google Shape;132;p21"/>
+          <p:cNvPicPr preferRelativeResize="0"/>
+          <p:nvPr/>
+        </p:nvPicPr>
+        <p:blipFill>
+          <a:blip r:embed="rId3">
+            <a:alphaModFix/>
+          </a:blip>
+          <a:stretch>
+            <a:fillRect/>
+          </a:stretch>
+        </p:blipFill>
+        <p:spPr>
+          <a:xfrm>
+            <a:off x="2743200" y="1148400"/>
+            <a:ext cx="3620550" cy="3620550"/>
+          </a:xfrm>
+          <a:prstGeom prst="rect">
+            <a:avLst/>
+          </a:prstGeom>
+          <a:noFill/>
+          <a:ln>
+            <a:noFill/>
+          </a:ln>
+        </p:spPr>
+      </p:pic>
     </p:spTree>
   </p:cSld>
   <p:clrMapOvr>
@@ -11605,6 +12202,285 @@
 </file>
 
 <file path=ppt/theme/theme1.xml><?xml version="1.0" encoding="utf-8"?>
+<a:theme xmlns:a="http://schemas.openxmlformats.org/drawingml/2006/main" xmlns:r="http://schemas.openxmlformats.org/officeDocument/2006/relationships" name="lab-theme">
+  <a:themeElements>
+    <a:clrScheme name="Modern Writer">
+      <a:dk1>
+        <a:srgbClr val="000000"/>
+      </a:dk1>
+      <a:lt1>
+        <a:srgbClr val="FFFFFF"/>
+      </a:lt1>
+      <a:dk2>
+        <a:srgbClr val="595959"/>
+      </a:dk2>
+      <a:lt2>
+        <a:srgbClr val="EEEEEE"/>
+      </a:lt2>
+      <a:accent1>
+        <a:srgbClr val="97B4BF"/>
+      </a:accent1>
+      <a:accent2>
+        <a:srgbClr val="97B4BF"/>
+      </a:accent2>
+      <a:accent3>
+        <a:srgbClr val="537C8C"/>
+      </a:accent3>
+      <a:accent4>
+        <a:srgbClr val="234A59"/>
+      </a:accent4>
+      <a:accent5>
+        <a:srgbClr val="00838F"/>
+      </a:accent5>
+      <a:accent6>
+        <a:srgbClr val="326279"/>
+      </a:accent6>
+      <a:hlink>
+        <a:srgbClr val="00838F"/>
+      </a:hlink>
+      <a:folHlink>
+        <a:srgbClr val="00838F"/>
+      </a:folHlink>
+    </a:clrScheme>
+    <a:fontScheme name="Office">
+      <a:majorFont>
+        <a:latin typeface="Arial"/>
+        <a:ea typeface=""/>
+        <a:cs typeface=""/>
+        <a:font script="Jpan" typeface="ＭＳ Ｐゴシック"/>
+        <a:font script="Hang" typeface="맑은 고딕"/>
+        <a:font script="Hans" typeface="宋体"/>
+        <a:font script="Hant" typeface="新細明體"/>
+        <a:font script="Arab" typeface="Times New Roman"/>
+        <a:font script="Hebr" typeface="Times New Roman"/>
+        <a:font script="Thai" typeface="Angsana New"/>
+        <a:font script="Ethi" typeface="Nyala"/>
+        <a:font script="Beng" typeface="Vrinda"/>
+        <a:font script="Gujr" typeface="Shruti"/>
+        <a:font script="Khmr" typeface="MoolBoran"/>
+        <a:font script="Knda" typeface="Tunga"/>
+        <a:font script="Guru" typeface="Raavi"/>
+        <a:font script="Cans" typeface="Euphemia"/>
+        <a:font script="Cher" typeface="Plantagenet Cherokee"/>
+        <a:font script="Yiii" typeface="Microsoft Yi Baiti"/>
+        <a:font script="Tibt" typeface="Microsoft Himalaya"/>
+        <a:font script="Thaa" typeface="MV Boli"/>
+        <a:font script="Deva" typeface="Mangal"/>
+        <a:font script="Telu" typeface="Gautami"/>
+        <a:font script="Taml" typeface="Latha"/>
+        <a:font script="Syrc" typeface="Estrangelo Edessa"/>
+        <a:font script="Orya" typeface="Kalinga"/>
+        <a:font script="Mlym" typeface="Kartika"/>
+        <a:font script="Laoo" typeface="DokChampa"/>
+        <a:font script="Sinh" typeface="Iskoola Pota"/>
+        <a:font script="Mong" typeface="Mongolian Baiti"/>
+        <a:font script="Viet" typeface="Times New Roman"/>
+        <a:font script="Uigh" typeface="Microsoft Uighur"/>
+        <a:font script="Geor" typeface="Sylfaen"/>
+      </a:majorFont>
+      <a:minorFont>
+        <a:latin typeface="Arial"/>
+        <a:ea typeface=""/>
+        <a:cs typeface=""/>
+        <a:font script="Jpan" typeface="ＭＳ Ｐゴシック"/>
+        <a:font script="Hang" typeface="맑은 고딕"/>
+        <a:font script="Hans" typeface="宋体"/>
+        <a:font script="Hant" typeface="新細明體"/>
+        <a:font script="Arab" typeface="Arial"/>
+        <a:font script="Hebr" typeface="Arial"/>
+        <a:font script="Thai" typeface="Cordia New"/>
+        <a:font script="Ethi" typeface="Nyala"/>
+        <a:font script="Beng" typeface="Vrinda"/>
+        <a:font script="Gujr" typeface="Shruti"/>
+        <a:font script="Khmr" typeface="DaunPenh"/>
+        <a:font script="Knda" typeface="Tunga"/>
+        <a:font script="Guru" typeface="Raavi"/>
+        <a:font script="Cans" typeface="Euphemia"/>
+        <a:font script="Cher" typeface="Plantagenet Cherokee"/>
+        <a:font script="Yiii" typeface="Microsoft Yi Baiti"/>
+        <a:font script="Tibt" typeface="Microsoft Himalaya"/>
+        <a:font script="Thaa" typeface="MV Boli"/>
+        <a:font script="Deva" typeface="Mangal"/>
+        <a:font script="Telu" typeface="Gautami"/>
+        <a:font script="Taml" typeface="Latha"/>
+        <a:font script="Syrc" typeface="Estrangelo Edessa"/>
+        <a:font script="Orya" typeface="Kalinga"/>
+        <a:font script="Mlym" typeface="Kartika"/>
+        <a:font script="Laoo" typeface="DokChampa"/>
+        <a:font script="Sinh" typeface="Iskoola Pota"/>
+        <a:font script="Mong" typeface="Mongolian Baiti"/>
+        <a:font script="Viet" typeface="Arial"/>
+        <a:font script="Uigh" typeface="Microsoft Uighur"/>
+        <a:font script="Geor" typeface="Sylfaen"/>
+      </a:minorFont>
+    </a:fontScheme>
+    <a:fmtScheme name="Office">
+      <a:fillStyleLst>
+        <a:solidFill>
+          <a:schemeClr val="phClr"/>
+        </a:solidFill>
+        <a:gradFill rotWithShape="1">
+          <a:gsLst>
+            <a:gs pos="0">
+              <a:schemeClr val="phClr">
+                <a:tint val="50000"/>
+                <a:satMod val="300000"/>
+              </a:schemeClr>
+            </a:gs>
+            <a:gs pos="35000">
+              <a:schemeClr val="phClr">
+                <a:tint val="37000"/>
+                <a:satMod val="300000"/>
+              </a:schemeClr>
+            </a:gs>
+            <a:gs pos="100000">
+              <a:schemeClr val="phClr">
+                <a:tint val="15000"/>
+                <a:satMod val="350000"/>
+              </a:schemeClr>
+            </a:gs>
+          </a:gsLst>
+          <a:lin ang="16200000" scaled="1"/>
+        </a:gradFill>
+        <a:gradFill rotWithShape="1">
+          <a:gsLst>
+            <a:gs pos="0">
+              <a:schemeClr val="phClr">
+                <a:tint val="100000"/>
+                <a:shade val="100000"/>
+                <a:satMod val="130000"/>
+              </a:schemeClr>
+            </a:gs>
+            <a:gs pos="100000">
+              <a:schemeClr val="phClr">
+                <a:tint val="50000"/>
+                <a:shade val="100000"/>
+                <a:satMod val="350000"/>
+              </a:schemeClr>
+            </a:gs>
+          </a:gsLst>
+          <a:lin ang="16200000" scaled="0"/>
+        </a:gradFill>
+      </a:fillStyleLst>
+      <a:lnStyleLst>
+        <a:ln w="9525" cap="flat" cmpd="sng" algn="ctr">
+          <a:solidFill>
+            <a:schemeClr val="phClr">
+              <a:shade val="95000"/>
+              <a:satMod val="105000"/>
+            </a:schemeClr>
+          </a:solidFill>
+          <a:prstDash val="solid"/>
+        </a:ln>
+        <a:ln w="25400" cap="flat" cmpd="sng" algn="ctr">
+          <a:solidFill>
+            <a:schemeClr val="phClr"/>
+          </a:solidFill>
+          <a:prstDash val="solid"/>
+        </a:ln>
+        <a:ln w="38100" cap="flat" cmpd="sng" algn="ctr">
+          <a:solidFill>
+            <a:schemeClr val="phClr"/>
+          </a:solidFill>
+          <a:prstDash val="solid"/>
+        </a:ln>
+      </a:lnStyleLst>
+      <a:effectStyleLst>
+        <a:effectStyle>
+          <a:effectLst>
+            <a:outerShdw blurRad="40000" dist="20000" dir="5400000" rotWithShape="0">
+              <a:srgbClr val="000000">
+                <a:alpha val="38000"/>
+              </a:srgbClr>
+            </a:outerShdw>
+          </a:effectLst>
+        </a:effectStyle>
+        <a:effectStyle>
+          <a:effectLst>
+            <a:outerShdw blurRad="40000" dist="23000" dir="5400000" rotWithShape="0">
+              <a:srgbClr val="000000">
+                <a:alpha val="35000"/>
+              </a:srgbClr>
+            </a:outerShdw>
+          </a:effectLst>
+        </a:effectStyle>
+        <a:effectStyle>
+          <a:effectLst>
+            <a:outerShdw blurRad="40000" dist="23000" dir="5400000" rotWithShape="0">
+              <a:srgbClr val="000000">
+                <a:alpha val="35000"/>
+              </a:srgbClr>
+            </a:outerShdw>
+          </a:effectLst>
+          <a:scene3d>
+            <a:camera prst="orthographicFront">
+              <a:rot lat="0" lon="0" rev="0"/>
+            </a:camera>
+            <a:lightRig rig="threePt" dir="t">
+              <a:rot lat="0" lon="0" rev="1200000"/>
+            </a:lightRig>
+          </a:scene3d>
+          <a:sp3d>
+            <a:bevelT w="63500" h="25400"/>
+          </a:sp3d>
+        </a:effectStyle>
+      </a:effectStyleLst>
+      <a:bgFillStyleLst>
+        <a:solidFill>
+          <a:schemeClr val="phClr"/>
+        </a:solidFill>
+        <a:gradFill rotWithShape="1">
+          <a:gsLst>
+            <a:gs pos="0">
+              <a:schemeClr val="phClr">
+                <a:tint val="40000"/>
+                <a:satMod val="350000"/>
+              </a:schemeClr>
+            </a:gs>
+            <a:gs pos="40000">
+              <a:schemeClr val="phClr">
+                <a:tint val="45000"/>
+                <a:shade val="99000"/>
+                <a:satMod val="350000"/>
+              </a:schemeClr>
+            </a:gs>
+            <a:gs pos="100000">
+              <a:schemeClr val="phClr">
+                <a:shade val="20000"/>
+                <a:satMod val="255000"/>
+              </a:schemeClr>
+            </a:gs>
+          </a:gsLst>
+          <a:path path="circle">
+            <a:fillToRect l="50000" t="-80000" r="50000" b="180000"/>
+          </a:path>
+        </a:gradFill>
+        <a:gradFill rotWithShape="1">
+          <a:gsLst>
+            <a:gs pos="0">
+              <a:schemeClr val="phClr">
+                <a:tint val="80000"/>
+                <a:satMod val="300000"/>
+              </a:schemeClr>
+            </a:gs>
+            <a:gs pos="100000">
+              <a:schemeClr val="phClr">
+                <a:shade val="30000"/>
+                <a:satMod val="200000"/>
+              </a:schemeClr>
+            </a:gs>
+          </a:gsLst>
+          <a:path path="circle">
+            <a:fillToRect l="50000" t="50000" r="50000" b="50000"/>
+          </a:path>
+        </a:gradFill>
+      </a:bgFillStyleLst>
+    </a:fmtScheme>
+  </a:themeElements>
+</a:theme>
+</file>
+
+<file path=ppt/theme/theme2.xml><?xml version="1.0" encoding="utf-8"?>
 <a:theme xmlns:a="http://schemas.openxmlformats.org/drawingml/2006/main" xmlns:r="http://schemas.openxmlformats.org/officeDocument/2006/relationships">
   <a:themeElements>
     <a:clrScheme name="Default">
@@ -11881,283 +12757,4 @@
     </a:fmtScheme>
   </a:themeElements>
 </a:theme>
-</file>
-
-<file path=ppt/theme/theme2.xml><?xml version="1.0" encoding="utf-8"?>
-<a:theme xmlns:a="http://schemas.openxmlformats.org/drawingml/2006/main" xmlns:r="http://schemas.openxmlformats.org/officeDocument/2006/relationships" name="lab-theme">
-  <a:themeElements>
-    <a:clrScheme name="Modern Writer">
-      <a:dk1>
-        <a:srgbClr val="000000"/>
-      </a:dk1>
-      <a:lt1>
-        <a:srgbClr val="FFFFFF"/>
-      </a:lt1>
-      <a:dk2>
-        <a:srgbClr val="595959"/>
-      </a:dk2>
-      <a:lt2>
-        <a:srgbClr val="EEEEEE"/>
-      </a:lt2>
-      <a:accent1>
-        <a:srgbClr val="97B4BF"/>
-      </a:accent1>
-      <a:accent2>
-        <a:srgbClr val="97B4BF"/>
-      </a:accent2>
-      <a:accent3>
-        <a:srgbClr val="537C8C"/>
-      </a:accent3>
-      <a:accent4>
-        <a:srgbClr val="234A59"/>
-      </a:accent4>
-      <a:accent5>
-        <a:srgbClr val="00838F"/>
-      </a:accent5>
-      <a:accent6>
-        <a:srgbClr val="326279"/>
-      </a:accent6>
-      <a:hlink>
-        <a:srgbClr val="00838F"/>
-      </a:hlink>
-      <a:folHlink>
-        <a:srgbClr val="00838F"/>
-      </a:folHlink>
-    </a:clrScheme>
-    <a:fontScheme name="Office">
-      <a:majorFont>
-        <a:latin typeface="Arial"/>
-        <a:ea typeface=""/>
-        <a:cs typeface=""/>
-        <a:font script="Jpan" typeface="ＭＳ Ｐゴシック"/>
-        <a:font script="Hang" typeface="맑은 고딕"/>
-        <a:font script="Hans" typeface="宋体"/>
-        <a:font script="Hant" typeface="新細明體"/>
-        <a:font script="Arab" typeface="Times New Roman"/>
-        <a:font script="Hebr" typeface="Times New Roman"/>
-        <a:font script="Thai" typeface="Angsana New"/>
-        <a:font script="Ethi" typeface="Nyala"/>
-        <a:font script="Beng" typeface="Vrinda"/>
-        <a:font script="Gujr" typeface="Shruti"/>
-        <a:font script="Khmr" typeface="MoolBoran"/>
-        <a:font script="Knda" typeface="Tunga"/>
-        <a:font script="Guru" typeface="Raavi"/>
-        <a:font script="Cans" typeface="Euphemia"/>
-        <a:font script="Cher" typeface="Plantagenet Cherokee"/>
-        <a:font script="Yiii" typeface="Microsoft Yi Baiti"/>
-        <a:font script="Tibt" typeface="Microsoft Himalaya"/>
-        <a:font script="Thaa" typeface="MV Boli"/>
-        <a:font script="Deva" typeface="Mangal"/>
-        <a:font script="Telu" typeface="Gautami"/>
-        <a:font script="Taml" typeface="Latha"/>
-        <a:font script="Syrc" typeface="Estrangelo Edessa"/>
-        <a:font script="Orya" typeface="Kalinga"/>
-        <a:font script="Mlym" typeface="Kartika"/>
-        <a:font script="Laoo" typeface="DokChampa"/>
-        <a:font script="Sinh" typeface="Iskoola Pota"/>
-        <a:font script="Mong" typeface="Mongolian Baiti"/>
-        <a:font script="Viet" typeface="Times New Roman"/>
-        <a:font script="Uigh" typeface="Microsoft Uighur"/>
-        <a:font script="Geor" typeface="Sylfaen"/>
-      </a:majorFont>
-      <a:minorFont>
-        <a:latin typeface="Arial"/>
-        <a:ea typeface=""/>
-        <a:cs typeface=""/>
-        <a:font script="Jpan" typeface="ＭＳ Ｐゴシック"/>
-        <a:font script="Hang" typeface="맑은 고딕"/>
-        <a:font script="Hans" typeface="宋体"/>
-        <a:font script="Hant" typeface="新細明體"/>
-        <a:font script="Arab" typeface="Arial"/>
-        <a:font script="Hebr" typeface="Arial"/>
-        <a:font script="Thai" typeface="Cordia New"/>
-        <a:font script="Ethi" typeface="Nyala"/>
-        <a:font script="Beng" typeface="Vrinda"/>
-        <a:font script="Gujr" typeface="Shruti"/>
-        <a:font script="Khmr" typeface="DaunPenh"/>
-        <a:font script="Knda" typeface="Tunga"/>
-        <a:font script="Guru" typeface="Raavi"/>
-        <a:font script="Cans" typeface="Euphemia"/>
-        <a:font script="Cher" typeface="Plantagenet Cherokee"/>
-        <a:font script="Yiii" typeface="Microsoft Yi Baiti"/>
-        <a:font script="Tibt" typeface="Microsoft Himalaya"/>
-        <a:font script="Thaa" typeface="MV Boli"/>
-        <a:font script="Deva" typeface="Mangal"/>
-        <a:font script="Telu" typeface="Gautami"/>
-        <a:font script="Taml" typeface="Latha"/>
-        <a:font script="Syrc" typeface="Estrangelo Edessa"/>
-        <a:font script="Orya" typeface="Kalinga"/>
-        <a:font script="Mlym" typeface="Kartika"/>
-        <a:font script="Laoo" typeface="DokChampa"/>
-        <a:font script="Sinh" typeface="Iskoola Pota"/>
-        <a:font script="Mong" typeface="Mongolian Baiti"/>
-        <a:font script="Viet" typeface="Arial"/>
-        <a:font script="Uigh" typeface="Microsoft Uighur"/>
-        <a:font script="Geor" typeface="Sylfaen"/>
-      </a:minorFont>
-    </a:fontScheme>
-    <a:fmtScheme name="Office">
-      <a:fillStyleLst>
-        <a:solidFill>
-          <a:schemeClr val="phClr"/>
-        </a:solidFill>
-        <a:gradFill rotWithShape="1">
-          <a:gsLst>
-            <a:gs pos="0">
-              <a:schemeClr val="phClr">
-                <a:tint val="50000"/>
-                <a:satMod val="300000"/>
-              </a:schemeClr>
-            </a:gs>
-            <a:gs pos="35000">
-              <a:schemeClr val="phClr">
-                <a:tint val="37000"/>
-                <a:satMod val="300000"/>
-              </a:schemeClr>
-            </a:gs>
-            <a:gs pos="100000">
-              <a:schemeClr val="phClr">
-                <a:tint val="15000"/>
-                <a:satMod val="350000"/>
-              </a:schemeClr>
-            </a:gs>
-          </a:gsLst>
-          <a:lin ang="16200000" scaled="1"/>
-        </a:gradFill>
-        <a:gradFill rotWithShape="1">
-          <a:gsLst>
-            <a:gs pos="0">
-              <a:schemeClr val="phClr">
-                <a:tint val="100000"/>
-                <a:shade val="100000"/>
-                <a:satMod val="130000"/>
-              </a:schemeClr>
-            </a:gs>
-            <a:gs pos="100000">
-              <a:schemeClr val="phClr">
-                <a:tint val="50000"/>
-                <a:shade val="100000"/>
-                <a:satMod val="350000"/>
-              </a:schemeClr>
-            </a:gs>
-          </a:gsLst>
-          <a:lin ang="16200000" scaled="0"/>
-        </a:gradFill>
-      </a:fillStyleLst>
-      <a:lnStyleLst>
-        <a:ln w="9525" cap="flat" cmpd="sng" algn="ctr">
-          <a:solidFill>
-            <a:schemeClr val="phClr">
-              <a:shade val="95000"/>
-              <a:satMod val="105000"/>
-            </a:schemeClr>
-          </a:solidFill>
-          <a:prstDash val="solid"/>
-        </a:ln>
-        <a:ln w="25400" cap="flat" cmpd="sng" algn="ctr">
-          <a:solidFill>
-            <a:schemeClr val="phClr"/>
-          </a:solidFill>
-          <a:prstDash val="solid"/>
-        </a:ln>
-        <a:ln w="38100" cap="flat" cmpd="sng" algn="ctr">
-          <a:solidFill>
-            <a:schemeClr val="phClr"/>
-          </a:solidFill>
-          <a:prstDash val="solid"/>
-        </a:ln>
-      </a:lnStyleLst>
-      <a:effectStyleLst>
-        <a:effectStyle>
-          <a:effectLst>
-            <a:outerShdw blurRad="40000" dist="20000" dir="5400000" rotWithShape="0">
-              <a:srgbClr val="000000">
-                <a:alpha val="38000"/>
-              </a:srgbClr>
-            </a:outerShdw>
-          </a:effectLst>
-        </a:effectStyle>
-        <a:effectStyle>
-          <a:effectLst>
-            <a:outerShdw blurRad="40000" dist="23000" dir="5400000" rotWithShape="0">
-              <a:srgbClr val="000000">
-                <a:alpha val="35000"/>
-              </a:srgbClr>
-            </a:outerShdw>
-          </a:effectLst>
-        </a:effectStyle>
-        <a:effectStyle>
-          <a:effectLst>
-            <a:outerShdw blurRad="40000" dist="23000" dir="5400000" rotWithShape="0">
-              <a:srgbClr val="000000">
-                <a:alpha val="35000"/>
-              </a:srgbClr>
-            </a:outerShdw>
-          </a:effectLst>
-          <a:scene3d>
-            <a:camera prst="orthographicFront">
-              <a:rot lat="0" lon="0" rev="0"/>
-            </a:camera>
-            <a:lightRig rig="threePt" dir="t">
-              <a:rot lat="0" lon="0" rev="1200000"/>
-            </a:lightRig>
-          </a:scene3d>
-          <a:sp3d>
-            <a:bevelT w="63500" h="25400"/>
-          </a:sp3d>
-        </a:effectStyle>
-      </a:effectStyleLst>
-      <a:bgFillStyleLst>
-        <a:solidFill>
-          <a:schemeClr val="phClr"/>
-        </a:solidFill>
-        <a:gradFill rotWithShape="1">
-          <a:gsLst>
-            <a:gs pos="0">
-              <a:schemeClr val="phClr">
-                <a:tint val="40000"/>
-                <a:satMod val="350000"/>
-              </a:schemeClr>
-            </a:gs>
-            <a:gs pos="40000">
-              <a:schemeClr val="phClr">
-                <a:tint val="45000"/>
-                <a:shade val="99000"/>
-                <a:satMod val="350000"/>
-              </a:schemeClr>
-            </a:gs>
-            <a:gs pos="100000">
-              <a:schemeClr val="phClr">
-                <a:shade val="20000"/>
-                <a:satMod val="255000"/>
-              </a:schemeClr>
-            </a:gs>
-          </a:gsLst>
-          <a:path path="circle">
-            <a:fillToRect l="50000" t="-80000" r="50000" b="180000"/>
-          </a:path>
-        </a:gradFill>
-        <a:gradFill rotWithShape="1">
-          <a:gsLst>
-            <a:gs pos="0">
-              <a:schemeClr val="phClr">
-                <a:tint val="80000"/>
-                <a:satMod val="300000"/>
-              </a:schemeClr>
-            </a:gs>
-            <a:gs pos="100000">
-              <a:schemeClr val="phClr">
-                <a:shade val="30000"/>
-                <a:satMod val="200000"/>
-              </a:schemeClr>
-            </a:gs>
-          </a:gsLst>
-          <a:path path="circle">
-            <a:fillToRect l="50000" t="50000" r="50000" b="50000"/>
-          </a:path>
-        </a:gradFill>
-      </a:bgFillStyleLst>
-    </a:fmtScheme>
-  </a:themeElements>
-</a:theme>
 </file>
--- a/Présentation file Rouge.pptx
+++ b/Présentation file Rouge.pptx
@@ -29,49 +29,50 @@
     <p:sldId id="274" r:id="rId24"/>
     <p:sldId id="275" r:id="rId25"/>
     <p:sldId id="276" r:id="rId26"/>
+    <p:sldId id="277" r:id="rId27"/>
   </p:sldIdLst>
   <p:sldSz cy="5143500" cx="9144000"/>
   <p:notesSz cx="6858000" cy="9144000"/>
   <p:embeddedFontLst>
     <p:embeddedFont>
       <p:font typeface="Roboto"/>
-      <p:regular r:id="rId27"/>
-      <p:bold r:id="rId28"/>
-      <p:italic r:id="rId29"/>
-      <p:boldItalic r:id="rId30"/>
+      <p:regular r:id="rId28"/>
+      <p:bold r:id="rId29"/>
+      <p:italic r:id="rId30"/>
+      <p:boldItalic r:id="rId31"/>
     </p:embeddedFont>
     <p:embeddedFont>
       <p:font typeface="Source Code Pro"/>
-      <p:regular r:id="rId31"/>
-      <p:bold r:id="rId32"/>
-      <p:italic r:id="rId33"/>
-      <p:boldItalic r:id="rId34"/>
+      <p:regular r:id="rId32"/>
+      <p:bold r:id="rId33"/>
+      <p:italic r:id="rId34"/>
+      <p:boldItalic r:id="rId35"/>
     </p:embeddedFont>
     <p:embeddedFont>
       <p:font typeface="Fira Sans Extra Condensed Medium"/>
-      <p:regular r:id="rId35"/>
-      <p:bold r:id="rId36"/>
-      <p:italic r:id="rId37"/>
-      <p:boldItalic r:id="rId38"/>
+      <p:regular r:id="rId36"/>
+      <p:bold r:id="rId37"/>
+      <p:italic r:id="rId38"/>
+      <p:boldItalic r:id="rId39"/>
     </p:embeddedFont>
     <p:embeddedFont>
       <p:font typeface="Oswald"/>
-      <p:regular r:id="rId39"/>
-      <p:bold r:id="rId40"/>
+      <p:regular r:id="rId40"/>
+      <p:bold r:id="rId41"/>
     </p:embeddedFont>
     <p:embeddedFont>
       <p:font typeface="Fira Sans Extra Condensed"/>
-      <p:regular r:id="rId41"/>
-      <p:bold r:id="rId42"/>
-      <p:italic r:id="rId43"/>
-      <p:boldItalic r:id="rId44"/>
+      <p:regular r:id="rId42"/>
+      <p:bold r:id="rId43"/>
+      <p:italic r:id="rId44"/>
+      <p:boldItalic r:id="rId45"/>
     </p:embeddedFont>
     <p:embeddedFont>
       <p:font typeface="Fira Sans Extra Condensed SemiBold"/>
-      <p:regular r:id="rId45"/>
-      <p:bold r:id="rId46"/>
-      <p:italic r:id="rId47"/>
-      <p:boldItalic r:id="rId48"/>
+      <p:regular r:id="rId46"/>
+      <p:bold r:id="rId47"/>
+      <p:italic r:id="rId48"/>
+      <p:boldItalic r:id="rId49"/>
     </p:embeddedFont>
   </p:embeddedFontLst>
   <p:defaultTextStyle>
@@ -852,7 +853,7 @@
   <p:cSld>
     <p:spTree>
       <p:nvGrpSpPr>
-        <p:cNvPr id="133" name="Shape 133"/>
+        <p:cNvPr id="131" name="Shape 131"/>
         <p:cNvGrpSpPr/>
         <p:nvPr/>
       </p:nvGrpSpPr>
@@ -866,7 +867,7 @@
       </p:grpSpPr>
       <p:sp>
         <p:nvSpPr>
-          <p:cNvPr id="134" name="Google Shape;134;g2b495975fa6_1_8:notes"/>
+          <p:cNvPr id="132" name="Google Shape;132;g2b495975fa6_1_0:notes"/>
           <p:cNvSpPr/>
           <p:nvPr>
             <p:ph idx="2" type="sldImg"/>
@@ -901,7 +902,7 @@
       </p:sp>
       <p:sp>
         <p:nvSpPr>
-          <p:cNvPr id="135" name="Google Shape;135;g2b495975fa6_1_8:notes"/>
+          <p:cNvPr id="133" name="Google Shape;133;g2b495975fa6_1_0:notes"/>
           <p:cNvSpPr txBox="1"/>
           <p:nvPr>
             <p:ph idx="1" type="body"/>
@@ -922,19 +923,35 @@
           </a:bodyPr>
           <a:lstStyle/>
           <a:p>
-            <a:pPr indent="0" lvl="0" marL="0" rtl="0" algn="l">
-              <a:spcBef>
-                <a:spcPts val="0"/>
-              </a:spcBef>
-              <a:spcAft>
-                <a:spcPts val="0"/>
-              </a:spcAft>
+            <a:pPr indent="0" lvl="0" marL="0" marR="292100" rtl="0" algn="l">
+              <a:lnSpc>
+                <a:spcPct val="115000"/>
+              </a:lnSpc>
+              <a:spcBef>
+                <a:spcPts val="0"/>
+              </a:spcBef>
+              <a:spcAft>
+                <a:spcPts val="0"/>
+              </a:spcAft>
+              <a:buClr>
+                <a:schemeClr val="dk1"/>
+              </a:buClr>
+              <a:buSzPts val="1100"/>
+              <a:buFont typeface="Arial"/>
               <a:buNone/>
             </a:pPr>
             <a:r>
               <a:t/>
             </a:r>
-            <a:endParaRPr/>
+            <a:endParaRPr sz="1200">
+              <a:solidFill>
+                <a:schemeClr val="dk1"/>
+              </a:solidFill>
+              <a:latin typeface="Oswald"/>
+              <a:ea typeface="Oswald"/>
+              <a:cs typeface="Oswald"/>
+              <a:sym typeface="Oswald"/>
+            </a:endParaRPr>
           </a:p>
         </p:txBody>
       </p:sp>
@@ -951,7 +968,7 @@
   <p:cSld>
     <p:spTree>
       <p:nvGrpSpPr>
-        <p:cNvPr id="141" name="Shape 141"/>
+        <p:cNvPr id="139" name="Shape 139"/>
         <p:cNvGrpSpPr/>
         <p:nvPr/>
       </p:nvGrpSpPr>
@@ -965,7 +982,7 @@
       </p:grpSpPr>
       <p:sp>
         <p:nvSpPr>
-          <p:cNvPr id="142" name="Google Shape;142;g1e33c64c1bd_2_40:notes"/>
+          <p:cNvPr id="140" name="Google Shape;140;g2b495975fa6_1_8:notes"/>
           <p:cNvSpPr/>
           <p:nvPr>
             <p:ph idx="2" type="sldImg"/>
@@ -1000,7 +1017,7 @@
       </p:sp>
       <p:sp>
         <p:nvSpPr>
-          <p:cNvPr id="143" name="Google Shape;143;g1e33c64c1bd_2_40:notes"/>
+          <p:cNvPr id="141" name="Google Shape;141;g2b495975fa6_1_8:notes"/>
           <p:cNvSpPr txBox="1"/>
           <p:nvPr>
             <p:ph idx="1" type="body"/>
@@ -1064,7 +1081,7 @@
       </p:grpSpPr>
       <p:sp>
         <p:nvSpPr>
-          <p:cNvPr id="148" name="Google Shape;148;g28eaf715cba_0_111:notes"/>
+          <p:cNvPr id="148" name="Google Shape;148;g1e33c64c1bd_2_40:notes"/>
           <p:cNvSpPr/>
           <p:nvPr>
             <p:ph idx="2" type="sldImg"/>
@@ -1099,7 +1116,7 @@
       </p:sp>
       <p:sp>
         <p:nvSpPr>
-          <p:cNvPr id="149" name="Google Shape;149;g28eaf715cba_0_111:notes"/>
+          <p:cNvPr id="149" name="Google Shape;149;g1e33c64c1bd_2_40:notes"/>
           <p:cNvSpPr txBox="1"/>
           <p:nvPr>
             <p:ph idx="1" type="body"/>
@@ -1149,7 +1166,7 @@
   <p:cSld>
     <p:spTree>
       <p:nvGrpSpPr>
-        <p:cNvPr id="154" name="Shape 154"/>
+        <p:cNvPr id="153" name="Shape 153"/>
         <p:cNvGrpSpPr/>
         <p:nvPr/>
       </p:nvGrpSpPr>
@@ -1163,7 +1180,7 @@
       </p:grpSpPr>
       <p:sp>
         <p:nvSpPr>
-          <p:cNvPr id="155" name="Google Shape;155;g1e33c64c1bd_3_12:notes"/>
+          <p:cNvPr id="154" name="Google Shape;154;g28eaf715cba_0_111:notes"/>
           <p:cNvSpPr/>
           <p:nvPr>
             <p:ph idx="2" type="sldImg"/>
@@ -1198,7 +1215,7 @@
       </p:sp>
       <p:sp>
         <p:nvSpPr>
-          <p:cNvPr id="156" name="Google Shape;156;g1e33c64c1bd_3_12:notes"/>
+          <p:cNvPr id="155" name="Google Shape;155;g28eaf715cba_0_111:notes"/>
           <p:cNvSpPr txBox="1"/>
           <p:nvPr>
             <p:ph idx="1" type="body"/>
@@ -1262,7 +1279,7 @@
       </p:grpSpPr>
       <p:sp>
         <p:nvSpPr>
-          <p:cNvPr id="161" name="Google Shape;161;g28e706656c0_0_18:notes"/>
+          <p:cNvPr id="161" name="Google Shape;161;g1e33c64c1bd_3_12:notes"/>
           <p:cNvSpPr/>
           <p:nvPr>
             <p:ph idx="2" type="sldImg"/>
@@ -1297,7 +1314,7 @@
       </p:sp>
       <p:sp>
         <p:nvSpPr>
-          <p:cNvPr id="162" name="Google Shape;162;g28e706656c0_0_18:notes"/>
+          <p:cNvPr id="162" name="Google Shape;162;g1e33c64c1bd_3_12:notes"/>
           <p:cNvSpPr txBox="1"/>
           <p:nvPr>
             <p:ph idx="1" type="body"/>
@@ -1347,7 +1364,7 @@
   <p:cSld>
     <p:spTree>
       <p:nvGrpSpPr>
-        <p:cNvPr id="173" name="Shape 173"/>
+        <p:cNvPr id="166" name="Shape 166"/>
         <p:cNvGrpSpPr/>
         <p:nvPr/>
       </p:nvGrpSpPr>
@@ -1361,7 +1378,7 @@
       </p:grpSpPr>
       <p:sp>
         <p:nvSpPr>
-          <p:cNvPr id="174" name="Google Shape;174;g28e706656c0_0_207:notes"/>
+          <p:cNvPr id="167" name="Google Shape;167;g28e706656c0_0_18:notes"/>
           <p:cNvSpPr/>
           <p:nvPr>
             <p:ph idx="2" type="sldImg"/>
@@ -1396,7 +1413,7 @@
       </p:sp>
       <p:sp>
         <p:nvSpPr>
-          <p:cNvPr id="175" name="Google Shape;175;g28e706656c0_0_207:notes"/>
+          <p:cNvPr id="168" name="Google Shape;168;g28e706656c0_0_18:notes"/>
           <p:cNvSpPr txBox="1"/>
           <p:nvPr>
             <p:ph idx="1" type="body"/>
@@ -1460,7 +1477,7 @@
       </p:grpSpPr>
       <p:sp>
         <p:nvSpPr>
-          <p:cNvPr id="180" name="Google Shape;180;g28eaf715cba_0_119:notes"/>
+          <p:cNvPr id="180" name="Google Shape;180;g28e706656c0_0_207:notes"/>
           <p:cNvSpPr/>
           <p:nvPr>
             <p:ph idx="2" type="sldImg"/>
@@ -1495,7 +1512,7 @@
       </p:sp>
       <p:sp>
         <p:nvSpPr>
-          <p:cNvPr id="181" name="Google Shape;181;g28eaf715cba_0_119:notes"/>
+          <p:cNvPr id="181" name="Google Shape;181;g28e706656c0_0_207:notes"/>
           <p:cNvSpPr txBox="1"/>
           <p:nvPr>
             <p:ph idx="1" type="body"/>
@@ -1545,7 +1562,7 @@
   <p:cSld>
     <p:spTree>
       <p:nvGrpSpPr>
-        <p:cNvPr id="186" name="Shape 186"/>
+        <p:cNvPr id="185" name="Shape 185"/>
         <p:cNvGrpSpPr/>
         <p:nvPr/>
       </p:nvGrpSpPr>
@@ -1559,7 +1576,7 @@
       </p:grpSpPr>
       <p:sp>
         <p:nvSpPr>
-          <p:cNvPr id="187" name="Google Shape;187;g2b3cebae452_0_10:notes"/>
+          <p:cNvPr id="186" name="Google Shape;186;g28eaf715cba_0_119:notes"/>
           <p:cNvSpPr/>
           <p:nvPr>
             <p:ph idx="2" type="sldImg"/>
@@ -1594,7 +1611,7 @@
       </p:sp>
       <p:sp>
         <p:nvSpPr>
-          <p:cNvPr id="188" name="Google Shape;188;g2b3cebae452_0_10:notes"/>
+          <p:cNvPr id="187" name="Google Shape;187;g28eaf715cba_0_119:notes"/>
           <p:cNvSpPr txBox="1"/>
           <p:nvPr>
             <p:ph idx="1" type="body"/>
@@ -1644,7 +1661,7 @@
   <p:cSld>
     <p:spTree>
       <p:nvGrpSpPr>
-        <p:cNvPr id="193" name="Shape 193"/>
+        <p:cNvPr id="192" name="Shape 192"/>
         <p:cNvGrpSpPr/>
         <p:nvPr/>
       </p:nvGrpSpPr>
@@ -1658,7 +1675,7 @@
       </p:grpSpPr>
       <p:sp>
         <p:nvSpPr>
-          <p:cNvPr id="194" name="Google Shape;194;g2b3cebae452_0_18:notes"/>
+          <p:cNvPr id="193" name="Google Shape;193;g2b3cebae452_0_10:notes"/>
           <p:cNvSpPr/>
           <p:nvPr>
             <p:ph idx="2" type="sldImg"/>
@@ -1693,7 +1710,7 @@
       </p:sp>
       <p:sp>
         <p:nvSpPr>
-          <p:cNvPr id="195" name="Google Shape;195;g2b3cebae452_0_18:notes"/>
+          <p:cNvPr id="194" name="Google Shape;194;g2b3cebae452_0_10:notes"/>
           <p:cNvSpPr txBox="1"/>
           <p:nvPr>
             <p:ph idx="1" type="body"/>
@@ -1743,7 +1760,7 @@
   <p:cSld>
     <p:spTree>
       <p:nvGrpSpPr>
-        <p:cNvPr id="200" name="Shape 200"/>
+        <p:cNvPr id="199" name="Shape 199"/>
         <p:cNvGrpSpPr/>
         <p:nvPr/>
       </p:nvGrpSpPr>
@@ -1757,7 +1774,7 @@
       </p:grpSpPr>
       <p:sp>
         <p:nvSpPr>
-          <p:cNvPr id="201" name="Google Shape;201;g2b3f54f0998_0_1:notes"/>
+          <p:cNvPr id="200" name="Google Shape;200;g2b3cebae452_0_18:notes"/>
           <p:cNvSpPr/>
           <p:nvPr>
             <p:ph idx="2" type="sldImg"/>
@@ -1792,7 +1809,7 @@
       </p:sp>
       <p:sp>
         <p:nvSpPr>
-          <p:cNvPr id="202" name="Google Shape;202;g2b3f54f0998_0_1:notes"/>
+          <p:cNvPr id="201" name="Google Shape;201;g2b3cebae452_0_18:notes"/>
           <p:cNvSpPr txBox="1"/>
           <p:nvPr>
             <p:ph idx="1" type="body"/>
@@ -1951,7 +1968,7 @@
   <p:cSld>
     <p:spTree>
       <p:nvGrpSpPr>
-        <p:cNvPr id="207" name="Shape 207"/>
+        <p:cNvPr id="206" name="Shape 206"/>
         <p:cNvGrpSpPr/>
         <p:nvPr/>
       </p:nvGrpSpPr>
@@ -1965,7 +1982,7 @@
       </p:grpSpPr>
       <p:sp>
         <p:nvSpPr>
-          <p:cNvPr id="208" name="Google Shape;208;g1e33c64c1bd_3_20:notes"/>
+          <p:cNvPr id="207" name="Google Shape;207;g2b3f54f0998_0_1:notes"/>
           <p:cNvSpPr/>
           <p:nvPr>
             <p:ph idx="2" type="sldImg"/>
@@ -2000,7 +2017,7 @@
       </p:sp>
       <p:sp>
         <p:nvSpPr>
-          <p:cNvPr id="209" name="Google Shape;209;g1e33c64c1bd_3_20:notes"/>
+          <p:cNvPr id="208" name="Google Shape;208;g2b3f54f0998_0_1:notes"/>
           <p:cNvSpPr txBox="1"/>
           <p:nvPr>
             <p:ph idx="1" type="body"/>
@@ -2064,7 +2081,7 @@
       </p:grpSpPr>
       <p:sp>
         <p:nvSpPr>
-          <p:cNvPr id="214" name="Google Shape;214;g1e33c64c1bd_2_108:notes"/>
+          <p:cNvPr id="214" name="Google Shape;214;g1e33c64c1bd_3_20:notes"/>
           <p:cNvSpPr/>
           <p:nvPr>
             <p:ph idx="2" type="sldImg"/>
@@ -2099,7 +2116,106 @@
       </p:sp>
       <p:sp>
         <p:nvSpPr>
-          <p:cNvPr id="215" name="Google Shape;215;g1e33c64c1bd_2_108:notes"/>
+          <p:cNvPr id="215" name="Google Shape;215;g1e33c64c1bd_3_20:notes"/>
+          <p:cNvSpPr txBox="1"/>
+          <p:nvPr>
+            <p:ph idx="1" type="body"/>
+          </p:nvPr>
+        </p:nvSpPr>
+        <p:spPr>
+          <a:xfrm>
+            <a:off x="685800" y="4343400"/>
+            <a:ext cx="5486400" cy="4114800"/>
+          </a:xfrm>
+          <a:prstGeom prst="rect">
+            <a:avLst/>
+          </a:prstGeom>
+        </p:spPr>
+        <p:txBody>
+          <a:bodyPr anchorCtr="0" anchor="t" bIns="91425" lIns="91425" spcFirstLastPara="1" rIns="91425" wrap="square" tIns="91425">
+            <a:noAutofit/>
+          </a:bodyPr>
+          <a:lstStyle/>
+          <a:p>
+            <a:pPr indent="0" lvl="0" marL="0" rtl="0" algn="l">
+              <a:spcBef>
+                <a:spcPts val="0"/>
+              </a:spcBef>
+              <a:spcAft>
+                <a:spcPts val="0"/>
+              </a:spcAft>
+              <a:buNone/>
+            </a:pPr>
+            <a:r>
+              <a:t/>
+            </a:r>
+            <a:endParaRPr/>
+          </a:p>
+        </p:txBody>
+      </p:sp>
+    </p:spTree>
+  </p:cSld>
+  <p:clrMapOvr>
+    <a:masterClrMapping/>
+  </p:clrMapOvr>
+</p:notes>
+</file>
+
+<file path=ppt/notesSlides/notesSlide22.xml><?xml version="1.0" encoding="utf-8"?>
+<p:notes xmlns:a="http://schemas.openxmlformats.org/drawingml/2006/main" xmlns:r="http://schemas.openxmlformats.org/officeDocument/2006/relationships" xmlns:mc="http://schemas.openxmlformats.org/markup-compatibility/2006" xmlns:mv="urn:schemas-microsoft-com:mac:vml" xmlns:p="http://schemas.openxmlformats.org/presentationml/2006/main" xmlns:c="http://schemas.openxmlformats.org/drawingml/2006/chart" xmlns:dgm="http://schemas.openxmlformats.org/drawingml/2006/diagram" xmlns:o="urn:schemas-microsoft-com:office:office" xmlns:v="urn:schemas-microsoft-com:vml" xmlns:pvml="urn:schemas-microsoft-com:office:powerpoint" xmlns:com="http://schemas.openxmlformats.org/drawingml/2006/compatibility" xmlns:p14="http://schemas.microsoft.com/office/powerpoint/2010/main" xmlns:p15="http://schemas.microsoft.com/office/powerpoint/2012/main" xmlns:ahyp="http://schemas.microsoft.com/office/drawing/2018/hyperlinkcolor" showMasterPhAnim="0" showMasterSp="0">
+  <p:cSld>
+    <p:spTree>
+      <p:nvGrpSpPr>
+        <p:cNvPr id="219" name="Shape 219"/>
+        <p:cNvGrpSpPr/>
+        <p:nvPr/>
+      </p:nvGrpSpPr>
+      <p:grpSpPr>
+        <a:xfrm>
+          <a:off x="0" y="0"/>
+          <a:ext cx="0" cy="0"/>
+          <a:chOff x="0" y="0"/>
+          <a:chExt cx="0" cy="0"/>
+        </a:xfrm>
+      </p:grpSpPr>
+      <p:sp>
+        <p:nvSpPr>
+          <p:cNvPr id="220" name="Google Shape;220;g1e33c64c1bd_2_108:notes"/>
+          <p:cNvSpPr/>
+          <p:nvPr>
+            <p:ph idx="2" type="sldImg"/>
+          </p:nvPr>
+        </p:nvSpPr>
+        <p:spPr>
+          <a:xfrm>
+            <a:off x="381300" y="685800"/>
+            <a:ext cx="6096000" cy="3429000"/>
+          </a:xfrm>
+          <a:custGeom>
+            <a:rect b="b" l="l" r="r" t="t"/>
+            <a:pathLst>
+              <a:path extrusionOk="0" h="120000" w="120000">
+                <a:moveTo>
+                  <a:pt x="0" y="0"/>
+                </a:moveTo>
+                <a:lnTo>
+                  <a:pt x="120000" y="0"/>
+                </a:lnTo>
+                <a:lnTo>
+                  <a:pt x="120000" y="120000"/>
+                </a:lnTo>
+                <a:lnTo>
+                  <a:pt x="0" y="120000"/>
+                </a:lnTo>
+                <a:close/>
+              </a:path>
+            </a:pathLst>
+          </a:custGeom>
+        </p:spPr>
+      </p:sp>
+      <p:sp>
+        <p:nvSpPr>
+          <p:cNvPr id="221" name="Google Shape;221;g1e33c64c1bd_2_108:notes"/>
           <p:cNvSpPr txBox="1"/>
           <p:nvPr>
             <p:ph idx="1" type="body"/>
@@ -2909,7 +3025,7 @@
       </p:grpSpPr>
       <p:sp>
         <p:nvSpPr>
-          <p:cNvPr id="119" name="Google Shape;119;g1e33c64c1bd_2_30:notes"/>
+          <p:cNvPr id="119" name="Google Shape;119;g2b495975fa6_1_60:notes"/>
           <p:cNvSpPr/>
           <p:nvPr>
             <p:ph idx="2" type="sldImg"/>
@@ -2944,7 +3060,106 @@
       </p:sp>
       <p:sp>
         <p:nvSpPr>
-          <p:cNvPr id="120" name="Google Shape;120;g1e33c64c1bd_2_30:notes"/>
+          <p:cNvPr id="120" name="Google Shape;120;g2b495975fa6_1_60:notes"/>
+          <p:cNvSpPr txBox="1"/>
+          <p:nvPr>
+            <p:ph idx="1" type="body"/>
+          </p:nvPr>
+        </p:nvSpPr>
+        <p:spPr>
+          <a:xfrm>
+            <a:off x="685800" y="4343400"/>
+            <a:ext cx="5486400" cy="4114800"/>
+          </a:xfrm>
+          <a:prstGeom prst="rect">
+            <a:avLst/>
+          </a:prstGeom>
+        </p:spPr>
+        <p:txBody>
+          <a:bodyPr anchorCtr="0" anchor="t" bIns="91425" lIns="91425" spcFirstLastPara="1" rIns="91425" wrap="square" tIns="91425">
+            <a:noAutofit/>
+          </a:bodyPr>
+          <a:lstStyle/>
+          <a:p>
+            <a:pPr indent="0" lvl="0" marL="0" rtl="0" algn="l">
+              <a:spcBef>
+                <a:spcPts val="0"/>
+              </a:spcBef>
+              <a:spcAft>
+                <a:spcPts val="0"/>
+              </a:spcAft>
+              <a:buNone/>
+            </a:pPr>
+            <a:r>
+              <a:t/>
+            </a:r>
+            <a:endParaRPr/>
+          </a:p>
+        </p:txBody>
+      </p:sp>
+    </p:spTree>
+  </p:cSld>
+  <p:clrMapOvr>
+    <a:masterClrMapping/>
+  </p:clrMapOvr>
+</p:notes>
+</file>
+
+<file path=ppt/notesSlides/notesSlide9.xml><?xml version="1.0" encoding="utf-8"?>
+<p:notes xmlns:a="http://schemas.openxmlformats.org/drawingml/2006/main" xmlns:r="http://schemas.openxmlformats.org/officeDocument/2006/relationships" xmlns:mc="http://schemas.openxmlformats.org/markup-compatibility/2006" xmlns:mv="urn:schemas-microsoft-com:mac:vml" xmlns:p="http://schemas.openxmlformats.org/presentationml/2006/main" xmlns:c="http://schemas.openxmlformats.org/drawingml/2006/chart" xmlns:dgm="http://schemas.openxmlformats.org/drawingml/2006/diagram" xmlns:o="urn:schemas-microsoft-com:office:office" xmlns:v="urn:schemas-microsoft-com:vml" xmlns:pvml="urn:schemas-microsoft-com:office:powerpoint" xmlns:com="http://schemas.openxmlformats.org/drawingml/2006/compatibility" xmlns:p14="http://schemas.microsoft.com/office/powerpoint/2010/main" xmlns:p15="http://schemas.microsoft.com/office/powerpoint/2012/main" xmlns:ahyp="http://schemas.microsoft.com/office/drawing/2018/hyperlinkcolor" showMasterPhAnim="0" showMasterSp="0">
+  <p:cSld>
+    <p:spTree>
+      <p:nvGrpSpPr>
+        <p:cNvPr id="124" name="Shape 124"/>
+        <p:cNvGrpSpPr/>
+        <p:nvPr/>
+      </p:nvGrpSpPr>
+      <p:grpSpPr>
+        <a:xfrm>
+          <a:off x="0" y="0"/>
+          <a:ext cx="0" cy="0"/>
+          <a:chOff x="0" y="0"/>
+          <a:chExt cx="0" cy="0"/>
+        </a:xfrm>
+      </p:grpSpPr>
+      <p:sp>
+        <p:nvSpPr>
+          <p:cNvPr id="125" name="Google Shape;125;g1e33c64c1bd_2_30:notes"/>
+          <p:cNvSpPr/>
+          <p:nvPr>
+            <p:ph idx="2" type="sldImg"/>
+          </p:nvPr>
+        </p:nvSpPr>
+        <p:spPr>
+          <a:xfrm>
+            <a:off x="381300" y="685800"/>
+            <a:ext cx="6096000" cy="3429000"/>
+          </a:xfrm>
+          <a:custGeom>
+            <a:rect b="b" l="l" r="r" t="t"/>
+            <a:pathLst>
+              <a:path extrusionOk="0" h="120000" w="120000">
+                <a:moveTo>
+                  <a:pt x="0" y="0"/>
+                </a:moveTo>
+                <a:lnTo>
+                  <a:pt x="120000" y="0"/>
+                </a:lnTo>
+                <a:lnTo>
+                  <a:pt x="120000" y="120000"/>
+                </a:lnTo>
+                <a:lnTo>
+                  <a:pt x="0" y="120000"/>
+                </a:lnTo>
+                <a:close/>
+              </a:path>
+            </a:pathLst>
+          </a:custGeom>
+        </p:spPr>
+      </p:sp>
+      <p:sp>
+        <p:nvSpPr>
+          <p:cNvPr id="126" name="Google Shape;126;g1e33c64c1bd_2_30:notes"/>
           <p:cNvSpPr txBox="1"/>
           <p:nvPr>
             <p:ph idx="1" type="body"/>
@@ -3035,121 +3250,6 @@
               <a:t>Les étapes de design thinking : </a:t>
             </a:r>
             <a:endParaRPr/>
-          </a:p>
-        </p:txBody>
-      </p:sp>
-    </p:spTree>
-  </p:cSld>
-  <p:clrMapOvr>
-    <a:masterClrMapping/>
-  </p:clrMapOvr>
-</p:notes>
-</file>
-
-<file path=ppt/notesSlides/notesSlide9.xml><?xml version="1.0" encoding="utf-8"?>
-<p:notes xmlns:a="http://schemas.openxmlformats.org/drawingml/2006/main" xmlns:r="http://schemas.openxmlformats.org/officeDocument/2006/relationships" xmlns:mc="http://schemas.openxmlformats.org/markup-compatibility/2006" xmlns:mv="urn:schemas-microsoft-com:mac:vml" xmlns:p="http://schemas.openxmlformats.org/presentationml/2006/main" xmlns:c="http://schemas.openxmlformats.org/drawingml/2006/chart" xmlns:dgm="http://schemas.openxmlformats.org/drawingml/2006/diagram" xmlns:o="urn:schemas-microsoft-com:office:office" xmlns:v="urn:schemas-microsoft-com:vml" xmlns:pvml="urn:schemas-microsoft-com:office:powerpoint" xmlns:com="http://schemas.openxmlformats.org/drawingml/2006/compatibility" xmlns:p14="http://schemas.microsoft.com/office/powerpoint/2010/main" xmlns:p15="http://schemas.microsoft.com/office/powerpoint/2012/main" xmlns:ahyp="http://schemas.microsoft.com/office/drawing/2018/hyperlinkcolor" showMasterPhAnim="0" showMasterSp="0">
-  <p:cSld>
-    <p:spTree>
-      <p:nvGrpSpPr>
-        <p:cNvPr id="125" name="Shape 125"/>
-        <p:cNvGrpSpPr/>
-        <p:nvPr/>
-      </p:nvGrpSpPr>
-      <p:grpSpPr>
-        <a:xfrm>
-          <a:off x="0" y="0"/>
-          <a:ext cx="0" cy="0"/>
-          <a:chOff x="0" y="0"/>
-          <a:chExt cx="0" cy="0"/>
-        </a:xfrm>
-      </p:grpSpPr>
-      <p:sp>
-        <p:nvSpPr>
-          <p:cNvPr id="126" name="Google Shape;126;g2b495975fa6_1_0:notes"/>
-          <p:cNvSpPr/>
-          <p:nvPr>
-            <p:ph idx="2" type="sldImg"/>
-          </p:nvPr>
-        </p:nvSpPr>
-        <p:spPr>
-          <a:xfrm>
-            <a:off x="381300" y="685800"/>
-            <a:ext cx="6096000" cy="3429000"/>
-          </a:xfrm>
-          <a:custGeom>
-            <a:rect b="b" l="l" r="r" t="t"/>
-            <a:pathLst>
-              <a:path extrusionOk="0" h="120000" w="120000">
-                <a:moveTo>
-                  <a:pt x="0" y="0"/>
-                </a:moveTo>
-                <a:lnTo>
-                  <a:pt x="120000" y="0"/>
-                </a:lnTo>
-                <a:lnTo>
-                  <a:pt x="120000" y="120000"/>
-                </a:lnTo>
-                <a:lnTo>
-                  <a:pt x="0" y="120000"/>
-                </a:lnTo>
-                <a:close/>
-              </a:path>
-            </a:pathLst>
-          </a:custGeom>
-        </p:spPr>
-      </p:sp>
-      <p:sp>
-        <p:nvSpPr>
-          <p:cNvPr id="127" name="Google Shape;127;g2b495975fa6_1_0:notes"/>
-          <p:cNvSpPr txBox="1"/>
-          <p:nvPr>
-            <p:ph idx="1" type="body"/>
-          </p:nvPr>
-        </p:nvSpPr>
-        <p:spPr>
-          <a:xfrm>
-            <a:off x="685800" y="4343400"/>
-            <a:ext cx="5486400" cy="4114800"/>
-          </a:xfrm>
-          <a:prstGeom prst="rect">
-            <a:avLst/>
-          </a:prstGeom>
-        </p:spPr>
-        <p:txBody>
-          <a:bodyPr anchorCtr="0" anchor="t" bIns="91425" lIns="91425" spcFirstLastPara="1" rIns="91425" wrap="square" tIns="91425">
-            <a:noAutofit/>
-          </a:bodyPr>
-          <a:lstStyle/>
-          <a:p>
-            <a:pPr indent="0" lvl="0" marL="0" marR="292100" rtl="0" algn="l">
-              <a:lnSpc>
-                <a:spcPct val="115000"/>
-              </a:lnSpc>
-              <a:spcBef>
-                <a:spcPts val="0"/>
-              </a:spcBef>
-              <a:spcAft>
-                <a:spcPts val="0"/>
-              </a:spcAft>
-              <a:buClr>
-                <a:schemeClr val="dk1"/>
-              </a:buClr>
-              <a:buSzPts val="1100"/>
-              <a:buFont typeface="Arial"/>
-              <a:buNone/>
-            </a:pPr>
-            <a:r>
-              <a:t/>
-            </a:r>
-            <a:endParaRPr sz="1200">
-              <a:solidFill>
-                <a:schemeClr val="dk1"/>
-              </a:solidFill>
-              <a:latin typeface="Oswald"/>
-              <a:ea typeface="Oswald"/>
-              <a:cs typeface="Oswald"/>
-              <a:sym typeface="Oswald"/>
-            </a:endParaRPr>
           </a:p>
         </p:txBody>
       </p:sp>
@@ -8519,7 +8619,7 @@
   <p:cSld>
     <p:spTree>
       <p:nvGrpSpPr>
-        <p:cNvPr id="136" name="Shape 136"/>
+        <p:cNvPr id="134" name="Shape 134"/>
         <p:cNvGrpSpPr/>
         <p:nvPr/>
       </p:nvGrpSpPr>
@@ -8533,7 +8633,7 @@
       </p:grpSpPr>
       <p:sp>
         <p:nvSpPr>
-          <p:cNvPr id="137" name="Google Shape;137;p22"/>
+          <p:cNvPr id="135" name="Google Shape;135;p22"/>
           <p:cNvSpPr txBox="1"/>
           <p:nvPr>
             <p:ph idx="12" type="sldNum"/>
@@ -8573,7 +8673,199 @@
       </p:sp>
       <p:sp>
         <p:nvSpPr>
+          <p:cNvPr id="136" name="Google Shape;136;p22"/>
+          <p:cNvSpPr txBox="1"/>
+          <p:nvPr>
+            <p:ph type="title"/>
+          </p:nvPr>
+        </p:nvSpPr>
+        <p:spPr>
+          <a:xfrm>
+            <a:off x="235500" y="29600"/>
+            <a:ext cx="7485000" cy="523500"/>
+          </a:xfrm>
+          <a:prstGeom prst="rect">
+            <a:avLst/>
+          </a:prstGeom>
+        </p:spPr>
+        <p:txBody>
+          <a:bodyPr anchorCtr="0" anchor="b" bIns="91425" lIns="91425" spcFirstLastPara="1" rIns="91425" wrap="square" tIns="91425">
+            <a:normAutofit/>
+          </a:bodyPr>
+          <a:lstStyle/>
+          <a:p>
+            <a:pPr indent="0" lvl="0" marL="0" rtl="0" algn="l">
+              <a:spcBef>
+                <a:spcPts val="0"/>
+              </a:spcBef>
+              <a:spcAft>
+                <a:spcPts val="0"/>
+              </a:spcAft>
+              <a:buNone/>
+            </a:pPr>
+            <a:r>
+              <a:rPr lang="fr">
+                <a:solidFill>
+                  <a:schemeClr val="lt1"/>
+                </a:solidFill>
+              </a:rPr>
+              <a:t>Définir le problème </a:t>
+            </a:r>
+            <a:endParaRPr>
+              <a:solidFill>
+                <a:schemeClr val="lt1"/>
+              </a:solidFill>
+            </a:endParaRPr>
+          </a:p>
+        </p:txBody>
+      </p:sp>
+      <p:sp>
+        <p:nvSpPr>
+          <p:cNvPr id="137" name="Google Shape;137;p22"/>
+          <p:cNvSpPr/>
+          <p:nvPr/>
+        </p:nvSpPr>
+        <p:spPr>
+          <a:xfrm>
+            <a:off x="4838700" y="1302075"/>
+            <a:ext cx="1650300" cy="393600"/>
+          </a:xfrm>
+          <a:prstGeom prst="rect">
+            <a:avLst/>
+          </a:prstGeom>
+          <a:solidFill>
+            <a:srgbClr val="CFE2F3"/>
+          </a:solidFill>
+          <a:ln>
+            <a:noFill/>
+          </a:ln>
+        </p:spPr>
+        <p:txBody>
+          <a:bodyPr anchorCtr="0" anchor="ctr" bIns="91425" lIns="91425" spcFirstLastPara="1" rIns="91425" wrap="square" tIns="91425">
+            <a:noAutofit/>
+          </a:bodyPr>
+          <a:lstStyle/>
+          <a:p>
+            <a:pPr indent="0" lvl="0" marL="0" rtl="0" algn="ctr">
+              <a:spcBef>
+                <a:spcPts val="0"/>
+              </a:spcBef>
+              <a:spcAft>
+                <a:spcPts val="0"/>
+              </a:spcAft>
+              <a:buNone/>
+            </a:pPr>
+            <a:r>
+              <a:t/>
+            </a:r>
+            <a:endParaRPr>
+              <a:solidFill>
+                <a:schemeClr val="accent1"/>
+              </a:solidFill>
+              <a:latin typeface="Roboto"/>
+              <a:ea typeface="Roboto"/>
+              <a:cs typeface="Roboto"/>
+              <a:sym typeface="Roboto"/>
+            </a:endParaRPr>
+          </a:p>
+        </p:txBody>
+      </p:sp>
+      <p:pic>
+        <p:nvPicPr>
           <p:cNvPr id="138" name="Google Shape;138;p22"/>
+          <p:cNvPicPr preferRelativeResize="0"/>
+          <p:nvPr/>
+        </p:nvPicPr>
+        <p:blipFill>
+          <a:blip r:embed="rId3">
+            <a:alphaModFix/>
+          </a:blip>
+          <a:stretch>
+            <a:fillRect/>
+          </a:stretch>
+        </p:blipFill>
+        <p:spPr>
+          <a:xfrm>
+            <a:off x="2743200" y="1148400"/>
+            <a:ext cx="3620550" cy="3620550"/>
+          </a:xfrm>
+          <a:prstGeom prst="rect">
+            <a:avLst/>
+          </a:prstGeom>
+          <a:noFill/>
+          <a:ln>
+            <a:noFill/>
+          </a:ln>
+        </p:spPr>
+      </p:pic>
+    </p:spTree>
+  </p:cSld>
+  <p:clrMapOvr>
+    <a:masterClrMapping/>
+  </p:clrMapOvr>
+</p:sld>
+</file>
+
+<file path=ppt/slides/slide11.xml><?xml version="1.0" encoding="utf-8"?>
+<p:sld xmlns:a="http://schemas.openxmlformats.org/drawingml/2006/main" xmlns:r="http://schemas.openxmlformats.org/officeDocument/2006/relationships" xmlns:mc="http://schemas.openxmlformats.org/markup-compatibility/2006" xmlns:mv="urn:schemas-microsoft-com:mac:vml" xmlns:p="http://schemas.openxmlformats.org/presentationml/2006/main" xmlns:c="http://schemas.openxmlformats.org/drawingml/2006/chart" xmlns:dgm="http://schemas.openxmlformats.org/drawingml/2006/diagram" xmlns:o="urn:schemas-microsoft-com:office:office" xmlns:v="urn:schemas-microsoft-com:vml" xmlns:pvml="urn:schemas-microsoft-com:office:powerpoint" xmlns:com="http://schemas.openxmlformats.org/drawingml/2006/compatibility" xmlns:p14="http://schemas.microsoft.com/office/powerpoint/2010/main" xmlns:p15="http://schemas.microsoft.com/office/powerpoint/2012/main" xmlns:ahyp="http://schemas.microsoft.com/office/drawing/2018/hyperlinkcolor">
+  <p:cSld>
+    <p:spTree>
+      <p:nvGrpSpPr>
+        <p:cNvPr id="142" name="Shape 142"/>
+        <p:cNvGrpSpPr/>
+        <p:nvPr/>
+      </p:nvGrpSpPr>
+      <p:grpSpPr>
+        <a:xfrm>
+          <a:off x="0" y="0"/>
+          <a:ext cx="0" cy="0"/>
+          <a:chOff x="0" y="0"/>
+          <a:chExt cx="0" cy="0"/>
+        </a:xfrm>
+      </p:grpSpPr>
+      <p:sp>
+        <p:nvSpPr>
+          <p:cNvPr id="143" name="Google Shape;143;p23"/>
+          <p:cNvSpPr txBox="1"/>
+          <p:nvPr>
+            <p:ph idx="12" type="sldNum"/>
+          </p:nvPr>
+        </p:nvSpPr>
+        <p:spPr>
+          <a:xfrm>
+            <a:off x="8472458" y="4663217"/>
+            <a:ext cx="548700" cy="393600"/>
+          </a:xfrm>
+          <a:prstGeom prst="rect">
+            <a:avLst/>
+          </a:prstGeom>
+        </p:spPr>
+        <p:txBody>
+          <a:bodyPr anchorCtr="0" anchor="ctr" bIns="91425" lIns="91425" spcFirstLastPara="1" rIns="91425" wrap="square" tIns="91425">
+            <a:normAutofit/>
+          </a:bodyPr>
+          <a:lstStyle/>
+          <a:p>
+            <a:pPr indent="0" lvl="0" marL="0" rtl="0" algn="r">
+              <a:spcBef>
+                <a:spcPts val="0"/>
+              </a:spcBef>
+              <a:spcAft>
+                <a:spcPts val="0"/>
+              </a:spcAft>
+              <a:buNone/>
+            </a:pPr>
+            <a:fld id="{00000000-1234-1234-1234-123412341234}" type="slidenum">
+              <a:rPr lang="fr"/>
+              <a:t>‹#›</a:t>
+            </a:fld>
+            <a:endParaRPr/>
+          </a:p>
+        </p:txBody>
+      </p:sp>
+      <p:sp>
+        <p:nvSpPr>
+          <p:cNvPr id="144" name="Google Shape;144;p23"/>
           <p:cNvSpPr txBox="1"/>
           <p:nvPr>
             <p:ph type="title"/>
@@ -8621,7 +8913,7 @@
       </p:sp>
       <p:sp>
         <p:nvSpPr>
-          <p:cNvPr id="139" name="Google Shape;139;p22"/>
+          <p:cNvPr id="145" name="Google Shape;145;p23"/>
           <p:cNvSpPr/>
           <p:nvPr/>
         </p:nvSpPr>
@@ -8669,7 +8961,7 @@
       </p:sp>
       <p:pic>
         <p:nvPicPr>
-          <p:cNvPr id="140" name="Google Shape;140;p22"/>
+          <p:cNvPr id="146" name="Google Shape;146;p23"/>
           <p:cNvPicPr preferRelativeResize="0"/>
           <p:nvPr/>
         </p:nvPicPr>
@@ -8695,111 +8987,6 @@
           </a:ln>
         </p:spPr>
       </p:pic>
-    </p:spTree>
-  </p:cSld>
-  <p:clrMapOvr>
-    <a:masterClrMapping/>
-  </p:clrMapOvr>
-</p:sld>
-</file>
-
-<file path=ppt/slides/slide11.xml><?xml version="1.0" encoding="utf-8"?>
-<p:sld xmlns:a="http://schemas.openxmlformats.org/drawingml/2006/main" xmlns:r="http://schemas.openxmlformats.org/officeDocument/2006/relationships" xmlns:mc="http://schemas.openxmlformats.org/markup-compatibility/2006" xmlns:mv="urn:schemas-microsoft-com:mac:vml" xmlns:p="http://schemas.openxmlformats.org/presentationml/2006/main" xmlns:c="http://schemas.openxmlformats.org/drawingml/2006/chart" xmlns:dgm="http://schemas.openxmlformats.org/drawingml/2006/diagram" xmlns:o="urn:schemas-microsoft-com:office:office" xmlns:v="urn:schemas-microsoft-com:vml" xmlns:pvml="urn:schemas-microsoft-com:office:powerpoint" xmlns:com="http://schemas.openxmlformats.org/drawingml/2006/compatibility" xmlns:p14="http://schemas.microsoft.com/office/powerpoint/2010/main" xmlns:p15="http://schemas.microsoft.com/office/powerpoint/2012/main" xmlns:ahyp="http://schemas.microsoft.com/office/drawing/2018/hyperlinkcolor">
-  <p:cSld>
-    <p:spTree>
-      <p:nvGrpSpPr>
-        <p:cNvPr id="144" name="Shape 144"/>
-        <p:cNvGrpSpPr/>
-        <p:nvPr/>
-      </p:nvGrpSpPr>
-      <p:grpSpPr>
-        <a:xfrm>
-          <a:off x="0" y="0"/>
-          <a:ext cx="0" cy="0"/>
-          <a:chOff x="0" y="0"/>
-          <a:chExt cx="0" cy="0"/>
-        </a:xfrm>
-      </p:grpSpPr>
-      <p:sp>
-        <p:nvSpPr>
-          <p:cNvPr id="145" name="Google Shape;145;p23"/>
-          <p:cNvSpPr txBox="1"/>
-          <p:nvPr>
-            <p:ph type="title"/>
-          </p:nvPr>
-        </p:nvSpPr>
-        <p:spPr>
-          <a:xfrm>
-            <a:off x="347750" y="1948550"/>
-            <a:ext cx="8673300" cy="667200"/>
-          </a:xfrm>
-          <a:prstGeom prst="rect">
-            <a:avLst/>
-          </a:prstGeom>
-        </p:spPr>
-        <p:txBody>
-          <a:bodyPr anchorCtr="0" anchor="ctr" bIns="91425" lIns="91425" spcFirstLastPara="1" rIns="91425" wrap="square" tIns="91425">
-            <a:normAutofit/>
-          </a:bodyPr>
-          <a:lstStyle/>
-          <a:p>
-            <a:pPr indent="0" lvl="0" marL="0" rtl="0" algn="ctr">
-              <a:spcBef>
-                <a:spcPts val="0"/>
-              </a:spcBef>
-              <a:spcAft>
-                <a:spcPts val="0"/>
-              </a:spcAft>
-              <a:buNone/>
-            </a:pPr>
-            <a:r>
-              <a:rPr lang="fr"/>
-              <a:t>04- Planification</a:t>
-            </a:r>
-            <a:endParaRPr/>
-          </a:p>
-        </p:txBody>
-      </p:sp>
-      <p:sp>
-        <p:nvSpPr>
-          <p:cNvPr id="146" name="Google Shape;146;p23"/>
-          <p:cNvSpPr txBox="1"/>
-          <p:nvPr>
-            <p:ph idx="12" type="sldNum"/>
-          </p:nvPr>
-        </p:nvSpPr>
-        <p:spPr>
-          <a:xfrm>
-            <a:off x="8472458" y="4663217"/>
-            <a:ext cx="548700" cy="393600"/>
-          </a:xfrm>
-          <a:prstGeom prst="rect">
-            <a:avLst/>
-          </a:prstGeom>
-        </p:spPr>
-        <p:txBody>
-          <a:bodyPr anchorCtr="0" anchor="ctr" bIns="91425" lIns="91425" spcFirstLastPara="1" rIns="91425" wrap="square" tIns="91425">
-            <a:normAutofit/>
-          </a:bodyPr>
-          <a:lstStyle/>
-          <a:p>
-            <a:pPr indent="0" lvl="0" marL="0" rtl="0" algn="r">
-              <a:spcBef>
-                <a:spcPts val="0"/>
-              </a:spcBef>
-              <a:spcAft>
-                <a:spcPts val="0"/>
-              </a:spcAft>
-              <a:buNone/>
-            </a:pPr>
-            <a:fld id="{00000000-1234-1234-1234-123412341234}" type="slidenum">
-              <a:rPr lang="fr"/>
-              <a:t>‹#›</a:t>
-            </a:fld>
-            <a:endParaRPr/>
-          </a:p>
-        </p:txBody>
-      </p:sp>
     </p:spTree>
   </p:cSld>
   <p:clrMapOvr>
@@ -8830,6 +9017,46 @@
           <p:cNvPr id="151" name="Google Shape;151;p24"/>
           <p:cNvSpPr txBox="1"/>
           <p:nvPr>
+            <p:ph type="title"/>
+          </p:nvPr>
+        </p:nvSpPr>
+        <p:spPr>
+          <a:xfrm>
+            <a:off x="347750" y="1948550"/>
+            <a:ext cx="8673300" cy="667200"/>
+          </a:xfrm>
+          <a:prstGeom prst="rect">
+            <a:avLst/>
+          </a:prstGeom>
+        </p:spPr>
+        <p:txBody>
+          <a:bodyPr anchorCtr="0" anchor="ctr" bIns="91425" lIns="91425" spcFirstLastPara="1" rIns="91425" wrap="square" tIns="91425">
+            <a:normAutofit/>
+          </a:bodyPr>
+          <a:lstStyle/>
+          <a:p>
+            <a:pPr indent="0" lvl="0" marL="0" rtl="0" algn="ctr">
+              <a:spcBef>
+                <a:spcPts val="0"/>
+              </a:spcBef>
+              <a:spcAft>
+                <a:spcPts val="0"/>
+              </a:spcAft>
+              <a:buNone/>
+            </a:pPr>
+            <a:r>
+              <a:rPr lang="fr"/>
+              <a:t>04- Planification</a:t>
+            </a:r>
+            <a:endParaRPr/>
+          </a:p>
+        </p:txBody>
+      </p:sp>
+      <p:sp>
+        <p:nvSpPr>
+          <p:cNvPr id="152" name="Google Shape;152;p24"/>
+          <p:cNvSpPr txBox="1"/>
+          <p:nvPr>
             <p:ph idx="12" type="sldNum"/>
           </p:nvPr>
         </p:nvSpPr>
@@ -8865,74 +9092,6 @@
           </a:p>
         </p:txBody>
       </p:sp>
-      <p:sp>
-        <p:nvSpPr>
-          <p:cNvPr id="152" name="Google Shape;152;p24"/>
-          <p:cNvSpPr txBox="1"/>
-          <p:nvPr>
-            <p:ph type="title"/>
-          </p:nvPr>
-        </p:nvSpPr>
-        <p:spPr>
-          <a:xfrm>
-            <a:off x="235500" y="29600"/>
-            <a:ext cx="7485000" cy="523500"/>
-          </a:xfrm>
-          <a:prstGeom prst="rect">
-            <a:avLst/>
-          </a:prstGeom>
-        </p:spPr>
-        <p:txBody>
-          <a:bodyPr anchorCtr="0" anchor="b" bIns="91425" lIns="91425" spcFirstLastPara="1" rIns="91425" wrap="square" tIns="91425">
-            <a:normAutofit/>
-          </a:bodyPr>
-          <a:lstStyle/>
-          <a:p>
-            <a:pPr indent="0" lvl="0" marL="0" rtl="0" algn="l">
-              <a:spcBef>
-                <a:spcPts val="0"/>
-              </a:spcBef>
-              <a:spcAft>
-                <a:spcPts val="0"/>
-              </a:spcAft>
-              <a:buNone/>
-            </a:pPr>
-            <a:r>
-              <a:rPr lang="fr"/>
-              <a:t>Diagramme de cas d’utilisation</a:t>
-            </a:r>
-            <a:endParaRPr/>
-          </a:p>
-        </p:txBody>
-      </p:sp>
-      <p:pic>
-        <p:nvPicPr>
-          <p:cNvPr id="153" name="Google Shape;153;p24"/>
-          <p:cNvPicPr preferRelativeResize="0"/>
-          <p:nvPr/>
-        </p:nvPicPr>
-        <p:blipFill>
-          <a:blip r:embed="rId3">
-            <a:alphaModFix/>
-          </a:blip>
-          <a:stretch>
-            <a:fillRect/>
-          </a:stretch>
-        </p:blipFill>
-        <p:spPr>
-          <a:xfrm>
-            <a:off x="439625" y="909325"/>
-            <a:ext cx="7807555" cy="3918900"/>
-          </a:xfrm>
-          <a:prstGeom prst="rect">
-            <a:avLst/>
-          </a:prstGeom>
-          <a:noFill/>
-          <a:ln>
-            <a:noFill/>
-          </a:ln>
-        </p:spPr>
-      </p:pic>
     </p:spTree>
   </p:cSld>
   <p:clrMapOvr>
@@ -8946,7 +9105,7 @@
   <p:cSld>
     <p:spTree>
       <p:nvGrpSpPr>
-        <p:cNvPr id="157" name="Shape 157"/>
+        <p:cNvPr id="156" name="Shape 156"/>
         <p:cNvGrpSpPr/>
         <p:nvPr/>
       </p:nvGrpSpPr>
@@ -8960,7 +9119,7 @@
       </p:grpSpPr>
       <p:sp>
         <p:nvSpPr>
-          <p:cNvPr id="158" name="Google Shape;158;p25"/>
+          <p:cNvPr id="157" name="Google Shape;157;p25"/>
           <p:cNvSpPr txBox="1"/>
           <p:nvPr>
             <p:ph idx="12" type="sldNum"/>
@@ -9000,7 +9159,7 @@
       </p:sp>
       <p:sp>
         <p:nvSpPr>
-          <p:cNvPr id="159" name="Google Shape;159;p25"/>
+          <p:cNvPr id="158" name="Google Shape;158;p25"/>
           <p:cNvSpPr txBox="1"/>
           <p:nvPr>
             <p:ph type="title"/>
@@ -9008,20 +9167,20 @@
         </p:nvSpPr>
         <p:spPr>
           <a:xfrm>
-            <a:off x="347750" y="1948550"/>
-            <a:ext cx="8673300" cy="667200"/>
+            <a:off x="235500" y="29600"/>
+            <a:ext cx="7485000" cy="523500"/>
           </a:xfrm>
           <a:prstGeom prst="rect">
             <a:avLst/>
           </a:prstGeom>
         </p:spPr>
         <p:txBody>
-          <a:bodyPr anchorCtr="0" anchor="ctr" bIns="91425" lIns="91425" spcFirstLastPara="1" rIns="91425" wrap="square" tIns="91425">
+          <a:bodyPr anchorCtr="0" anchor="b" bIns="91425" lIns="91425" spcFirstLastPara="1" rIns="91425" wrap="square" tIns="91425">
             <a:normAutofit/>
           </a:bodyPr>
           <a:lstStyle/>
           <a:p>
-            <a:pPr indent="0" lvl="0" marL="0" rtl="0" algn="ctr">
+            <a:pPr indent="0" lvl="0" marL="0" rtl="0" algn="l">
               <a:spcBef>
                 <a:spcPts val="0"/>
               </a:spcBef>
@@ -9032,12 +9191,40 @@
             </a:pPr>
             <a:r>
               <a:rPr lang="fr"/>
-              <a:t>05- Branche technique </a:t>
+              <a:t>Diagramme de cas d’utilisation</a:t>
             </a:r>
             <a:endParaRPr/>
           </a:p>
         </p:txBody>
       </p:sp>
+      <p:pic>
+        <p:nvPicPr>
+          <p:cNvPr id="159" name="Google Shape;159;p25"/>
+          <p:cNvPicPr preferRelativeResize="0"/>
+          <p:nvPr/>
+        </p:nvPicPr>
+        <p:blipFill>
+          <a:blip r:embed="rId3">
+            <a:alphaModFix/>
+          </a:blip>
+          <a:stretch>
+            <a:fillRect/>
+          </a:stretch>
+        </p:blipFill>
+        <p:spPr>
+          <a:xfrm>
+            <a:off x="439625" y="909325"/>
+            <a:ext cx="7807555" cy="3918900"/>
+          </a:xfrm>
+          <a:prstGeom prst="rect">
+            <a:avLst/>
+          </a:prstGeom>
+          <a:noFill/>
+          <a:ln>
+            <a:noFill/>
+          </a:ln>
+        </p:spPr>
+      </p:pic>
     </p:spTree>
   </p:cSld>
   <p:clrMapOvr>
@@ -9068,6 +9255,111 @@
           <p:cNvPr id="164" name="Google Shape;164;p26"/>
           <p:cNvSpPr txBox="1"/>
           <p:nvPr>
+            <p:ph idx="12" type="sldNum"/>
+          </p:nvPr>
+        </p:nvSpPr>
+        <p:spPr>
+          <a:xfrm>
+            <a:off x="8472458" y="4663217"/>
+            <a:ext cx="548700" cy="393600"/>
+          </a:xfrm>
+          <a:prstGeom prst="rect">
+            <a:avLst/>
+          </a:prstGeom>
+        </p:spPr>
+        <p:txBody>
+          <a:bodyPr anchorCtr="0" anchor="ctr" bIns="91425" lIns="91425" spcFirstLastPara="1" rIns="91425" wrap="square" tIns="91425">
+            <a:normAutofit/>
+          </a:bodyPr>
+          <a:lstStyle/>
+          <a:p>
+            <a:pPr indent="0" lvl="0" marL="0" rtl="0" algn="r">
+              <a:spcBef>
+                <a:spcPts val="0"/>
+              </a:spcBef>
+              <a:spcAft>
+                <a:spcPts val="0"/>
+              </a:spcAft>
+              <a:buNone/>
+            </a:pPr>
+            <a:fld id="{00000000-1234-1234-1234-123412341234}" type="slidenum">
+              <a:rPr lang="fr"/>
+              <a:t>‹#›</a:t>
+            </a:fld>
+            <a:endParaRPr/>
+          </a:p>
+        </p:txBody>
+      </p:sp>
+      <p:sp>
+        <p:nvSpPr>
+          <p:cNvPr id="165" name="Google Shape;165;p26"/>
+          <p:cNvSpPr txBox="1"/>
+          <p:nvPr>
+            <p:ph type="title"/>
+          </p:nvPr>
+        </p:nvSpPr>
+        <p:spPr>
+          <a:xfrm>
+            <a:off x="347750" y="1948550"/>
+            <a:ext cx="8673300" cy="667200"/>
+          </a:xfrm>
+          <a:prstGeom prst="rect">
+            <a:avLst/>
+          </a:prstGeom>
+        </p:spPr>
+        <p:txBody>
+          <a:bodyPr anchorCtr="0" anchor="ctr" bIns="91425" lIns="91425" spcFirstLastPara="1" rIns="91425" wrap="square" tIns="91425">
+            <a:normAutofit/>
+          </a:bodyPr>
+          <a:lstStyle/>
+          <a:p>
+            <a:pPr indent="0" lvl="0" marL="0" rtl="0" algn="ctr">
+              <a:spcBef>
+                <a:spcPts val="0"/>
+              </a:spcBef>
+              <a:spcAft>
+                <a:spcPts val="0"/>
+              </a:spcAft>
+              <a:buNone/>
+            </a:pPr>
+            <a:r>
+              <a:rPr lang="fr"/>
+              <a:t>05- Branche technique </a:t>
+            </a:r>
+            <a:endParaRPr/>
+          </a:p>
+        </p:txBody>
+      </p:sp>
+    </p:spTree>
+  </p:cSld>
+  <p:clrMapOvr>
+    <a:masterClrMapping/>
+  </p:clrMapOvr>
+</p:sld>
+</file>
+
+<file path=ppt/slides/slide15.xml><?xml version="1.0" encoding="utf-8"?>
+<p:sld xmlns:a="http://schemas.openxmlformats.org/drawingml/2006/main" xmlns:r="http://schemas.openxmlformats.org/officeDocument/2006/relationships" xmlns:mc="http://schemas.openxmlformats.org/markup-compatibility/2006" xmlns:mv="urn:schemas-microsoft-com:mac:vml" xmlns:p="http://schemas.openxmlformats.org/presentationml/2006/main" xmlns:c="http://schemas.openxmlformats.org/drawingml/2006/chart" xmlns:dgm="http://schemas.openxmlformats.org/drawingml/2006/diagram" xmlns:o="urn:schemas-microsoft-com:office:office" xmlns:v="urn:schemas-microsoft-com:vml" xmlns:pvml="urn:schemas-microsoft-com:office:powerpoint" xmlns:com="http://schemas.openxmlformats.org/drawingml/2006/compatibility" xmlns:p14="http://schemas.microsoft.com/office/powerpoint/2010/main" xmlns:p15="http://schemas.microsoft.com/office/powerpoint/2012/main" xmlns:ahyp="http://schemas.microsoft.com/office/drawing/2018/hyperlinkcolor">
+  <p:cSld>
+    <p:spTree>
+      <p:nvGrpSpPr>
+        <p:cNvPr id="169" name="Shape 169"/>
+        <p:cNvGrpSpPr/>
+        <p:nvPr/>
+      </p:nvGrpSpPr>
+      <p:grpSpPr>
+        <a:xfrm>
+          <a:off x="0" y="0"/>
+          <a:ext cx="0" cy="0"/>
+          <a:chOff x="0" y="0"/>
+          <a:chExt cx="0" cy="0"/>
+        </a:xfrm>
+      </p:grpSpPr>
+      <p:sp>
+        <p:nvSpPr>
+          <p:cNvPr id="170" name="Google Shape;170;p27"/>
+          <p:cNvSpPr txBox="1"/>
+          <p:nvPr>
             <p:ph type="title"/>
           </p:nvPr>
         </p:nvSpPr>
@@ -9105,7 +9397,7 @@
       </p:sp>
       <p:sp>
         <p:nvSpPr>
-          <p:cNvPr id="165" name="Google Shape;165;p26"/>
+          <p:cNvPr id="171" name="Google Shape;171;p27"/>
           <p:cNvSpPr txBox="1"/>
           <p:nvPr>
             <p:ph idx="12" type="sldNum"/>
@@ -9145,7 +9437,7 @@
       </p:sp>
       <p:pic>
         <p:nvPicPr>
-          <p:cNvPr id="166" name="Google Shape;166;p26"/>
+          <p:cNvPr id="172" name="Google Shape;172;p27"/>
           <p:cNvPicPr preferRelativeResize="0"/>
           <p:nvPr/>
         </p:nvPicPr>
@@ -9173,7 +9465,7 @@
       </p:pic>
       <p:pic>
         <p:nvPicPr>
-          <p:cNvPr id="167" name="Google Shape;167;p26"/>
+          <p:cNvPr id="173" name="Google Shape;173;p27"/>
           <p:cNvPicPr preferRelativeResize="0"/>
           <p:nvPr/>
         </p:nvPicPr>
@@ -9201,7 +9493,7 @@
       </p:pic>
       <p:pic>
         <p:nvPicPr>
-          <p:cNvPr id="168" name="Google Shape;168;p26"/>
+          <p:cNvPr id="174" name="Google Shape;174;p27"/>
           <p:cNvPicPr preferRelativeResize="0"/>
           <p:nvPr/>
         </p:nvPicPr>
@@ -9229,7 +9521,7 @@
       </p:pic>
       <p:sp>
         <p:nvSpPr>
-          <p:cNvPr id="169" name="Google Shape;169;p26"/>
+          <p:cNvPr id="175" name="Google Shape;175;p27"/>
           <p:cNvSpPr txBox="1"/>
           <p:nvPr/>
         </p:nvSpPr>
@@ -9287,7 +9579,7 @@
       </p:sp>
       <p:pic>
         <p:nvPicPr>
-          <p:cNvPr id="170" name="Google Shape;170;p26"/>
+          <p:cNvPr id="176" name="Google Shape;176;p27"/>
           <p:cNvPicPr preferRelativeResize="0"/>
           <p:nvPr/>
         </p:nvPicPr>
@@ -9314,7 +9606,7 @@
       </p:pic>
       <p:pic>
         <p:nvPicPr>
-          <p:cNvPr id="171" name="Google Shape;171;p26"/>
+          <p:cNvPr id="177" name="Google Shape;177;p27"/>
           <p:cNvPicPr preferRelativeResize="0"/>
           <p:nvPr/>
         </p:nvPicPr>
@@ -9341,7 +9633,7 @@
       </p:pic>
       <p:pic>
         <p:nvPicPr>
-          <p:cNvPr id="172" name="Google Shape;172;p26"/>
+          <p:cNvPr id="178" name="Google Shape;178;p27"/>
           <p:cNvPicPr preferRelativeResize="0"/>
           <p:nvPr/>
         </p:nvPicPr>
@@ -9366,111 +9658,6 @@
           </a:ln>
         </p:spPr>
       </p:pic>
-    </p:spTree>
-  </p:cSld>
-  <p:clrMapOvr>
-    <a:masterClrMapping/>
-  </p:clrMapOvr>
-</p:sld>
-</file>
-
-<file path=ppt/slides/slide15.xml><?xml version="1.0" encoding="utf-8"?>
-<p:sld xmlns:a="http://schemas.openxmlformats.org/drawingml/2006/main" xmlns:r="http://schemas.openxmlformats.org/officeDocument/2006/relationships" xmlns:mc="http://schemas.openxmlformats.org/markup-compatibility/2006" xmlns:mv="urn:schemas-microsoft-com:mac:vml" xmlns:p="http://schemas.openxmlformats.org/presentationml/2006/main" xmlns:c="http://schemas.openxmlformats.org/drawingml/2006/chart" xmlns:dgm="http://schemas.openxmlformats.org/drawingml/2006/diagram" xmlns:o="urn:schemas-microsoft-com:office:office" xmlns:v="urn:schemas-microsoft-com:vml" xmlns:pvml="urn:schemas-microsoft-com:office:powerpoint" xmlns:com="http://schemas.openxmlformats.org/drawingml/2006/compatibility" xmlns:p14="http://schemas.microsoft.com/office/powerpoint/2010/main" xmlns:p15="http://schemas.microsoft.com/office/powerpoint/2012/main" xmlns:ahyp="http://schemas.microsoft.com/office/drawing/2018/hyperlinkcolor">
-  <p:cSld>
-    <p:spTree>
-      <p:nvGrpSpPr>
-        <p:cNvPr id="176" name="Shape 176"/>
-        <p:cNvGrpSpPr/>
-        <p:nvPr/>
-      </p:nvGrpSpPr>
-      <p:grpSpPr>
-        <a:xfrm>
-          <a:off x="0" y="0"/>
-          <a:ext cx="0" cy="0"/>
-          <a:chOff x="0" y="0"/>
-          <a:chExt cx="0" cy="0"/>
-        </a:xfrm>
-      </p:grpSpPr>
-      <p:sp>
-        <p:nvSpPr>
-          <p:cNvPr id="177" name="Google Shape;177;p27"/>
-          <p:cNvSpPr txBox="1"/>
-          <p:nvPr>
-            <p:ph type="title"/>
-          </p:nvPr>
-        </p:nvSpPr>
-        <p:spPr>
-          <a:xfrm>
-            <a:off x="347750" y="1948550"/>
-            <a:ext cx="8673300" cy="667200"/>
-          </a:xfrm>
-          <a:prstGeom prst="rect">
-            <a:avLst/>
-          </a:prstGeom>
-        </p:spPr>
-        <p:txBody>
-          <a:bodyPr anchorCtr="0" anchor="ctr" bIns="91425" lIns="91425" spcFirstLastPara="1" rIns="91425" wrap="square" tIns="91425">
-            <a:normAutofit/>
-          </a:bodyPr>
-          <a:lstStyle/>
-          <a:p>
-            <a:pPr indent="0" lvl="0" marL="0" rtl="0" algn="ctr">
-              <a:spcBef>
-                <a:spcPts val="0"/>
-              </a:spcBef>
-              <a:spcAft>
-                <a:spcPts val="0"/>
-              </a:spcAft>
-              <a:buNone/>
-            </a:pPr>
-            <a:r>
-              <a:rPr lang="fr"/>
-              <a:t>06- Conception</a:t>
-            </a:r>
-            <a:endParaRPr/>
-          </a:p>
-        </p:txBody>
-      </p:sp>
-      <p:sp>
-        <p:nvSpPr>
-          <p:cNvPr id="178" name="Google Shape;178;p27"/>
-          <p:cNvSpPr txBox="1"/>
-          <p:nvPr>
-            <p:ph idx="12" type="sldNum"/>
-          </p:nvPr>
-        </p:nvSpPr>
-        <p:spPr>
-          <a:xfrm>
-            <a:off x="8472458" y="4663217"/>
-            <a:ext cx="548700" cy="393600"/>
-          </a:xfrm>
-          <a:prstGeom prst="rect">
-            <a:avLst/>
-          </a:prstGeom>
-        </p:spPr>
-        <p:txBody>
-          <a:bodyPr anchorCtr="0" anchor="ctr" bIns="91425" lIns="91425" spcFirstLastPara="1" rIns="91425" wrap="square" tIns="91425">
-            <a:normAutofit/>
-          </a:bodyPr>
-          <a:lstStyle/>
-          <a:p>
-            <a:pPr indent="0" lvl="0" marL="0" rtl="0" algn="r">
-              <a:spcBef>
-                <a:spcPts val="0"/>
-              </a:spcBef>
-              <a:spcAft>
-                <a:spcPts val="0"/>
-              </a:spcAft>
-              <a:buNone/>
-            </a:pPr>
-            <a:fld id="{00000000-1234-1234-1234-123412341234}" type="slidenum">
-              <a:rPr lang="fr"/>
-              <a:t>‹#›</a:t>
-            </a:fld>
-            <a:endParaRPr/>
-          </a:p>
-        </p:txBody>
-      </p:sp>
     </p:spTree>
   </p:cSld>
   <p:clrMapOvr>
@@ -9501,6 +9688,46 @@
           <p:cNvPr id="183" name="Google Shape;183;p28"/>
           <p:cNvSpPr txBox="1"/>
           <p:nvPr>
+            <p:ph type="title"/>
+          </p:nvPr>
+        </p:nvSpPr>
+        <p:spPr>
+          <a:xfrm>
+            <a:off x="347750" y="1948550"/>
+            <a:ext cx="8673300" cy="667200"/>
+          </a:xfrm>
+          <a:prstGeom prst="rect">
+            <a:avLst/>
+          </a:prstGeom>
+        </p:spPr>
+        <p:txBody>
+          <a:bodyPr anchorCtr="0" anchor="ctr" bIns="91425" lIns="91425" spcFirstLastPara="1" rIns="91425" wrap="square" tIns="91425">
+            <a:normAutofit/>
+          </a:bodyPr>
+          <a:lstStyle/>
+          <a:p>
+            <a:pPr indent="0" lvl="0" marL="0" rtl="0" algn="ctr">
+              <a:spcBef>
+                <a:spcPts val="0"/>
+              </a:spcBef>
+              <a:spcAft>
+                <a:spcPts val="0"/>
+              </a:spcAft>
+              <a:buNone/>
+            </a:pPr>
+            <a:r>
+              <a:rPr lang="fr"/>
+              <a:t>06- Conception</a:t>
+            </a:r>
+            <a:endParaRPr/>
+          </a:p>
+        </p:txBody>
+      </p:sp>
+      <p:sp>
+        <p:nvSpPr>
+          <p:cNvPr id="184" name="Google Shape;184;p28"/>
+          <p:cNvSpPr txBox="1"/>
+          <p:nvPr>
             <p:ph idx="12" type="sldNum"/>
           </p:nvPr>
         </p:nvSpPr>
@@ -9536,73 +9763,6 @@
           </a:p>
         </p:txBody>
       </p:sp>
-      <p:sp>
-        <p:nvSpPr>
-          <p:cNvPr id="184" name="Google Shape;184;p28"/>
-          <p:cNvSpPr txBox="1"/>
-          <p:nvPr>
-            <p:ph type="title"/>
-          </p:nvPr>
-        </p:nvSpPr>
-        <p:spPr>
-          <a:xfrm>
-            <a:off x="235500" y="29600"/>
-            <a:ext cx="7485000" cy="523500"/>
-          </a:xfrm>
-          <a:prstGeom prst="rect">
-            <a:avLst/>
-          </a:prstGeom>
-        </p:spPr>
-        <p:txBody>
-          <a:bodyPr anchorCtr="0" anchor="b" bIns="91425" lIns="91425" spcFirstLastPara="1" rIns="91425" wrap="square" tIns="91425">
-            <a:normAutofit/>
-          </a:bodyPr>
-          <a:lstStyle/>
-          <a:p>
-            <a:pPr indent="0" lvl="0" marL="0" rtl="0" algn="l">
-              <a:spcBef>
-                <a:spcPts val="0"/>
-              </a:spcBef>
-              <a:spcAft>
-                <a:spcPts val="0"/>
-              </a:spcAft>
-              <a:buNone/>
-            </a:pPr>
-            <a:r>
-              <a:rPr lang="fr"/>
-              <a:t>Diagramme de class</a:t>
-            </a:r>
-            <a:endParaRPr/>
-          </a:p>
-        </p:txBody>
-      </p:sp>
-      <p:pic>
-        <p:nvPicPr>
-          <p:cNvPr id="185" name="Google Shape;185;p28"/>
-          <p:cNvPicPr preferRelativeResize="0"/>
-          <p:nvPr/>
-        </p:nvPicPr>
-        <p:blipFill rotWithShape="1">
-          <a:blip r:embed="rId3">
-            <a:alphaModFix/>
-          </a:blip>
-          <a:srcRect b="641" l="0" r="0" t="641"/>
-          <a:stretch/>
-        </p:blipFill>
-        <p:spPr>
-          <a:xfrm>
-            <a:off x="1295400" y="709900"/>
-            <a:ext cx="6198101" cy="4281200"/>
-          </a:xfrm>
-          <a:prstGeom prst="rect">
-            <a:avLst/>
-          </a:prstGeom>
-          <a:noFill/>
-          <a:ln>
-            <a:noFill/>
-          </a:ln>
-        </p:spPr>
-      </p:pic>
     </p:spTree>
   </p:cSld>
   <p:clrMapOvr>
@@ -9616,7 +9776,7 @@
   <p:cSld>
     <p:spTree>
       <p:nvGrpSpPr>
-        <p:cNvPr id="189" name="Shape 189"/>
+        <p:cNvPr id="188" name="Shape 188"/>
         <p:cNvGrpSpPr/>
         <p:nvPr/>
       </p:nvGrpSpPr>
@@ -9630,7 +9790,7 @@
       </p:grpSpPr>
       <p:sp>
         <p:nvSpPr>
-          <p:cNvPr id="190" name="Google Shape;190;p29"/>
+          <p:cNvPr id="189" name="Google Shape;189;p29"/>
           <p:cNvSpPr txBox="1"/>
           <p:nvPr>
             <p:ph idx="12" type="sldNum"/>
@@ -9670,7 +9830,7 @@
       </p:sp>
       <p:sp>
         <p:nvSpPr>
-          <p:cNvPr id="191" name="Google Shape;191;p29"/>
+          <p:cNvPr id="190" name="Google Shape;190;p29"/>
           <p:cNvSpPr txBox="1"/>
           <p:nvPr>
             <p:ph type="title"/>
@@ -9702,7 +9862,7 @@
             </a:pPr>
             <a:r>
               <a:rPr lang="fr"/>
-              <a:t>Maquette</a:t>
+              <a:t>Diagramme de class</a:t>
             </a:r>
             <a:endParaRPr/>
           </a:p>
@@ -9710,7 +9870,7 @@
       </p:sp>
       <p:pic>
         <p:nvPicPr>
-          <p:cNvPr id="192" name="Google Shape;192;p29"/>
+          <p:cNvPr id="191" name="Google Shape;191;p29"/>
           <p:cNvPicPr preferRelativeResize="0"/>
           <p:nvPr/>
         </p:nvPicPr>
@@ -9718,13 +9878,13 @@
           <a:blip r:embed="rId3">
             <a:alphaModFix/>
           </a:blip>
-          <a:srcRect b="0" l="0" r="0" t="0"/>
+          <a:srcRect b="641" l="0" r="0" t="641"/>
           <a:stretch/>
         </p:blipFill>
         <p:spPr>
           <a:xfrm>
-            <a:off x="1245379" y="1120300"/>
-            <a:ext cx="6166995" cy="2902912"/>
+            <a:off x="1295400" y="709900"/>
+            <a:ext cx="6198101" cy="4281200"/>
           </a:xfrm>
           <a:prstGeom prst="rect">
             <a:avLst/>
@@ -9748,7 +9908,7 @@
   <p:cSld>
     <p:spTree>
       <p:nvGrpSpPr>
-        <p:cNvPr id="196" name="Shape 196"/>
+        <p:cNvPr id="195" name="Shape 195"/>
         <p:cNvGrpSpPr/>
         <p:nvPr/>
       </p:nvGrpSpPr>
@@ -9762,7 +9922,7 @@
       </p:grpSpPr>
       <p:sp>
         <p:nvSpPr>
-          <p:cNvPr id="197" name="Google Shape;197;p30"/>
+          <p:cNvPr id="196" name="Google Shape;196;p30"/>
           <p:cNvSpPr txBox="1"/>
           <p:nvPr>
             <p:ph idx="12" type="sldNum"/>
@@ -9802,7 +9962,7 @@
       </p:sp>
       <p:sp>
         <p:nvSpPr>
-          <p:cNvPr id="198" name="Google Shape;198;p30"/>
+          <p:cNvPr id="197" name="Google Shape;197;p30"/>
           <p:cNvSpPr txBox="1"/>
           <p:nvPr>
             <p:ph type="title"/>
@@ -9842,7 +10002,7 @@
       </p:sp>
       <p:pic>
         <p:nvPicPr>
-          <p:cNvPr id="199" name="Google Shape;199;p30"/>
+          <p:cNvPr id="198" name="Google Shape;198;p30"/>
           <p:cNvPicPr preferRelativeResize="0"/>
           <p:nvPr/>
         </p:nvPicPr>
@@ -9855,7 +10015,7 @@
         </p:blipFill>
         <p:spPr>
           <a:xfrm>
-            <a:off x="1212604" y="1054775"/>
+            <a:off x="1245379" y="1120300"/>
             <a:ext cx="6166995" cy="2902912"/>
           </a:xfrm>
           <a:prstGeom prst="rect">
@@ -9880,7 +10040,7 @@
   <p:cSld>
     <p:spTree>
       <p:nvGrpSpPr>
-        <p:cNvPr id="203" name="Shape 203"/>
+        <p:cNvPr id="202" name="Shape 202"/>
         <p:cNvGrpSpPr/>
         <p:nvPr/>
       </p:nvGrpSpPr>
@@ -9894,7 +10054,7 @@
       </p:grpSpPr>
       <p:sp>
         <p:nvSpPr>
-          <p:cNvPr id="204" name="Google Shape;204;p31"/>
+          <p:cNvPr id="203" name="Google Shape;203;p31"/>
           <p:cNvSpPr txBox="1"/>
           <p:nvPr>
             <p:ph idx="12" type="sldNum"/>
@@ -9934,7 +10094,7 @@
       </p:sp>
       <p:sp>
         <p:nvSpPr>
-          <p:cNvPr id="205" name="Google Shape;205;p31"/>
+          <p:cNvPr id="204" name="Google Shape;204;p31"/>
           <p:cNvSpPr txBox="1"/>
           <p:nvPr>
             <p:ph type="title"/>
@@ -9974,22 +10134,21 @@
       </p:sp>
       <p:pic>
         <p:nvPicPr>
-          <p:cNvPr id="206" name="Google Shape;206;p31"/>
+          <p:cNvPr id="205" name="Google Shape;205;p31"/>
           <p:cNvPicPr preferRelativeResize="0"/>
           <p:nvPr/>
         </p:nvPicPr>
-        <p:blipFill>
+        <p:blipFill rotWithShape="1">
           <a:blip r:embed="rId3">
             <a:alphaModFix/>
           </a:blip>
-          <a:stretch>
-            <a:fillRect/>
-          </a:stretch>
+          <a:srcRect b="0" l="0" r="0" t="0"/>
+          <a:stretch/>
         </p:blipFill>
         <p:spPr>
           <a:xfrm>
-            <a:off x="2948088" y="695025"/>
-            <a:ext cx="2790624" cy="4285600"/>
+            <a:off x="1212604" y="1054775"/>
+            <a:ext cx="6166995" cy="2902912"/>
           </a:xfrm>
           <a:prstGeom prst="rect">
             <a:avLst/>
@@ -10146,7 +10305,7 @@
   <p:cSld>
     <p:spTree>
       <p:nvGrpSpPr>
-        <p:cNvPr id="210" name="Shape 210"/>
+        <p:cNvPr id="209" name="Shape 209"/>
         <p:cNvGrpSpPr/>
         <p:nvPr/>
       </p:nvGrpSpPr>
@@ -10160,47 +10319,7 @@
       </p:grpSpPr>
       <p:sp>
         <p:nvSpPr>
-          <p:cNvPr id="211" name="Google Shape;211;p32"/>
-          <p:cNvSpPr txBox="1"/>
-          <p:nvPr>
-            <p:ph type="title"/>
-          </p:nvPr>
-        </p:nvSpPr>
-        <p:spPr>
-          <a:xfrm>
-            <a:off x="347750" y="1948550"/>
-            <a:ext cx="8673300" cy="667200"/>
-          </a:xfrm>
-          <a:prstGeom prst="rect">
-            <a:avLst/>
-          </a:prstGeom>
-        </p:spPr>
-        <p:txBody>
-          <a:bodyPr anchorCtr="0" anchor="ctr" bIns="91425" lIns="91425" spcFirstLastPara="1" rIns="91425" wrap="square" tIns="91425">
-            <a:normAutofit/>
-          </a:bodyPr>
-          <a:lstStyle/>
-          <a:p>
-            <a:pPr indent="0" lvl="0" marL="0" rtl="0" algn="ctr">
-              <a:spcBef>
-                <a:spcPts val="0"/>
-              </a:spcBef>
-              <a:spcAft>
-                <a:spcPts val="0"/>
-              </a:spcAft>
-              <a:buNone/>
-            </a:pPr>
-            <a:r>
-              <a:rPr lang="fr"/>
-              <a:t>07- Réalisation</a:t>
-            </a:r>
-            <a:endParaRPr/>
-          </a:p>
-        </p:txBody>
-      </p:sp>
-      <p:sp>
-        <p:nvSpPr>
-          <p:cNvPr id="212" name="Google Shape;212;p32"/>
+          <p:cNvPr id="210" name="Google Shape;210;p32"/>
           <p:cNvSpPr txBox="1"/>
           <p:nvPr>
             <p:ph idx="12" type="sldNum"/>
@@ -10238,6 +10357,74 @@
           </a:p>
         </p:txBody>
       </p:sp>
+      <p:sp>
+        <p:nvSpPr>
+          <p:cNvPr id="211" name="Google Shape;211;p32"/>
+          <p:cNvSpPr txBox="1"/>
+          <p:nvPr>
+            <p:ph type="title"/>
+          </p:nvPr>
+        </p:nvSpPr>
+        <p:spPr>
+          <a:xfrm>
+            <a:off x="235500" y="29600"/>
+            <a:ext cx="7485000" cy="523500"/>
+          </a:xfrm>
+          <a:prstGeom prst="rect">
+            <a:avLst/>
+          </a:prstGeom>
+        </p:spPr>
+        <p:txBody>
+          <a:bodyPr anchorCtr="0" anchor="b" bIns="91425" lIns="91425" spcFirstLastPara="1" rIns="91425" wrap="square" tIns="91425">
+            <a:normAutofit/>
+          </a:bodyPr>
+          <a:lstStyle/>
+          <a:p>
+            <a:pPr indent="0" lvl="0" marL="0" rtl="0" algn="l">
+              <a:spcBef>
+                <a:spcPts val="0"/>
+              </a:spcBef>
+              <a:spcAft>
+                <a:spcPts val="0"/>
+              </a:spcAft>
+              <a:buNone/>
+            </a:pPr>
+            <a:r>
+              <a:rPr lang="fr"/>
+              <a:t>Maquette</a:t>
+            </a:r>
+            <a:endParaRPr/>
+          </a:p>
+        </p:txBody>
+      </p:sp>
+      <p:pic>
+        <p:nvPicPr>
+          <p:cNvPr id="212" name="Google Shape;212;p32"/>
+          <p:cNvPicPr preferRelativeResize="0"/>
+          <p:nvPr/>
+        </p:nvPicPr>
+        <p:blipFill>
+          <a:blip r:embed="rId3">
+            <a:alphaModFix/>
+          </a:blip>
+          <a:stretch>
+            <a:fillRect/>
+          </a:stretch>
+        </p:blipFill>
+        <p:spPr>
+          <a:xfrm>
+            <a:off x="2948088" y="695025"/>
+            <a:ext cx="2790624" cy="4285600"/>
+          </a:xfrm>
+          <a:prstGeom prst="rect">
+            <a:avLst/>
+          </a:prstGeom>
+          <a:noFill/>
+          <a:ln>
+            <a:noFill/>
+          </a:ln>
+        </p:spPr>
+      </p:pic>
     </p:spTree>
   </p:cSld>
   <p:clrMapOvr>
@@ -10297,6 +10484,111 @@
             </a:pPr>
             <a:r>
               <a:rPr lang="fr"/>
+              <a:t>07- Réalisation</a:t>
+            </a:r>
+            <a:endParaRPr/>
+          </a:p>
+        </p:txBody>
+      </p:sp>
+      <p:sp>
+        <p:nvSpPr>
+          <p:cNvPr id="218" name="Google Shape;218;p33"/>
+          <p:cNvSpPr txBox="1"/>
+          <p:nvPr>
+            <p:ph idx="12" type="sldNum"/>
+          </p:nvPr>
+        </p:nvSpPr>
+        <p:spPr>
+          <a:xfrm>
+            <a:off x="8472458" y="4663217"/>
+            <a:ext cx="548700" cy="393600"/>
+          </a:xfrm>
+          <a:prstGeom prst="rect">
+            <a:avLst/>
+          </a:prstGeom>
+        </p:spPr>
+        <p:txBody>
+          <a:bodyPr anchorCtr="0" anchor="ctr" bIns="91425" lIns="91425" spcFirstLastPara="1" rIns="91425" wrap="square" tIns="91425">
+            <a:normAutofit/>
+          </a:bodyPr>
+          <a:lstStyle/>
+          <a:p>
+            <a:pPr indent="0" lvl="0" marL="0" rtl="0" algn="r">
+              <a:spcBef>
+                <a:spcPts val="0"/>
+              </a:spcBef>
+              <a:spcAft>
+                <a:spcPts val="0"/>
+              </a:spcAft>
+              <a:buNone/>
+            </a:pPr>
+            <a:fld id="{00000000-1234-1234-1234-123412341234}" type="slidenum">
+              <a:rPr lang="fr"/>
+              <a:t>‹#›</a:t>
+            </a:fld>
+            <a:endParaRPr/>
+          </a:p>
+        </p:txBody>
+      </p:sp>
+    </p:spTree>
+  </p:cSld>
+  <p:clrMapOvr>
+    <a:masterClrMapping/>
+  </p:clrMapOvr>
+</p:sld>
+</file>
+
+<file path=ppt/slides/slide22.xml><?xml version="1.0" encoding="utf-8"?>
+<p:sld xmlns:a="http://schemas.openxmlformats.org/drawingml/2006/main" xmlns:r="http://schemas.openxmlformats.org/officeDocument/2006/relationships" xmlns:mc="http://schemas.openxmlformats.org/markup-compatibility/2006" xmlns:mv="urn:schemas-microsoft-com:mac:vml" xmlns:p="http://schemas.openxmlformats.org/presentationml/2006/main" xmlns:c="http://schemas.openxmlformats.org/drawingml/2006/chart" xmlns:dgm="http://schemas.openxmlformats.org/drawingml/2006/diagram" xmlns:o="urn:schemas-microsoft-com:office:office" xmlns:v="urn:schemas-microsoft-com:vml" xmlns:pvml="urn:schemas-microsoft-com:office:powerpoint" xmlns:com="http://schemas.openxmlformats.org/drawingml/2006/compatibility" xmlns:p14="http://schemas.microsoft.com/office/powerpoint/2010/main" xmlns:p15="http://schemas.microsoft.com/office/powerpoint/2012/main" xmlns:ahyp="http://schemas.microsoft.com/office/drawing/2018/hyperlinkcolor">
+  <p:cSld>
+    <p:spTree>
+      <p:nvGrpSpPr>
+        <p:cNvPr id="222" name="Shape 222"/>
+        <p:cNvGrpSpPr/>
+        <p:nvPr/>
+      </p:nvGrpSpPr>
+      <p:grpSpPr>
+        <a:xfrm>
+          <a:off x="0" y="0"/>
+          <a:ext cx="0" cy="0"/>
+          <a:chOff x="0" y="0"/>
+          <a:chExt cx="0" cy="0"/>
+        </a:xfrm>
+      </p:grpSpPr>
+      <p:sp>
+        <p:nvSpPr>
+          <p:cNvPr id="223" name="Google Shape;223;p34"/>
+          <p:cNvSpPr txBox="1"/>
+          <p:nvPr>
+            <p:ph type="title"/>
+          </p:nvPr>
+        </p:nvSpPr>
+        <p:spPr>
+          <a:xfrm>
+            <a:off x="347750" y="1948550"/>
+            <a:ext cx="8673300" cy="667200"/>
+          </a:xfrm>
+          <a:prstGeom prst="rect">
+            <a:avLst/>
+          </a:prstGeom>
+        </p:spPr>
+        <p:txBody>
+          <a:bodyPr anchorCtr="0" anchor="ctr" bIns="91425" lIns="91425" spcFirstLastPara="1" rIns="91425" wrap="square" tIns="91425">
+            <a:normAutofit/>
+          </a:bodyPr>
+          <a:lstStyle/>
+          <a:p>
+            <a:pPr indent="0" lvl="0" marL="0" rtl="0" algn="ctr">
+              <a:spcBef>
+                <a:spcPts val="0"/>
+              </a:spcBef>
+              <a:spcAft>
+                <a:spcPts val="0"/>
+              </a:spcAft>
+              <a:buNone/>
+            </a:pPr>
+            <a:r>
+              <a:rPr lang="fr"/>
               <a:t>Conclusion </a:t>
             </a:r>
             <a:endParaRPr/>
@@ -10305,7 +10597,7 @@
       </p:sp>
       <p:sp>
         <p:nvSpPr>
-          <p:cNvPr id="218" name="Google Shape;218;p33"/>
+          <p:cNvPr id="224" name="Google Shape;224;p34"/>
           <p:cNvSpPr txBox="1"/>
           <p:nvPr>
             <p:ph idx="12" type="sldNum"/>
@@ -11872,13 +12164,6 @@
 <file path=ppt/slides/slide8.xml><?xml version="1.0" encoding="utf-8"?>
 <p:sld xmlns:a="http://schemas.openxmlformats.org/drawingml/2006/main" xmlns:r="http://schemas.openxmlformats.org/officeDocument/2006/relationships" xmlns:mc="http://schemas.openxmlformats.org/markup-compatibility/2006" xmlns:mv="urn:schemas-microsoft-com:mac:vml" xmlns:p="http://schemas.openxmlformats.org/presentationml/2006/main" xmlns:c="http://schemas.openxmlformats.org/drawingml/2006/chart" xmlns:dgm="http://schemas.openxmlformats.org/drawingml/2006/diagram" xmlns:o="urn:schemas-microsoft-com:office:office" xmlns:v="urn:schemas-microsoft-com:vml" xmlns:pvml="urn:schemas-microsoft-com:office:powerpoint" xmlns:com="http://schemas.openxmlformats.org/drawingml/2006/compatibility" xmlns:p14="http://schemas.microsoft.com/office/powerpoint/2010/main" xmlns:p15="http://schemas.microsoft.com/office/powerpoint/2012/main" xmlns:ahyp="http://schemas.microsoft.com/office/drawing/2018/hyperlinkcolor">
   <p:cSld>
-    <p:bg>
-      <p:bgPr>
-        <a:solidFill>
-          <a:schemeClr val="lt1"/>
-        </a:solidFill>
-      </p:bgPr>
-    </p:bg>
     <p:spTree>
       <p:nvGrpSpPr>
         <p:cNvPr id="121" name="Shape 121"/>
@@ -11898,6 +12183,118 @@
           <p:cNvPr id="122" name="Google Shape;122;p20"/>
           <p:cNvSpPr txBox="1"/>
           <p:nvPr>
+            <p:ph idx="12" type="sldNum"/>
+          </p:nvPr>
+        </p:nvSpPr>
+        <p:spPr>
+          <a:xfrm>
+            <a:off x="8472458" y="4663217"/>
+            <a:ext cx="548700" cy="393600"/>
+          </a:xfrm>
+          <a:prstGeom prst="rect">
+            <a:avLst/>
+          </a:prstGeom>
+        </p:spPr>
+        <p:txBody>
+          <a:bodyPr anchorCtr="0" anchor="ctr" bIns="91425" lIns="91425" spcFirstLastPara="1" rIns="91425" wrap="square" tIns="91425">
+            <a:normAutofit/>
+          </a:bodyPr>
+          <a:lstStyle/>
+          <a:p>
+            <a:pPr indent="0" lvl="0" marL="0" rtl="0" algn="r">
+              <a:spcBef>
+                <a:spcPts val="0"/>
+              </a:spcBef>
+              <a:spcAft>
+                <a:spcPts val="0"/>
+              </a:spcAft>
+              <a:buNone/>
+            </a:pPr>
+            <a:fld id="{00000000-1234-1234-1234-123412341234}" type="slidenum">
+              <a:rPr lang="fr"/>
+              <a:t>‹#›</a:t>
+            </a:fld>
+            <a:endParaRPr/>
+          </a:p>
+        </p:txBody>
+      </p:sp>
+      <p:sp>
+        <p:nvSpPr>
+          <p:cNvPr id="123" name="Google Shape;123;p20"/>
+          <p:cNvSpPr txBox="1"/>
+          <p:nvPr>
+            <p:ph type="title"/>
+          </p:nvPr>
+        </p:nvSpPr>
+        <p:spPr>
+          <a:xfrm>
+            <a:off x="347750" y="1948550"/>
+            <a:ext cx="8673300" cy="667200"/>
+          </a:xfrm>
+          <a:prstGeom prst="rect">
+            <a:avLst/>
+          </a:prstGeom>
+        </p:spPr>
+        <p:txBody>
+          <a:bodyPr anchorCtr="0" anchor="ctr" bIns="91425" lIns="91425" spcFirstLastPara="1" rIns="91425" wrap="square" tIns="91425">
+            <a:normAutofit/>
+          </a:bodyPr>
+          <a:lstStyle/>
+          <a:p>
+            <a:pPr indent="0" lvl="0" marL="0" rtl="0" algn="ctr">
+              <a:spcBef>
+                <a:spcPts val="0"/>
+              </a:spcBef>
+              <a:spcAft>
+                <a:spcPts val="0"/>
+              </a:spcAft>
+              <a:buNone/>
+            </a:pPr>
+            <a:r>
+              <a:rPr lang="fr"/>
+              <a:t>Cart empathie</a:t>
+            </a:r>
+            <a:endParaRPr/>
+          </a:p>
+        </p:txBody>
+      </p:sp>
+    </p:spTree>
+  </p:cSld>
+  <p:clrMapOvr>
+    <a:masterClrMapping/>
+  </p:clrMapOvr>
+</p:sld>
+</file>
+
+<file path=ppt/slides/slide9.xml><?xml version="1.0" encoding="utf-8"?>
+<p:sld xmlns:a="http://schemas.openxmlformats.org/drawingml/2006/main" xmlns:r="http://schemas.openxmlformats.org/officeDocument/2006/relationships" xmlns:mc="http://schemas.openxmlformats.org/markup-compatibility/2006" xmlns:mv="urn:schemas-microsoft-com:mac:vml" xmlns:p="http://schemas.openxmlformats.org/presentationml/2006/main" xmlns:c="http://schemas.openxmlformats.org/drawingml/2006/chart" xmlns:dgm="http://schemas.openxmlformats.org/drawingml/2006/diagram" xmlns:o="urn:schemas-microsoft-com:office:office" xmlns:v="urn:schemas-microsoft-com:vml" xmlns:pvml="urn:schemas-microsoft-com:office:powerpoint" xmlns:com="http://schemas.openxmlformats.org/drawingml/2006/compatibility" xmlns:p14="http://schemas.microsoft.com/office/powerpoint/2010/main" xmlns:p15="http://schemas.microsoft.com/office/powerpoint/2012/main" xmlns:ahyp="http://schemas.microsoft.com/office/drawing/2018/hyperlinkcolor">
+  <p:cSld>
+    <p:bg>
+      <p:bgPr>
+        <a:solidFill>
+          <a:schemeClr val="lt1"/>
+        </a:solidFill>
+      </p:bgPr>
+    </p:bg>
+    <p:spTree>
+      <p:nvGrpSpPr>
+        <p:cNvPr id="127" name="Shape 127"/>
+        <p:cNvGrpSpPr/>
+        <p:nvPr/>
+      </p:nvGrpSpPr>
+      <p:grpSpPr>
+        <a:xfrm>
+          <a:off x="0" y="0"/>
+          <a:ext cx="0" cy="0"/>
+          <a:chOff x="0" y="0"/>
+          <a:chExt cx="0" cy="0"/>
+        </a:xfrm>
+      </p:grpSpPr>
+      <p:sp>
+        <p:nvSpPr>
+          <p:cNvPr id="128" name="Google Shape;128;p21"/>
+          <p:cNvSpPr txBox="1"/>
+          <p:nvPr>
             <p:ph type="title"/>
           </p:nvPr>
         </p:nvSpPr>
@@ -11935,7 +12332,7 @@
       </p:sp>
       <p:sp>
         <p:nvSpPr>
-          <p:cNvPr id="123" name="Google Shape;123;p20"/>
+          <p:cNvPr id="129" name="Google Shape;129;p21"/>
           <p:cNvSpPr txBox="1"/>
           <p:nvPr>
             <p:ph idx="12" type="sldNum"/>
@@ -11975,7 +12372,7 @@
       </p:sp>
       <p:pic>
         <p:nvPicPr>
-          <p:cNvPr id="124" name="Google Shape;124;p20"/>
+          <p:cNvPr id="130" name="Google Shape;130;p21"/>
           <p:cNvPicPr preferRelativeResize="0"/>
           <p:nvPr/>
         </p:nvPicPr>
@@ -11991,198 +12388,6 @@
           <a:xfrm>
             <a:off x="1026750" y="1117762"/>
             <a:ext cx="7445700" cy="3410050"/>
-          </a:xfrm>
-          <a:prstGeom prst="rect">
-            <a:avLst/>
-          </a:prstGeom>
-          <a:noFill/>
-          <a:ln>
-            <a:noFill/>
-          </a:ln>
-        </p:spPr>
-      </p:pic>
-    </p:spTree>
-  </p:cSld>
-  <p:clrMapOvr>
-    <a:masterClrMapping/>
-  </p:clrMapOvr>
-</p:sld>
-</file>
-
-<file path=ppt/slides/slide9.xml><?xml version="1.0" encoding="utf-8"?>
-<p:sld xmlns:a="http://schemas.openxmlformats.org/drawingml/2006/main" xmlns:r="http://schemas.openxmlformats.org/officeDocument/2006/relationships" xmlns:mc="http://schemas.openxmlformats.org/markup-compatibility/2006" xmlns:mv="urn:schemas-microsoft-com:mac:vml" xmlns:p="http://schemas.openxmlformats.org/presentationml/2006/main" xmlns:c="http://schemas.openxmlformats.org/drawingml/2006/chart" xmlns:dgm="http://schemas.openxmlformats.org/drawingml/2006/diagram" xmlns:o="urn:schemas-microsoft-com:office:office" xmlns:v="urn:schemas-microsoft-com:vml" xmlns:pvml="urn:schemas-microsoft-com:office:powerpoint" xmlns:com="http://schemas.openxmlformats.org/drawingml/2006/compatibility" xmlns:p14="http://schemas.microsoft.com/office/powerpoint/2010/main" xmlns:p15="http://schemas.microsoft.com/office/powerpoint/2012/main" xmlns:ahyp="http://schemas.microsoft.com/office/drawing/2018/hyperlinkcolor">
-  <p:cSld>
-    <p:spTree>
-      <p:nvGrpSpPr>
-        <p:cNvPr id="128" name="Shape 128"/>
-        <p:cNvGrpSpPr/>
-        <p:nvPr/>
-      </p:nvGrpSpPr>
-      <p:grpSpPr>
-        <a:xfrm>
-          <a:off x="0" y="0"/>
-          <a:ext cx="0" cy="0"/>
-          <a:chOff x="0" y="0"/>
-          <a:chExt cx="0" cy="0"/>
-        </a:xfrm>
-      </p:grpSpPr>
-      <p:sp>
-        <p:nvSpPr>
-          <p:cNvPr id="129" name="Google Shape;129;p21"/>
-          <p:cNvSpPr txBox="1"/>
-          <p:nvPr>
-            <p:ph idx="12" type="sldNum"/>
-          </p:nvPr>
-        </p:nvSpPr>
-        <p:spPr>
-          <a:xfrm>
-            <a:off x="8472458" y="4663217"/>
-            <a:ext cx="548700" cy="393600"/>
-          </a:xfrm>
-          <a:prstGeom prst="rect">
-            <a:avLst/>
-          </a:prstGeom>
-        </p:spPr>
-        <p:txBody>
-          <a:bodyPr anchorCtr="0" anchor="ctr" bIns="91425" lIns="91425" spcFirstLastPara="1" rIns="91425" wrap="square" tIns="91425">
-            <a:normAutofit/>
-          </a:bodyPr>
-          <a:lstStyle/>
-          <a:p>
-            <a:pPr indent="0" lvl="0" marL="0" rtl="0" algn="r">
-              <a:spcBef>
-                <a:spcPts val="0"/>
-              </a:spcBef>
-              <a:spcAft>
-                <a:spcPts val="0"/>
-              </a:spcAft>
-              <a:buNone/>
-            </a:pPr>
-            <a:fld id="{00000000-1234-1234-1234-123412341234}" type="slidenum">
-              <a:rPr lang="fr"/>
-              <a:t>‹#›</a:t>
-            </a:fld>
-            <a:endParaRPr/>
-          </a:p>
-        </p:txBody>
-      </p:sp>
-      <p:sp>
-        <p:nvSpPr>
-          <p:cNvPr id="130" name="Google Shape;130;p21"/>
-          <p:cNvSpPr txBox="1"/>
-          <p:nvPr>
-            <p:ph type="title"/>
-          </p:nvPr>
-        </p:nvSpPr>
-        <p:spPr>
-          <a:xfrm>
-            <a:off x="235500" y="29600"/>
-            <a:ext cx="7485000" cy="523500"/>
-          </a:xfrm>
-          <a:prstGeom prst="rect">
-            <a:avLst/>
-          </a:prstGeom>
-        </p:spPr>
-        <p:txBody>
-          <a:bodyPr anchorCtr="0" anchor="b" bIns="91425" lIns="91425" spcFirstLastPara="1" rIns="91425" wrap="square" tIns="91425">
-            <a:normAutofit/>
-          </a:bodyPr>
-          <a:lstStyle/>
-          <a:p>
-            <a:pPr indent="0" lvl="0" marL="0" rtl="0" algn="l">
-              <a:spcBef>
-                <a:spcPts val="0"/>
-              </a:spcBef>
-              <a:spcAft>
-                <a:spcPts val="0"/>
-              </a:spcAft>
-              <a:buNone/>
-            </a:pPr>
-            <a:r>
-              <a:rPr lang="fr">
-                <a:solidFill>
-                  <a:schemeClr val="lt1"/>
-                </a:solidFill>
-              </a:rPr>
-              <a:t>Définir le problème </a:t>
-            </a:r>
-            <a:endParaRPr>
-              <a:solidFill>
-                <a:schemeClr val="lt1"/>
-              </a:solidFill>
-            </a:endParaRPr>
-          </a:p>
-        </p:txBody>
-      </p:sp>
-      <p:sp>
-        <p:nvSpPr>
-          <p:cNvPr id="131" name="Google Shape;131;p21"/>
-          <p:cNvSpPr/>
-          <p:nvPr/>
-        </p:nvSpPr>
-        <p:spPr>
-          <a:xfrm>
-            <a:off x="4838700" y="1302075"/>
-            <a:ext cx="1650300" cy="393600"/>
-          </a:xfrm>
-          <a:prstGeom prst="rect">
-            <a:avLst/>
-          </a:prstGeom>
-          <a:solidFill>
-            <a:srgbClr val="CFE2F3"/>
-          </a:solidFill>
-          <a:ln>
-            <a:noFill/>
-          </a:ln>
-        </p:spPr>
-        <p:txBody>
-          <a:bodyPr anchorCtr="0" anchor="ctr" bIns="91425" lIns="91425" spcFirstLastPara="1" rIns="91425" wrap="square" tIns="91425">
-            <a:noAutofit/>
-          </a:bodyPr>
-          <a:lstStyle/>
-          <a:p>
-            <a:pPr indent="0" lvl="0" marL="0" rtl="0" algn="ctr">
-              <a:spcBef>
-                <a:spcPts val="0"/>
-              </a:spcBef>
-              <a:spcAft>
-                <a:spcPts val="0"/>
-              </a:spcAft>
-              <a:buNone/>
-            </a:pPr>
-            <a:r>
-              <a:t/>
-            </a:r>
-            <a:endParaRPr>
-              <a:solidFill>
-                <a:schemeClr val="accent1"/>
-              </a:solidFill>
-              <a:latin typeface="Roboto"/>
-              <a:ea typeface="Roboto"/>
-              <a:cs typeface="Roboto"/>
-              <a:sym typeface="Roboto"/>
-            </a:endParaRPr>
-          </a:p>
-        </p:txBody>
-      </p:sp>
-      <p:pic>
-        <p:nvPicPr>
-          <p:cNvPr id="132" name="Google Shape;132;p21"/>
-          <p:cNvPicPr preferRelativeResize="0"/>
-          <p:nvPr/>
-        </p:nvPicPr>
-        <p:blipFill>
-          <a:blip r:embed="rId3">
-            <a:alphaModFix/>
-          </a:blip>
-          <a:stretch>
-            <a:fillRect/>
-          </a:stretch>
-        </p:blipFill>
-        <p:spPr>
-          <a:xfrm>
-            <a:off x="2743200" y="1148400"/>
-            <a:ext cx="3620550" cy="3620550"/>
           </a:xfrm>
           <a:prstGeom prst="rect">
             <a:avLst/>
